--- a/Examination Record Management System.pptx
+++ b/Examination Record Management System.pptx
@@ -5,7 +5,7 @@
     <p:sldMasterId id="2147483816" r:id="rId1"/>
   </p:sldMasterIdLst>
   <p:notesMasterIdLst>
-    <p:notesMasterId r:id="rId15"/>
+    <p:notesMasterId r:id="rId21"/>
   </p:notesMasterIdLst>
   <p:sldIdLst>
     <p:sldId id="256" r:id="rId2"/>
@@ -18,9 +18,15 @@
     <p:sldId id="263" r:id="rId9"/>
     <p:sldId id="268" r:id="rId10"/>
     <p:sldId id="273" r:id="rId11"/>
-    <p:sldId id="266" r:id="rId12"/>
-    <p:sldId id="267" r:id="rId13"/>
-    <p:sldId id="270" r:id="rId14"/>
+    <p:sldId id="275" r:id="rId12"/>
+    <p:sldId id="276" r:id="rId13"/>
+    <p:sldId id="277" r:id="rId14"/>
+    <p:sldId id="278" r:id="rId15"/>
+    <p:sldId id="279" r:id="rId16"/>
+    <p:sldId id="280" r:id="rId17"/>
+    <p:sldId id="266" r:id="rId18"/>
+    <p:sldId id="267" r:id="rId19"/>
+    <p:sldId id="270" r:id="rId20"/>
   </p:sldIdLst>
   <p:sldSz cx="9144000" cy="6858000" type="screen4x3"/>
   <p:notesSz cx="6858000" cy="9144000"/>
@@ -204,7 +210,7 @@
           <a:p>
             <a:fld id="{A4EA0A71-AC9D-420E-849E-74D2C9C7746D}" type="datetimeFigureOut">
               <a:rPr lang="en-US" smtClean="0"/>
-              <a:t>2/26/2019</a:t>
+              <a:t>2/27/2019</a:t>
             </a:fld>
             <a:endParaRPr lang="en-US"/>
           </a:p>
@@ -615,7 +621,7 @@
           <a:p>
             <a:fld id="{FA5B141C-CAD3-4925-98FF-EEE1F1829A5A}" type="datetime1">
               <a:rPr lang="en-US" smtClean="0"/>
-              <a:t>2/26/2019</a:t>
+              <a:t>2/27/2019</a:t>
             </a:fld>
             <a:endParaRPr lang="en-US"/>
           </a:p>
@@ -931,7 +937,7 @@
           <a:p>
             <a:fld id="{EB97C9DF-2509-466C-BAB9-E515853F4B14}" type="datetime1">
               <a:rPr lang="en-US" smtClean="0"/>
-              <a:t>2/26/2019</a:t>
+              <a:t>2/27/2019</a:t>
             </a:fld>
             <a:endParaRPr lang="en-US"/>
           </a:p>
@@ -1106,7 +1112,7 @@
           <a:p>
             <a:fld id="{69D2EBCD-EFC3-4358-9999-FE8926C51BB3}" type="datetime1">
               <a:rPr lang="en-US" smtClean="0"/>
-              <a:t>2/26/2019</a:t>
+              <a:t>2/27/2019</a:t>
             </a:fld>
             <a:endParaRPr lang="en-US"/>
           </a:p>
@@ -1224,7 +1230,7 @@
           <a:p>
             <a:fld id="{F6FFA95C-D9BA-4602-9FAE-51B6EFDC0153}" type="datetime1">
               <a:rPr lang="en-US" smtClean="0"/>
-              <a:t>2/26/2019</a:t>
+              <a:t>2/27/2019</a:t>
             </a:fld>
             <a:endParaRPr lang="en-US"/>
           </a:p>
@@ -1522,7 +1528,7 @@
           <a:p>
             <a:fld id="{0FF2584A-887D-43F7-90BD-DB35840F52B7}" type="datetime1">
               <a:rPr lang="en-US" smtClean="0"/>
-              <a:t>2/26/2019</a:t>
+              <a:t>2/27/2019</a:t>
             </a:fld>
             <a:endParaRPr lang="en-US"/>
           </a:p>
@@ -1815,7 +1821,7 @@
           <a:p>
             <a:fld id="{26F5F66A-966A-4E28-818D-FB5CB84E6041}" type="datetime1">
               <a:rPr lang="en-US" smtClean="0"/>
-              <a:t>2/26/2019</a:t>
+              <a:t>2/27/2019</a:t>
             </a:fld>
             <a:endParaRPr lang="en-US"/>
           </a:p>
@@ -2243,7 +2249,7 @@
           <a:p>
             <a:fld id="{E326A5E5-9811-48DA-9357-CACEE762C2DF}" type="datetime1">
               <a:rPr lang="en-US" smtClean="0"/>
-              <a:t>2/26/2019</a:t>
+              <a:t>2/27/2019</a:t>
             </a:fld>
             <a:endParaRPr lang="en-US"/>
           </a:p>
@@ -2361,7 +2367,7 @@
           <a:p>
             <a:fld id="{21D4B55D-56C8-443C-8D43-76398FCEDB30}" type="datetime1">
               <a:rPr lang="en-US" smtClean="0"/>
-              <a:t>2/26/2019</a:t>
+              <a:t>2/27/2019</a:t>
             </a:fld>
             <a:endParaRPr lang="en-US"/>
           </a:p>
@@ -2451,7 +2457,7 @@
           <a:p>
             <a:fld id="{34527847-C87A-4EA7-9037-F6CC3FA23973}" type="datetime1">
               <a:rPr lang="en-US" smtClean="0"/>
-              <a:t>2/26/2019</a:t>
+              <a:t>2/27/2019</a:t>
             </a:fld>
             <a:endParaRPr lang="en-US"/>
           </a:p>
@@ -2701,7 +2707,7 @@
           <a:p>
             <a:fld id="{62AD25C3-15F8-46C1-8767-A88764F8B26E}" type="datetime1">
               <a:rPr lang="en-US" smtClean="0"/>
-              <a:t>2/26/2019</a:t>
+              <a:t>2/27/2019</a:t>
             </a:fld>
             <a:endParaRPr lang="en-US"/>
           </a:p>
@@ -3217,7 +3223,7 @@
           <a:p>
             <a:fld id="{80E961EE-585B-42C6-BDED-153534F0793A}" type="datetime1">
               <a:rPr lang="en-US" smtClean="0"/>
-              <a:t>2/26/2019</a:t>
+              <a:t>2/27/2019</a:t>
             </a:fld>
             <a:endParaRPr lang="en-US"/>
           </a:p>
@@ -3447,7 +3453,7 @@
           <a:p>
             <a:fld id="{BF50E909-59FF-4B71-A7D1-1456F9D3571A}" type="datetime1">
               <a:rPr lang="en-US" smtClean="0"/>
-              <a:t>2/26/2019</a:t>
+              <a:t>2/27/2019</a:t>
             </a:fld>
             <a:endParaRPr lang="en-US"/>
           </a:p>
@@ -6823,6 +6829,2847 @@
 </file>
 
 <file path=ppt/slides/slide11.xml><?xml version="1.0" encoding="utf-8"?>
+<p:sld xmlns:a="http://schemas.openxmlformats.org/drawingml/2006/main" xmlns:r="http://schemas.openxmlformats.org/officeDocument/2006/relationships" xmlns:p="http://schemas.openxmlformats.org/presentationml/2006/main">
+  <p:cSld>
+    <p:spTree>
+      <p:nvGrpSpPr>
+        <p:cNvPr id="1" name=""/>
+        <p:cNvGrpSpPr/>
+        <p:nvPr/>
+      </p:nvGrpSpPr>
+      <p:grpSpPr>
+        <a:xfrm>
+          <a:off x="0" y="0"/>
+          <a:ext cx="0" cy="0"/>
+          <a:chOff x="0" y="0"/>
+          <a:chExt cx="0" cy="0"/>
+        </a:xfrm>
+      </p:grpSpPr>
+      <p:pic>
+        <p:nvPicPr>
+          <p:cNvPr id="2" name="Picture 1"/>
+          <p:cNvPicPr>
+            <a:picLocks noChangeAspect="1"/>
+          </p:cNvPicPr>
+          <p:nvPr/>
+        </p:nvPicPr>
+        <p:blipFill>
+          <a:blip r:embed="rId2">
+            <a:extLst>
+              <a:ext uri="{28A0092B-C50C-407E-A947-70E740481C1C}">
+                <a14:useLocalDpi xmlns:a14="http://schemas.microsoft.com/office/drawing/2010/main" val="0"/>
+              </a:ext>
+            </a:extLst>
+          </a:blip>
+          <a:stretch>
+            <a:fillRect/>
+          </a:stretch>
+        </p:blipFill>
+        <p:spPr>
+          <a:xfrm>
+            <a:off x="228601" y="199380"/>
+            <a:ext cx="3200400" cy="4529379"/>
+          </a:xfrm>
+          <a:prstGeom prst="rect">
+            <a:avLst/>
+          </a:prstGeom>
+        </p:spPr>
+      </p:pic>
+      <p:pic>
+        <p:nvPicPr>
+          <p:cNvPr id="3" name="Picture 2"/>
+          <p:cNvPicPr>
+            <a:picLocks noChangeAspect="1"/>
+          </p:cNvPicPr>
+          <p:nvPr/>
+        </p:nvPicPr>
+        <p:blipFill>
+          <a:blip r:embed="rId3">
+            <a:extLst>
+              <a:ext uri="{28A0092B-C50C-407E-A947-70E740481C1C}">
+                <a14:useLocalDpi xmlns:a14="http://schemas.microsoft.com/office/drawing/2010/main" val="0"/>
+              </a:ext>
+            </a:extLst>
+          </a:blip>
+          <a:stretch>
+            <a:fillRect/>
+          </a:stretch>
+        </p:blipFill>
+        <p:spPr>
+          <a:xfrm>
+            <a:off x="5181600" y="368831"/>
+            <a:ext cx="3257143" cy="4190476"/>
+          </a:xfrm>
+          <a:prstGeom prst="rect">
+            <a:avLst/>
+          </a:prstGeom>
+        </p:spPr>
+      </p:pic>
+      <p:sp>
+        <p:nvSpPr>
+          <p:cNvPr id="4" name="TextBox 4"/>
+          <p:cNvSpPr txBox="1"/>
+          <p:nvPr/>
+        </p:nvSpPr>
+        <p:spPr>
+          <a:xfrm>
+            <a:off x="762000" y="4910239"/>
+            <a:ext cx="1828800" cy="369332"/>
+          </a:xfrm>
+          <a:prstGeom prst="rect">
+            <a:avLst/>
+          </a:prstGeom>
+          <a:noFill/>
+        </p:spPr>
+        <p:txBody>
+          <a:bodyPr wrap="square" rtlCol="0">
+            <a:spAutoFit/>
+          </a:bodyPr>
+          <a:lstStyle>
+            <a:defPPr>
+              <a:defRPr lang="en-US"/>
+            </a:defPPr>
+            <a:lvl1pPr marL="0" algn="l" defTabSz="914400" rtl="0" eaLnBrk="1" latinLnBrk="0" hangingPunct="1">
+              <a:defRPr sz="1800" kern="1200">
+                <a:solidFill>
+                  <a:schemeClr val="tx1"/>
+                </a:solidFill>
+                <a:latin typeface="+mn-lt"/>
+                <a:ea typeface="+mn-ea"/>
+                <a:cs typeface="+mn-cs"/>
+              </a:defRPr>
+            </a:lvl1pPr>
+            <a:lvl2pPr marL="457200" algn="l" defTabSz="914400" rtl="0" eaLnBrk="1" latinLnBrk="0" hangingPunct="1">
+              <a:defRPr sz="1800" kern="1200">
+                <a:solidFill>
+                  <a:schemeClr val="tx1"/>
+                </a:solidFill>
+                <a:latin typeface="+mn-lt"/>
+                <a:ea typeface="+mn-ea"/>
+                <a:cs typeface="+mn-cs"/>
+              </a:defRPr>
+            </a:lvl2pPr>
+            <a:lvl3pPr marL="914400" algn="l" defTabSz="914400" rtl="0" eaLnBrk="1" latinLnBrk="0" hangingPunct="1">
+              <a:defRPr sz="1800" kern="1200">
+                <a:solidFill>
+                  <a:schemeClr val="tx1"/>
+                </a:solidFill>
+                <a:latin typeface="+mn-lt"/>
+                <a:ea typeface="+mn-ea"/>
+                <a:cs typeface="+mn-cs"/>
+              </a:defRPr>
+            </a:lvl3pPr>
+            <a:lvl4pPr marL="1371600" algn="l" defTabSz="914400" rtl="0" eaLnBrk="1" latinLnBrk="0" hangingPunct="1">
+              <a:defRPr sz="1800" kern="1200">
+                <a:solidFill>
+                  <a:schemeClr val="tx1"/>
+                </a:solidFill>
+                <a:latin typeface="+mn-lt"/>
+                <a:ea typeface="+mn-ea"/>
+                <a:cs typeface="+mn-cs"/>
+              </a:defRPr>
+            </a:lvl4pPr>
+            <a:lvl5pPr marL="1828800" algn="l" defTabSz="914400" rtl="0" eaLnBrk="1" latinLnBrk="0" hangingPunct="1">
+              <a:defRPr sz="1800" kern="1200">
+                <a:solidFill>
+                  <a:schemeClr val="tx1"/>
+                </a:solidFill>
+                <a:latin typeface="+mn-lt"/>
+                <a:ea typeface="+mn-ea"/>
+                <a:cs typeface="+mn-cs"/>
+              </a:defRPr>
+            </a:lvl5pPr>
+            <a:lvl6pPr marL="2286000" algn="l" defTabSz="914400" rtl="0" eaLnBrk="1" latinLnBrk="0" hangingPunct="1">
+              <a:defRPr sz="1800" kern="1200">
+                <a:solidFill>
+                  <a:schemeClr val="tx1"/>
+                </a:solidFill>
+                <a:latin typeface="+mn-lt"/>
+                <a:ea typeface="+mn-ea"/>
+                <a:cs typeface="+mn-cs"/>
+              </a:defRPr>
+            </a:lvl6pPr>
+            <a:lvl7pPr marL="2743200" algn="l" defTabSz="914400" rtl="0" eaLnBrk="1" latinLnBrk="0" hangingPunct="1">
+              <a:defRPr sz="1800" kern="1200">
+                <a:solidFill>
+                  <a:schemeClr val="tx1"/>
+                </a:solidFill>
+                <a:latin typeface="+mn-lt"/>
+                <a:ea typeface="+mn-ea"/>
+                <a:cs typeface="+mn-cs"/>
+              </a:defRPr>
+            </a:lvl7pPr>
+            <a:lvl8pPr marL="3200400" algn="l" defTabSz="914400" rtl="0" eaLnBrk="1" latinLnBrk="0" hangingPunct="1">
+              <a:defRPr sz="1800" kern="1200">
+                <a:solidFill>
+                  <a:schemeClr val="tx1"/>
+                </a:solidFill>
+                <a:latin typeface="+mn-lt"/>
+                <a:ea typeface="+mn-ea"/>
+                <a:cs typeface="+mn-cs"/>
+              </a:defRPr>
+            </a:lvl8pPr>
+            <a:lvl9pPr marL="3657600" algn="l" defTabSz="914400" rtl="0" eaLnBrk="1" latinLnBrk="0" hangingPunct="1">
+              <a:defRPr sz="1800" kern="1200">
+                <a:solidFill>
+                  <a:schemeClr val="tx1"/>
+                </a:solidFill>
+                <a:latin typeface="+mn-lt"/>
+                <a:ea typeface="+mn-ea"/>
+                <a:cs typeface="+mn-cs"/>
+              </a:defRPr>
+            </a:lvl9pPr>
+          </a:lstStyle>
+          <a:p>
+            <a:r>
+              <a:rPr lang="en-US" u="sng" dirty="0" smtClean="0">
+                <a:solidFill>
+                  <a:schemeClr val="tx2"/>
+                </a:solidFill>
+              </a:rPr>
+              <a:t>LOGIN PAGE</a:t>
+            </a:r>
+            <a:endParaRPr lang="en-GB" u="sng" dirty="0">
+              <a:solidFill>
+                <a:schemeClr val="tx2"/>
+              </a:solidFill>
+            </a:endParaRPr>
+          </a:p>
+        </p:txBody>
+      </p:sp>
+      <p:sp>
+        <p:nvSpPr>
+          <p:cNvPr id="5" name="TextBox 4"/>
+          <p:cNvSpPr txBox="1"/>
+          <p:nvPr/>
+        </p:nvSpPr>
+        <p:spPr>
+          <a:xfrm>
+            <a:off x="6019800" y="4729541"/>
+            <a:ext cx="2418943" cy="369332"/>
+          </a:xfrm>
+          <a:prstGeom prst="rect">
+            <a:avLst/>
+          </a:prstGeom>
+          <a:noFill/>
+        </p:spPr>
+        <p:txBody>
+          <a:bodyPr wrap="square" rtlCol="0">
+            <a:spAutoFit/>
+          </a:bodyPr>
+          <a:lstStyle>
+            <a:defPPr>
+              <a:defRPr lang="en-US"/>
+            </a:defPPr>
+            <a:lvl1pPr marL="0" algn="l" defTabSz="914400" rtl="0" eaLnBrk="1" latinLnBrk="0" hangingPunct="1">
+              <a:defRPr sz="1800" kern="1200">
+                <a:solidFill>
+                  <a:schemeClr val="tx1"/>
+                </a:solidFill>
+                <a:latin typeface="+mn-lt"/>
+                <a:ea typeface="+mn-ea"/>
+                <a:cs typeface="+mn-cs"/>
+              </a:defRPr>
+            </a:lvl1pPr>
+            <a:lvl2pPr marL="457200" algn="l" defTabSz="914400" rtl="0" eaLnBrk="1" latinLnBrk="0" hangingPunct="1">
+              <a:defRPr sz="1800" kern="1200">
+                <a:solidFill>
+                  <a:schemeClr val="tx1"/>
+                </a:solidFill>
+                <a:latin typeface="+mn-lt"/>
+                <a:ea typeface="+mn-ea"/>
+                <a:cs typeface="+mn-cs"/>
+              </a:defRPr>
+            </a:lvl2pPr>
+            <a:lvl3pPr marL="914400" algn="l" defTabSz="914400" rtl="0" eaLnBrk="1" latinLnBrk="0" hangingPunct="1">
+              <a:defRPr sz="1800" kern="1200">
+                <a:solidFill>
+                  <a:schemeClr val="tx1"/>
+                </a:solidFill>
+                <a:latin typeface="+mn-lt"/>
+                <a:ea typeface="+mn-ea"/>
+                <a:cs typeface="+mn-cs"/>
+              </a:defRPr>
+            </a:lvl3pPr>
+            <a:lvl4pPr marL="1371600" algn="l" defTabSz="914400" rtl="0" eaLnBrk="1" latinLnBrk="0" hangingPunct="1">
+              <a:defRPr sz="1800" kern="1200">
+                <a:solidFill>
+                  <a:schemeClr val="tx1"/>
+                </a:solidFill>
+                <a:latin typeface="+mn-lt"/>
+                <a:ea typeface="+mn-ea"/>
+                <a:cs typeface="+mn-cs"/>
+              </a:defRPr>
+            </a:lvl4pPr>
+            <a:lvl5pPr marL="1828800" algn="l" defTabSz="914400" rtl="0" eaLnBrk="1" latinLnBrk="0" hangingPunct="1">
+              <a:defRPr sz="1800" kern="1200">
+                <a:solidFill>
+                  <a:schemeClr val="tx1"/>
+                </a:solidFill>
+                <a:latin typeface="+mn-lt"/>
+                <a:ea typeface="+mn-ea"/>
+                <a:cs typeface="+mn-cs"/>
+              </a:defRPr>
+            </a:lvl5pPr>
+            <a:lvl6pPr marL="2286000" algn="l" defTabSz="914400" rtl="0" eaLnBrk="1" latinLnBrk="0" hangingPunct="1">
+              <a:defRPr sz="1800" kern="1200">
+                <a:solidFill>
+                  <a:schemeClr val="tx1"/>
+                </a:solidFill>
+                <a:latin typeface="+mn-lt"/>
+                <a:ea typeface="+mn-ea"/>
+                <a:cs typeface="+mn-cs"/>
+              </a:defRPr>
+            </a:lvl6pPr>
+            <a:lvl7pPr marL="2743200" algn="l" defTabSz="914400" rtl="0" eaLnBrk="1" latinLnBrk="0" hangingPunct="1">
+              <a:defRPr sz="1800" kern="1200">
+                <a:solidFill>
+                  <a:schemeClr val="tx1"/>
+                </a:solidFill>
+                <a:latin typeface="+mn-lt"/>
+                <a:ea typeface="+mn-ea"/>
+                <a:cs typeface="+mn-cs"/>
+              </a:defRPr>
+            </a:lvl7pPr>
+            <a:lvl8pPr marL="3200400" algn="l" defTabSz="914400" rtl="0" eaLnBrk="1" latinLnBrk="0" hangingPunct="1">
+              <a:defRPr sz="1800" kern="1200">
+                <a:solidFill>
+                  <a:schemeClr val="tx1"/>
+                </a:solidFill>
+                <a:latin typeface="+mn-lt"/>
+                <a:ea typeface="+mn-ea"/>
+                <a:cs typeface="+mn-cs"/>
+              </a:defRPr>
+            </a:lvl8pPr>
+            <a:lvl9pPr marL="3657600" algn="l" defTabSz="914400" rtl="0" eaLnBrk="1" latinLnBrk="0" hangingPunct="1">
+              <a:defRPr sz="1800" kern="1200">
+                <a:solidFill>
+                  <a:schemeClr val="tx1"/>
+                </a:solidFill>
+                <a:latin typeface="+mn-lt"/>
+                <a:ea typeface="+mn-ea"/>
+                <a:cs typeface="+mn-cs"/>
+              </a:defRPr>
+            </a:lvl9pPr>
+          </a:lstStyle>
+          <a:p>
+            <a:r>
+              <a:rPr lang="en-US" u="sng" dirty="0" smtClean="0">
+                <a:solidFill>
+                  <a:schemeClr val="tx2"/>
+                </a:solidFill>
+              </a:rPr>
+              <a:t>SIGNUP PAGE</a:t>
+            </a:r>
+            <a:endParaRPr lang="en-GB" u="sng" dirty="0">
+              <a:solidFill>
+                <a:schemeClr val="tx2"/>
+              </a:solidFill>
+            </a:endParaRPr>
+          </a:p>
+        </p:txBody>
+      </p:sp>
+    </p:spTree>
+    <p:extLst>
+      <p:ext uri="{BB962C8B-B14F-4D97-AF65-F5344CB8AC3E}">
+        <p14:creationId xmlns:p14="http://schemas.microsoft.com/office/powerpoint/2010/main" val="2019597969"/>
+      </p:ext>
+    </p:extLst>
+  </p:cSld>
+  <p:clrMapOvr>
+    <a:masterClrMapping/>
+  </p:clrMapOvr>
+  <p:timing>
+    <p:tnLst>
+      <p:par>
+        <p:cTn id="1" dur="indefinite" restart="never" nodeType="tmRoot">
+          <p:childTnLst>
+            <p:seq concurrent="1" nextAc="seek">
+              <p:cTn id="2" dur="indefinite" nodeType="mainSeq">
+                <p:childTnLst>
+                  <p:par>
+                    <p:cTn id="3" fill="hold">
+                      <p:stCondLst>
+                        <p:cond delay="indefinite"/>
+                      </p:stCondLst>
+                      <p:childTnLst>
+                        <p:par>
+                          <p:cTn id="4" fill="hold">
+                            <p:stCondLst>
+                              <p:cond delay="0"/>
+                            </p:stCondLst>
+                            <p:childTnLst>
+                              <p:par>
+                                <p:cTn id="5" presetID="10" presetClass="entr" presetSubtype="0" fill="hold" nodeType="clickEffect">
+                                  <p:stCondLst>
+                                    <p:cond delay="0"/>
+                                  </p:stCondLst>
+                                  <p:childTnLst>
+                                    <p:set>
+                                      <p:cBhvr>
+                                        <p:cTn id="6" dur="1" fill="hold">
+                                          <p:stCondLst>
+                                            <p:cond delay="0"/>
+                                          </p:stCondLst>
+                                        </p:cTn>
+                                        <p:tgtEl>
+                                          <p:spTgt spid="2"/>
+                                        </p:tgtEl>
+                                        <p:attrNameLst>
+                                          <p:attrName>style.visibility</p:attrName>
+                                        </p:attrNameLst>
+                                      </p:cBhvr>
+                                      <p:to>
+                                        <p:strVal val="visible"/>
+                                      </p:to>
+                                    </p:set>
+                                    <p:animEffect transition="in" filter="fade">
+                                      <p:cBhvr>
+                                        <p:cTn id="7" dur="500"/>
+                                        <p:tgtEl>
+                                          <p:spTgt spid="2"/>
+                                        </p:tgtEl>
+                                      </p:cBhvr>
+                                    </p:animEffect>
+                                  </p:childTnLst>
+                                </p:cTn>
+                              </p:par>
+                              <p:par>
+                                <p:cTn id="8" presetID="10" presetClass="entr" presetSubtype="0" fill="hold" grpId="0" nodeType="withEffect">
+                                  <p:stCondLst>
+                                    <p:cond delay="0"/>
+                                  </p:stCondLst>
+                                  <p:childTnLst>
+                                    <p:set>
+                                      <p:cBhvr>
+                                        <p:cTn id="9" dur="1" fill="hold">
+                                          <p:stCondLst>
+                                            <p:cond delay="0"/>
+                                          </p:stCondLst>
+                                        </p:cTn>
+                                        <p:tgtEl>
+                                          <p:spTgt spid="4"/>
+                                        </p:tgtEl>
+                                        <p:attrNameLst>
+                                          <p:attrName>style.visibility</p:attrName>
+                                        </p:attrNameLst>
+                                      </p:cBhvr>
+                                      <p:to>
+                                        <p:strVal val="visible"/>
+                                      </p:to>
+                                    </p:set>
+                                    <p:animEffect transition="in" filter="fade">
+                                      <p:cBhvr>
+                                        <p:cTn id="10" dur="500"/>
+                                        <p:tgtEl>
+                                          <p:spTgt spid="4"/>
+                                        </p:tgtEl>
+                                      </p:cBhvr>
+                                    </p:animEffect>
+                                  </p:childTnLst>
+                                </p:cTn>
+                              </p:par>
+                            </p:childTnLst>
+                          </p:cTn>
+                        </p:par>
+                      </p:childTnLst>
+                    </p:cTn>
+                  </p:par>
+                  <p:par>
+                    <p:cTn id="11" fill="hold">
+                      <p:stCondLst>
+                        <p:cond delay="indefinite"/>
+                      </p:stCondLst>
+                      <p:childTnLst>
+                        <p:par>
+                          <p:cTn id="12" fill="hold">
+                            <p:stCondLst>
+                              <p:cond delay="0"/>
+                            </p:stCondLst>
+                            <p:childTnLst>
+                              <p:par>
+                                <p:cTn id="13" presetID="10" presetClass="entr" presetSubtype="0" fill="hold" nodeType="clickEffect">
+                                  <p:stCondLst>
+                                    <p:cond delay="0"/>
+                                  </p:stCondLst>
+                                  <p:childTnLst>
+                                    <p:set>
+                                      <p:cBhvr>
+                                        <p:cTn id="14" dur="1" fill="hold">
+                                          <p:stCondLst>
+                                            <p:cond delay="0"/>
+                                          </p:stCondLst>
+                                        </p:cTn>
+                                        <p:tgtEl>
+                                          <p:spTgt spid="3"/>
+                                        </p:tgtEl>
+                                        <p:attrNameLst>
+                                          <p:attrName>style.visibility</p:attrName>
+                                        </p:attrNameLst>
+                                      </p:cBhvr>
+                                      <p:to>
+                                        <p:strVal val="visible"/>
+                                      </p:to>
+                                    </p:set>
+                                    <p:animEffect transition="in" filter="fade">
+                                      <p:cBhvr>
+                                        <p:cTn id="15" dur="500"/>
+                                        <p:tgtEl>
+                                          <p:spTgt spid="3"/>
+                                        </p:tgtEl>
+                                      </p:cBhvr>
+                                    </p:animEffect>
+                                  </p:childTnLst>
+                                </p:cTn>
+                              </p:par>
+                              <p:par>
+                                <p:cTn id="16" presetID="10" presetClass="entr" presetSubtype="0" fill="hold" grpId="0" nodeType="withEffect">
+                                  <p:stCondLst>
+                                    <p:cond delay="0"/>
+                                  </p:stCondLst>
+                                  <p:childTnLst>
+                                    <p:set>
+                                      <p:cBhvr>
+                                        <p:cTn id="17" dur="1" fill="hold">
+                                          <p:stCondLst>
+                                            <p:cond delay="0"/>
+                                          </p:stCondLst>
+                                        </p:cTn>
+                                        <p:tgtEl>
+                                          <p:spTgt spid="5"/>
+                                        </p:tgtEl>
+                                        <p:attrNameLst>
+                                          <p:attrName>style.visibility</p:attrName>
+                                        </p:attrNameLst>
+                                      </p:cBhvr>
+                                      <p:to>
+                                        <p:strVal val="visible"/>
+                                      </p:to>
+                                    </p:set>
+                                    <p:animEffect transition="in" filter="fade">
+                                      <p:cBhvr>
+                                        <p:cTn id="18" dur="500"/>
+                                        <p:tgtEl>
+                                          <p:spTgt spid="5"/>
+                                        </p:tgtEl>
+                                      </p:cBhvr>
+                                    </p:animEffect>
+                                  </p:childTnLst>
+                                </p:cTn>
+                              </p:par>
+                            </p:childTnLst>
+                          </p:cTn>
+                        </p:par>
+                      </p:childTnLst>
+                    </p:cTn>
+                  </p:par>
+                </p:childTnLst>
+              </p:cTn>
+              <p:prevCondLst>
+                <p:cond evt="onPrev" delay="0">
+                  <p:tgtEl>
+                    <p:sldTgt/>
+                  </p:tgtEl>
+                </p:cond>
+              </p:prevCondLst>
+              <p:nextCondLst>
+                <p:cond evt="onNext" delay="0">
+                  <p:tgtEl>
+                    <p:sldTgt/>
+                  </p:tgtEl>
+                </p:cond>
+              </p:nextCondLst>
+            </p:seq>
+          </p:childTnLst>
+        </p:cTn>
+      </p:par>
+    </p:tnLst>
+    <p:bldLst>
+      <p:bldP spid="4" grpId="0"/>
+      <p:bldP spid="5" grpId="0"/>
+    </p:bldLst>
+  </p:timing>
+</p:sld>
+</file>
+
+<file path=ppt/slides/slide12.xml><?xml version="1.0" encoding="utf-8"?>
+<p:sld xmlns:a="http://schemas.openxmlformats.org/drawingml/2006/main" xmlns:r="http://schemas.openxmlformats.org/officeDocument/2006/relationships" xmlns:p="http://schemas.openxmlformats.org/presentationml/2006/main">
+  <p:cSld>
+    <p:spTree>
+      <p:nvGrpSpPr>
+        <p:cNvPr id="1" name=""/>
+        <p:cNvGrpSpPr/>
+        <p:nvPr/>
+      </p:nvGrpSpPr>
+      <p:grpSpPr>
+        <a:xfrm>
+          <a:off x="0" y="0"/>
+          <a:ext cx="0" cy="0"/>
+          <a:chOff x="0" y="0"/>
+          <a:chExt cx="0" cy="0"/>
+        </a:xfrm>
+      </p:grpSpPr>
+      <p:pic>
+        <p:nvPicPr>
+          <p:cNvPr id="2" name="Picture 1"/>
+          <p:cNvPicPr>
+            <a:picLocks noChangeAspect="1"/>
+          </p:cNvPicPr>
+          <p:nvPr/>
+        </p:nvPicPr>
+        <p:blipFill>
+          <a:blip r:embed="rId2">
+            <a:extLst>
+              <a:ext uri="{28A0092B-C50C-407E-A947-70E740481C1C}">
+                <a14:useLocalDpi xmlns:a14="http://schemas.microsoft.com/office/drawing/2010/main" val="0"/>
+              </a:ext>
+            </a:extLst>
+          </a:blip>
+          <a:stretch>
+            <a:fillRect/>
+          </a:stretch>
+        </p:blipFill>
+        <p:spPr>
+          <a:xfrm>
+            <a:off x="141515" y="381000"/>
+            <a:ext cx="3796492" cy="4554275"/>
+          </a:xfrm>
+          <a:prstGeom prst="rect">
+            <a:avLst/>
+          </a:prstGeom>
+        </p:spPr>
+      </p:pic>
+      <p:pic>
+        <p:nvPicPr>
+          <p:cNvPr id="3" name="Picture 2"/>
+          <p:cNvPicPr>
+            <a:picLocks noChangeAspect="1"/>
+          </p:cNvPicPr>
+          <p:nvPr/>
+        </p:nvPicPr>
+        <p:blipFill>
+          <a:blip r:embed="rId3">
+            <a:extLst>
+              <a:ext uri="{28A0092B-C50C-407E-A947-70E740481C1C}">
+                <a14:useLocalDpi xmlns:a14="http://schemas.microsoft.com/office/drawing/2010/main" val="0"/>
+              </a:ext>
+            </a:extLst>
+          </a:blip>
+          <a:stretch>
+            <a:fillRect/>
+          </a:stretch>
+        </p:blipFill>
+        <p:spPr>
+          <a:xfrm>
+            <a:off x="5105400" y="492069"/>
+            <a:ext cx="3818292" cy="4560737"/>
+          </a:xfrm>
+          <a:prstGeom prst="rect">
+            <a:avLst/>
+          </a:prstGeom>
+        </p:spPr>
+      </p:pic>
+      <p:sp>
+        <p:nvSpPr>
+          <p:cNvPr id="4" name="TextBox 4"/>
+          <p:cNvSpPr txBox="1"/>
+          <p:nvPr/>
+        </p:nvSpPr>
+        <p:spPr>
+          <a:xfrm>
+            <a:off x="325261" y="5181600"/>
+            <a:ext cx="3429000" cy="369332"/>
+          </a:xfrm>
+          <a:prstGeom prst="rect">
+            <a:avLst/>
+          </a:prstGeom>
+          <a:noFill/>
+        </p:spPr>
+        <p:txBody>
+          <a:bodyPr wrap="square" rtlCol="0">
+            <a:spAutoFit/>
+          </a:bodyPr>
+          <a:lstStyle>
+            <a:defPPr>
+              <a:defRPr lang="en-US"/>
+            </a:defPPr>
+            <a:lvl1pPr marL="0" algn="l" defTabSz="914400" rtl="0" eaLnBrk="1" latinLnBrk="0" hangingPunct="1">
+              <a:defRPr sz="1800" kern="1200">
+                <a:solidFill>
+                  <a:schemeClr val="tx1"/>
+                </a:solidFill>
+                <a:latin typeface="+mn-lt"/>
+                <a:ea typeface="+mn-ea"/>
+                <a:cs typeface="+mn-cs"/>
+              </a:defRPr>
+            </a:lvl1pPr>
+            <a:lvl2pPr marL="457200" algn="l" defTabSz="914400" rtl="0" eaLnBrk="1" latinLnBrk="0" hangingPunct="1">
+              <a:defRPr sz="1800" kern="1200">
+                <a:solidFill>
+                  <a:schemeClr val="tx1"/>
+                </a:solidFill>
+                <a:latin typeface="+mn-lt"/>
+                <a:ea typeface="+mn-ea"/>
+                <a:cs typeface="+mn-cs"/>
+              </a:defRPr>
+            </a:lvl2pPr>
+            <a:lvl3pPr marL="914400" algn="l" defTabSz="914400" rtl="0" eaLnBrk="1" latinLnBrk="0" hangingPunct="1">
+              <a:defRPr sz="1800" kern="1200">
+                <a:solidFill>
+                  <a:schemeClr val="tx1"/>
+                </a:solidFill>
+                <a:latin typeface="+mn-lt"/>
+                <a:ea typeface="+mn-ea"/>
+                <a:cs typeface="+mn-cs"/>
+              </a:defRPr>
+            </a:lvl3pPr>
+            <a:lvl4pPr marL="1371600" algn="l" defTabSz="914400" rtl="0" eaLnBrk="1" latinLnBrk="0" hangingPunct="1">
+              <a:defRPr sz="1800" kern="1200">
+                <a:solidFill>
+                  <a:schemeClr val="tx1"/>
+                </a:solidFill>
+                <a:latin typeface="+mn-lt"/>
+                <a:ea typeface="+mn-ea"/>
+                <a:cs typeface="+mn-cs"/>
+              </a:defRPr>
+            </a:lvl4pPr>
+            <a:lvl5pPr marL="1828800" algn="l" defTabSz="914400" rtl="0" eaLnBrk="1" latinLnBrk="0" hangingPunct="1">
+              <a:defRPr sz="1800" kern="1200">
+                <a:solidFill>
+                  <a:schemeClr val="tx1"/>
+                </a:solidFill>
+                <a:latin typeface="+mn-lt"/>
+                <a:ea typeface="+mn-ea"/>
+                <a:cs typeface="+mn-cs"/>
+              </a:defRPr>
+            </a:lvl5pPr>
+            <a:lvl6pPr marL="2286000" algn="l" defTabSz="914400" rtl="0" eaLnBrk="1" latinLnBrk="0" hangingPunct="1">
+              <a:defRPr sz="1800" kern="1200">
+                <a:solidFill>
+                  <a:schemeClr val="tx1"/>
+                </a:solidFill>
+                <a:latin typeface="+mn-lt"/>
+                <a:ea typeface="+mn-ea"/>
+                <a:cs typeface="+mn-cs"/>
+              </a:defRPr>
+            </a:lvl6pPr>
+            <a:lvl7pPr marL="2743200" algn="l" defTabSz="914400" rtl="0" eaLnBrk="1" latinLnBrk="0" hangingPunct="1">
+              <a:defRPr sz="1800" kern="1200">
+                <a:solidFill>
+                  <a:schemeClr val="tx1"/>
+                </a:solidFill>
+                <a:latin typeface="+mn-lt"/>
+                <a:ea typeface="+mn-ea"/>
+                <a:cs typeface="+mn-cs"/>
+              </a:defRPr>
+            </a:lvl7pPr>
+            <a:lvl8pPr marL="3200400" algn="l" defTabSz="914400" rtl="0" eaLnBrk="1" latinLnBrk="0" hangingPunct="1">
+              <a:defRPr sz="1800" kern="1200">
+                <a:solidFill>
+                  <a:schemeClr val="tx1"/>
+                </a:solidFill>
+                <a:latin typeface="+mn-lt"/>
+                <a:ea typeface="+mn-ea"/>
+                <a:cs typeface="+mn-cs"/>
+              </a:defRPr>
+            </a:lvl8pPr>
+            <a:lvl9pPr marL="3657600" algn="l" defTabSz="914400" rtl="0" eaLnBrk="1" latinLnBrk="0" hangingPunct="1">
+              <a:defRPr sz="1800" kern="1200">
+                <a:solidFill>
+                  <a:schemeClr val="tx1"/>
+                </a:solidFill>
+                <a:latin typeface="+mn-lt"/>
+                <a:ea typeface="+mn-ea"/>
+                <a:cs typeface="+mn-cs"/>
+              </a:defRPr>
+            </a:lvl9pPr>
+          </a:lstStyle>
+          <a:p>
+            <a:r>
+              <a:rPr lang="en-US" u="sng" dirty="0" smtClean="0">
+                <a:solidFill>
+                  <a:schemeClr val="tx2"/>
+                </a:solidFill>
+              </a:rPr>
+              <a:t>HOME PAGE</a:t>
+            </a:r>
+            <a:endParaRPr lang="en-GB" u="sng" dirty="0">
+              <a:solidFill>
+                <a:schemeClr val="tx2"/>
+              </a:solidFill>
+            </a:endParaRPr>
+          </a:p>
+        </p:txBody>
+      </p:sp>
+      <p:sp>
+        <p:nvSpPr>
+          <p:cNvPr id="5" name="TextBox 4"/>
+          <p:cNvSpPr txBox="1"/>
+          <p:nvPr/>
+        </p:nvSpPr>
+        <p:spPr>
+          <a:xfrm>
+            <a:off x="6400800" y="5159829"/>
+            <a:ext cx="1905000" cy="369332"/>
+          </a:xfrm>
+          <a:prstGeom prst="rect">
+            <a:avLst/>
+          </a:prstGeom>
+          <a:noFill/>
+        </p:spPr>
+        <p:txBody>
+          <a:bodyPr wrap="square" rtlCol="0">
+            <a:spAutoFit/>
+          </a:bodyPr>
+          <a:lstStyle>
+            <a:defPPr>
+              <a:defRPr lang="en-US"/>
+            </a:defPPr>
+            <a:lvl1pPr marL="0" algn="l" defTabSz="914400" rtl="0" eaLnBrk="1" latinLnBrk="0" hangingPunct="1">
+              <a:defRPr sz="1800" kern="1200">
+                <a:solidFill>
+                  <a:schemeClr val="tx1"/>
+                </a:solidFill>
+                <a:latin typeface="+mn-lt"/>
+                <a:ea typeface="+mn-ea"/>
+                <a:cs typeface="+mn-cs"/>
+              </a:defRPr>
+            </a:lvl1pPr>
+            <a:lvl2pPr marL="457200" algn="l" defTabSz="914400" rtl="0" eaLnBrk="1" latinLnBrk="0" hangingPunct="1">
+              <a:defRPr sz="1800" kern="1200">
+                <a:solidFill>
+                  <a:schemeClr val="tx1"/>
+                </a:solidFill>
+                <a:latin typeface="+mn-lt"/>
+                <a:ea typeface="+mn-ea"/>
+                <a:cs typeface="+mn-cs"/>
+              </a:defRPr>
+            </a:lvl2pPr>
+            <a:lvl3pPr marL="914400" algn="l" defTabSz="914400" rtl="0" eaLnBrk="1" latinLnBrk="0" hangingPunct="1">
+              <a:defRPr sz="1800" kern="1200">
+                <a:solidFill>
+                  <a:schemeClr val="tx1"/>
+                </a:solidFill>
+                <a:latin typeface="+mn-lt"/>
+                <a:ea typeface="+mn-ea"/>
+                <a:cs typeface="+mn-cs"/>
+              </a:defRPr>
+            </a:lvl3pPr>
+            <a:lvl4pPr marL="1371600" algn="l" defTabSz="914400" rtl="0" eaLnBrk="1" latinLnBrk="0" hangingPunct="1">
+              <a:defRPr sz="1800" kern="1200">
+                <a:solidFill>
+                  <a:schemeClr val="tx1"/>
+                </a:solidFill>
+                <a:latin typeface="+mn-lt"/>
+                <a:ea typeface="+mn-ea"/>
+                <a:cs typeface="+mn-cs"/>
+              </a:defRPr>
+            </a:lvl4pPr>
+            <a:lvl5pPr marL="1828800" algn="l" defTabSz="914400" rtl="0" eaLnBrk="1" latinLnBrk="0" hangingPunct="1">
+              <a:defRPr sz="1800" kern="1200">
+                <a:solidFill>
+                  <a:schemeClr val="tx1"/>
+                </a:solidFill>
+                <a:latin typeface="+mn-lt"/>
+                <a:ea typeface="+mn-ea"/>
+                <a:cs typeface="+mn-cs"/>
+              </a:defRPr>
+            </a:lvl5pPr>
+            <a:lvl6pPr marL="2286000" algn="l" defTabSz="914400" rtl="0" eaLnBrk="1" latinLnBrk="0" hangingPunct="1">
+              <a:defRPr sz="1800" kern="1200">
+                <a:solidFill>
+                  <a:schemeClr val="tx1"/>
+                </a:solidFill>
+                <a:latin typeface="+mn-lt"/>
+                <a:ea typeface="+mn-ea"/>
+                <a:cs typeface="+mn-cs"/>
+              </a:defRPr>
+            </a:lvl6pPr>
+            <a:lvl7pPr marL="2743200" algn="l" defTabSz="914400" rtl="0" eaLnBrk="1" latinLnBrk="0" hangingPunct="1">
+              <a:defRPr sz="1800" kern="1200">
+                <a:solidFill>
+                  <a:schemeClr val="tx1"/>
+                </a:solidFill>
+                <a:latin typeface="+mn-lt"/>
+                <a:ea typeface="+mn-ea"/>
+                <a:cs typeface="+mn-cs"/>
+              </a:defRPr>
+            </a:lvl7pPr>
+            <a:lvl8pPr marL="3200400" algn="l" defTabSz="914400" rtl="0" eaLnBrk="1" latinLnBrk="0" hangingPunct="1">
+              <a:defRPr sz="1800" kern="1200">
+                <a:solidFill>
+                  <a:schemeClr val="tx1"/>
+                </a:solidFill>
+                <a:latin typeface="+mn-lt"/>
+                <a:ea typeface="+mn-ea"/>
+                <a:cs typeface="+mn-cs"/>
+              </a:defRPr>
+            </a:lvl8pPr>
+            <a:lvl9pPr marL="3657600" algn="l" defTabSz="914400" rtl="0" eaLnBrk="1" latinLnBrk="0" hangingPunct="1">
+              <a:defRPr sz="1800" kern="1200">
+                <a:solidFill>
+                  <a:schemeClr val="tx1"/>
+                </a:solidFill>
+                <a:latin typeface="+mn-lt"/>
+                <a:ea typeface="+mn-ea"/>
+                <a:cs typeface="+mn-cs"/>
+              </a:defRPr>
+            </a:lvl9pPr>
+          </a:lstStyle>
+          <a:p>
+            <a:r>
+              <a:rPr lang="en-US" u="sng" dirty="0" smtClean="0">
+                <a:solidFill>
+                  <a:schemeClr val="tx2"/>
+                </a:solidFill>
+              </a:rPr>
+              <a:t>ADMIN PAGE</a:t>
+            </a:r>
+            <a:endParaRPr lang="en-GB" u="sng" dirty="0">
+              <a:solidFill>
+                <a:schemeClr val="tx2"/>
+              </a:solidFill>
+            </a:endParaRPr>
+          </a:p>
+        </p:txBody>
+      </p:sp>
+    </p:spTree>
+    <p:extLst>
+      <p:ext uri="{BB962C8B-B14F-4D97-AF65-F5344CB8AC3E}">
+        <p14:creationId xmlns:p14="http://schemas.microsoft.com/office/powerpoint/2010/main" val="1276981871"/>
+      </p:ext>
+    </p:extLst>
+  </p:cSld>
+  <p:clrMapOvr>
+    <a:masterClrMapping/>
+  </p:clrMapOvr>
+  <p:timing>
+    <p:tnLst>
+      <p:par>
+        <p:cTn id="1" dur="indefinite" restart="never" nodeType="tmRoot">
+          <p:childTnLst>
+            <p:seq concurrent="1" nextAc="seek">
+              <p:cTn id="2" dur="indefinite" nodeType="mainSeq">
+                <p:childTnLst>
+                  <p:par>
+                    <p:cTn id="3" fill="hold">
+                      <p:stCondLst>
+                        <p:cond delay="indefinite"/>
+                      </p:stCondLst>
+                      <p:childTnLst>
+                        <p:par>
+                          <p:cTn id="4" fill="hold">
+                            <p:stCondLst>
+                              <p:cond delay="0"/>
+                            </p:stCondLst>
+                            <p:childTnLst>
+                              <p:par>
+                                <p:cTn id="5" presetID="10" presetClass="entr" presetSubtype="0" fill="hold" nodeType="clickEffect">
+                                  <p:stCondLst>
+                                    <p:cond delay="0"/>
+                                  </p:stCondLst>
+                                  <p:childTnLst>
+                                    <p:set>
+                                      <p:cBhvr>
+                                        <p:cTn id="6" dur="1" fill="hold">
+                                          <p:stCondLst>
+                                            <p:cond delay="0"/>
+                                          </p:stCondLst>
+                                        </p:cTn>
+                                        <p:tgtEl>
+                                          <p:spTgt spid="2"/>
+                                        </p:tgtEl>
+                                        <p:attrNameLst>
+                                          <p:attrName>style.visibility</p:attrName>
+                                        </p:attrNameLst>
+                                      </p:cBhvr>
+                                      <p:to>
+                                        <p:strVal val="visible"/>
+                                      </p:to>
+                                    </p:set>
+                                    <p:animEffect transition="in" filter="fade">
+                                      <p:cBhvr>
+                                        <p:cTn id="7" dur="500"/>
+                                        <p:tgtEl>
+                                          <p:spTgt spid="2"/>
+                                        </p:tgtEl>
+                                      </p:cBhvr>
+                                    </p:animEffect>
+                                  </p:childTnLst>
+                                </p:cTn>
+                              </p:par>
+                              <p:par>
+                                <p:cTn id="8" presetID="10" presetClass="entr" presetSubtype="0" fill="hold" grpId="0" nodeType="withEffect">
+                                  <p:stCondLst>
+                                    <p:cond delay="0"/>
+                                  </p:stCondLst>
+                                  <p:childTnLst>
+                                    <p:set>
+                                      <p:cBhvr>
+                                        <p:cTn id="9" dur="1" fill="hold">
+                                          <p:stCondLst>
+                                            <p:cond delay="0"/>
+                                          </p:stCondLst>
+                                        </p:cTn>
+                                        <p:tgtEl>
+                                          <p:spTgt spid="4"/>
+                                        </p:tgtEl>
+                                        <p:attrNameLst>
+                                          <p:attrName>style.visibility</p:attrName>
+                                        </p:attrNameLst>
+                                      </p:cBhvr>
+                                      <p:to>
+                                        <p:strVal val="visible"/>
+                                      </p:to>
+                                    </p:set>
+                                    <p:animEffect transition="in" filter="fade">
+                                      <p:cBhvr>
+                                        <p:cTn id="10" dur="500"/>
+                                        <p:tgtEl>
+                                          <p:spTgt spid="4"/>
+                                        </p:tgtEl>
+                                      </p:cBhvr>
+                                    </p:animEffect>
+                                  </p:childTnLst>
+                                </p:cTn>
+                              </p:par>
+                            </p:childTnLst>
+                          </p:cTn>
+                        </p:par>
+                      </p:childTnLst>
+                    </p:cTn>
+                  </p:par>
+                  <p:par>
+                    <p:cTn id="11" fill="hold">
+                      <p:stCondLst>
+                        <p:cond delay="indefinite"/>
+                      </p:stCondLst>
+                      <p:childTnLst>
+                        <p:par>
+                          <p:cTn id="12" fill="hold">
+                            <p:stCondLst>
+                              <p:cond delay="0"/>
+                            </p:stCondLst>
+                            <p:childTnLst>
+                              <p:par>
+                                <p:cTn id="13" presetID="10" presetClass="entr" presetSubtype="0" fill="hold" nodeType="clickEffect">
+                                  <p:stCondLst>
+                                    <p:cond delay="0"/>
+                                  </p:stCondLst>
+                                  <p:childTnLst>
+                                    <p:set>
+                                      <p:cBhvr>
+                                        <p:cTn id="14" dur="1" fill="hold">
+                                          <p:stCondLst>
+                                            <p:cond delay="0"/>
+                                          </p:stCondLst>
+                                        </p:cTn>
+                                        <p:tgtEl>
+                                          <p:spTgt spid="3"/>
+                                        </p:tgtEl>
+                                        <p:attrNameLst>
+                                          <p:attrName>style.visibility</p:attrName>
+                                        </p:attrNameLst>
+                                      </p:cBhvr>
+                                      <p:to>
+                                        <p:strVal val="visible"/>
+                                      </p:to>
+                                    </p:set>
+                                    <p:animEffect transition="in" filter="fade">
+                                      <p:cBhvr>
+                                        <p:cTn id="15" dur="500"/>
+                                        <p:tgtEl>
+                                          <p:spTgt spid="3"/>
+                                        </p:tgtEl>
+                                      </p:cBhvr>
+                                    </p:animEffect>
+                                  </p:childTnLst>
+                                </p:cTn>
+                              </p:par>
+                              <p:par>
+                                <p:cTn id="16" presetID="10" presetClass="entr" presetSubtype="0" fill="hold" grpId="0" nodeType="withEffect">
+                                  <p:stCondLst>
+                                    <p:cond delay="0"/>
+                                  </p:stCondLst>
+                                  <p:childTnLst>
+                                    <p:set>
+                                      <p:cBhvr>
+                                        <p:cTn id="17" dur="1" fill="hold">
+                                          <p:stCondLst>
+                                            <p:cond delay="0"/>
+                                          </p:stCondLst>
+                                        </p:cTn>
+                                        <p:tgtEl>
+                                          <p:spTgt spid="5"/>
+                                        </p:tgtEl>
+                                        <p:attrNameLst>
+                                          <p:attrName>style.visibility</p:attrName>
+                                        </p:attrNameLst>
+                                      </p:cBhvr>
+                                      <p:to>
+                                        <p:strVal val="visible"/>
+                                      </p:to>
+                                    </p:set>
+                                    <p:animEffect transition="in" filter="fade">
+                                      <p:cBhvr>
+                                        <p:cTn id="18" dur="500"/>
+                                        <p:tgtEl>
+                                          <p:spTgt spid="5"/>
+                                        </p:tgtEl>
+                                      </p:cBhvr>
+                                    </p:animEffect>
+                                  </p:childTnLst>
+                                </p:cTn>
+                              </p:par>
+                            </p:childTnLst>
+                          </p:cTn>
+                        </p:par>
+                      </p:childTnLst>
+                    </p:cTn>
+                  </p:par>
+                </p:childTnLst>
+              </p:cTn>
+              <p:prevCondLst>
+                <p:cond evt="onPrev" delay="0">
+                  <p:tgtEl>
+                    <p:sldTgt/>
+                  </p:tgtEl>
+                </p:cond>
+              </p:prevCondLst>
+              <p:nextCondLst>
+                <p:cond evt="onNext" delay="0">
+                  <p:tgtEl>
+                    <p:sldTgt/>
+                  </p:tgtEl>
+                </p:cond>
+              </p:nextCondLst>
+            </p:seq>
+          </p:childTnLst>
+        </p:cTn>
+      </p:par>
+    </p:tnLst>
+    <p:bldLst>
+      <p:bldP spid="4" grpId="0"/>
+      <p:bldP spid="5" grpId="0"/>
+    </p:bldLst>
+  </p:timing>
+</p:sld>
+</file>
+
+<file path=ppt/slides/slide13.xml><?xml version="1.0" encoding="utf-8"?>
+<p:sld xmlns:a="http://schemas.openxmlformats.org/drawingml/2006/main" xmlns:r="http://schemas.openxmlformats.org/officeDocument/2006/relationships" xmlns:p="http://schemas.openxmlformats.org/presentationml/2006/main">
+  <p:cSld>
+    <p:spTree>
+      <p:nvGrpSpPr>
+        <p:cNvPr id="1" name=""/>
+        <p:cNvGrpSpPr/>
+        <p:nvPr/>
+      </p:nvGrpSpPr>
+      <p:grpSpPr>
+        <a:xfrm>
+          <a:off x="0" y="0"/>
+          <a:ext cx="0" cy="0"/>
+          <a:chOff x="0" y="0"/>
+          <a:chExt cx="0" cy="0"/>
+        </a:xfrm>
+      </p:grpSpPr>
+      <p:pic>
+        <p:nvPicPr>
+          <p:cNvPr id="2" name="Picture 1"/>
+          <p:cNvPicPr>
+            <a:picLocks noChangeAspect="1"/>
+          </p:cNvPicPr>
+          <p:nvPr/>
+        </p:nvPicPr>
+        <p:blipFill>
+          <a:blip r:embed="rId2">
+            <a:extLst>
+              <a:ext uri="{28A0092B-C50C-407E-A947-70E740481C1C}">
+                <a14:useLocalDpi xmlns:a14="http://schemas.microsoft.com/office/drawing/2010/main" val="0"/>
+              </a:ext>
+            </a:extLst>
+          </a:blip>
+          <a:stretch>
+            <a:fillRect/>
+          </a:stretch>
+        </p:blipFill>
+        <p:spPr>
+          <a:xfrm>
+            <a:off x="304801" y="381000"/>
+            <a:ext cx="3480042" cy="4199809"/>
+          </a:xfrm>
+          <a:prstGeom prst="rect">
+            <a:avLst/>
+          </a:prstGeom>
+        </p:spPr>
+      </p:pic>
+      <p:pic>
+        <p:nvPicPr>
+          <p:cNvPr id="3" name="Picture 2"/>
+          <p:cNvPicPr>
+            <a:picLocks noChangeAspect="1"/>
+          </p:cNvPicPr>
+          <p:nvPr/>
+        </p:nvPicPr>
+        <p:blipFill>
+          <a:blip r:embed="rId3">
+            <a:extLst>
+              <a:ext uri="{28A0092B-C50C-407E-A947-70E740481C1C}">
+                <a14:useLocalDpi xmlns:a14="http://schemas.microsoft.com/office/drawing/2010/main" val="0"/>
+              </a:ext>
+            </a:extLst>
+          </a:blip>
+          <a:stretch>
+            <a:fillRect/>
+          </a:stretch>
+        </p:blipFill>
+        <p:spPr>
+          <a:xfrm>
+            <a:off x="4953000" y="457200"/>
+            <a:ext cx="3585863" cy="4277372"/>
+          </a:xfrm>
+          <a:prstGeom prst="rect">
+            <a:avLst/>
+          </a:prstGeom>
+        </p:spPr>
+      </p:pic>
+      <p:sp>
+        <p:nvSpPr>
+          <p:cNvPr id="4" name="TextBox 4"/>
+          <p:cNvSpPr txBox="1"/>
+          <p:nvPr/>
+        </p:nvSpPr>
+        <p:spPr>
+          <a:xfrm>
+            <a:off x="762000" y="4778115"/>
+            <a:ext cx="2057400" cy="369332"/>
+          </a:xfrm>
+          <a:prstGeom prst="rect">
+            <a:avLst/>
+          </a:prstGeom>
+          <a:noFill/>
+        </p:spPr>
+        <p:txBody>
+          <a:bodyPr wrap="square" rtlCol="0">
+            <a:spAutoFit/>
+          </a:bodyPr>
+          <a:lstStyle>
+            <a:defPPr>
+              <a:defRPr lang="en-US"/>
+            </a:defPPr>
+            <a:lvl1pPr marL="0" algn="l" defTabSz="914400" rtl="0" eaLnBrk="1" latinLnBrk="0" hangingPunct="1">
+              <a:defRPr sz="1800" kern="1200">
+                <a:solidFill>
+                  <a:schemeClr val="tx1"/>
+                </a:solidFill>
+                <a:latin typeface="+mn-lt"/>
+                <a:ea typeface="+mn-ea"/>
+                <a:cs typeface="+mn-cs"/>
+              </a:defRPr>
+            </a:lvl1pPr>
+            <a:lvl2pPr marL="457200" algn="l" defTabSz="914400" rtl="0" eaLnBrk="1" latinLnBrk="0" hangingPunct="1">
+              <a:defRPr sz="1800" kern="1200">
+                <a:solidFill>
+                  <a:schemeClr val="tx1"/>
+                </a:solidFill>
+                <a:latin typeface="+mn-lt"/>
+                <a:ea typeface="+mn-ea"/>
+                <a:cs typeface="+mn-cs"/>
+              </a:defRPr>
+            </a:lvl2pPr>
+            <a:lvl3pPr marL="914400" algn="l" defTabSz="914400" rtl="0" eaLnBrk="1" latinLnBrk="0" hangingPunct="1">
+              <a:defRPr sz="1800" kern="1200">
+                <a:solidFill>
+                  <a:schemeClr val="tx1"/>
+                </a:solidFill>
+                <a:latin typeface="+mn-lt"/>
+                <a:ea typeface="+mn-ea"/>
+                <a:cs typeface="+mn-cs"/>
+              </a:defRPr>
+            </a:lvl3pPr>
+            <a:lvl4pPr marL="1371600" algn="l" defTabSz="914400" rtl="0" eaLnBrk="1" latinLnBrk="0" hangingPunct="1">
+              <a:defRPr sz="1800" kern="1200">
+                <a:solidFill>
+                  <a:schemeClr val="tx1"/>
+                </a:solidFill>
+                <a:latin typeface="+mn-lt"/>
+                <a:ea typeface="+mn-ea"/>
+                <a:cs typeface="+mn-cs"/>
+              </a:defRPr>
+            </a:lvl4pPr>
+            <a:lvl5pPr marL="1828800" algn="l" defTabSz="914400" rtl="0" eaLnBrk="1" latinLnBrk="0" hangingPunct="1">
+              <a:defRPr sz="1800" kern="1200">
+                <a:solidFill>
+                  <a:schemeClr val="tx1"/>
+                </a:solidFill>
+                <a:latin typeface="+mn-lt"/>
+                <a:ea typeface="+mn-ea"/>
+                <a:cs typeface="+mn-cs"/>
+              </a:defRPr>
+            </a:lvl5pPr>
+            <a:lvl6pPr marL="2286000" algn="l" defTabSz="914400" rtl="0" eaLnBrk="1" latinLnBrk="0" hangingPunct="1">
+              <a:defRPr sz="1800" kern="1200">
+                <a:solidFill>
+                  <a:schemeClr val="tx1"/>
+                </a:solidFill>
+                <a:latin typeface="+mn-lt"/>
+                <a:ea typeface="+mn-ea"/>
+                <a:cs typeface="+mn-cs"/>
+              </a:defRPr>
+            </a:lvl6pPr>
+            <a:lvl7pPr marL="2743200" algn="l" defTabSz="914400" rtl="0" eaLnBrk="1" latinLnBrk="0" hangingPunct="1">
+              <a:defRPr sz="1800" kern="1200">
+                <a:solidFill>
+                  <a:schemeClr val="tx1"/>
+                </a:solidFill>
+                <a:latin typeface="+mn-lt"/>
+                <a:ea typeface="+mn-ea"/>
+                <a:cs typeface="+mn-cs"/>
+              </a:defRPr>
+            </a:lvl7pPr>
+            <a:lvl8pPr marL="3200400" algn="l" defTabSz="914400" rtl="0" eaLnBrk="1" latinLnBrk="0" hangingPunct="1">
+              <a:defRPr sz="1800" kern="1200">
+                <a:solidFill>
+                  <a:schemeClr val="tx1"/>
+                </a:solidFill>
+                <a:latin typeface="+mn-lt"/>
+                <a:ea typeface="+mn-ea"/>
+                <a:cs typeface="+mn-cs"/>
+              </a:defRPr>
+            </a:lvl8pPr>
+            <a:lvl9pPr marL="3657600" algn="l" defTabSz="914400" rtl="0" eaLnBrk="1" latinLnBrk="0" hangingPunct="1">
+              <a:defRPr sz="1800" kern="1200">
+                <a:solidFill>
+                  <a:schemeClr val="tx1"/>
+                </a:solidFill>
+                <a:latin typeface="+mn-lt"/>
+                <a:ea typeface="+mn-ea"/>
+                <a:cs typeface="+mn-cs"/>
+              </a:defRPr>
+            </a:lvl9pPr>
+          </a:lstStyle>
+          <a:p>
+            <a:r>
+              <a:rPr lang="en-US" u="sng" dirty="0" smtClean="0">
+                <a:solidFill>
+                  <a:schemeClr val="tx2"/>
+                </a:solidFill>
+              </a:rPr>
+              <a:t>ACADEMIC PAGE</a:t>
+            </a:r>
+            <a:endParaRPr lang="en-GB" u="sng" dirty="0">
+              <a:solidFill>
+                <a:schemeClr val="tx2"/>
+              </a:solidFill>
+            </a:endParaRPr>
+          </a:p>
+        </p:txBody>
+      </p:sp>
+      <p:sp>
+        <p:nvSpPr>
+          <p:cNvPr id="5" name="TextBox 4"/>
+          <p:cNvSpPr txBox="1"/>
+          <p:nvPr/>
+        </p:nvSpPr>
+        <p:spPr>
+          <a:xfrm>
+            <a:off x="5715000" y="4876800"/>
+            <a:ext cx="1905000" cy="369332"/>
+          </a:xfrm>
+          <a:prstGeom prst="rect">
+            <a:avLst/>
+          </a:prstGeom>
+          <a:noFill/>
+        </p:spPr>
+        <p:txBody>
+          <a:bodyPr wrap="square" rtlCol="0">
+            <a:spAutoFit/>
+          </a:bodyPr>
+          <a:lstStyle>
+            <a:defPPr>
+              <a:defRPr lang="en-US"/>
+            </a:defPPr>
+            <a:lvl1pPr marL="0" algn="l" defTabSz="914400" rtl="0" eaLnBrk="1" latinLnBrk="0" hangingPunct="1">
+              <a:defRPr sz="1800" kern="1200">
+                <a:solidFill>
+                  <a:schemeClr val="tx1"/>
+                </a:solidFill>
+                <a:latin typeface="+mn-lt"/>
+                <a:ea typeface="+mn-ea"/>
+                <a:cs typeface="+mn-cs"/>
+              </a:defRPr>
+            </a:lvl1pPr>
+            <a:lvl2pPr marL="457200" algn="l" defTabSz="914400" rtl="0" eaLnBrk="1" latinLnBrk="0" hangingPunct="1">
+              <a:defRPr sz="1800" kern="1200">
+                <a:solidFill>
+                  <a:schemeClr val="tx1"/>
+                </a:solidFill>
+                <a:latin typeface="+mn-lt"/>
+                <a:ea typeface="+mn-ea"/>
+                <a:cs typeface="+mn-cs"/>
+              </a:defRPr>
+            </a:lvl2pPr>
+            <a:lvl3pPr marL="914400" algn="l" defTabSz="914400" rtl="0" eaLnBrk="1" latinLnBrk="0" hangingPunct="1">
+              <a:defRPr sz="1800" kern="1200">
+                <a:solidFill>
+                  <a:schemeClr val="tx1"/>
+                </a:solidFill>
+                <a:latin typeface="+mn-lt"/>
+                <a:ea typeface="+mn-ea"/>
+                <a:cs typeface="+mn-cs"/>
+              </a:defRPr>
+            </a:lvl3pPr>
+            <a:lvl4pPr marL="1371600" algn="l" defTabSz="914400" rtl="0" eaLnBrk="1" latinLnBrk="0" hangingPunct="1">
+              <a:defRPr sz="1800" kern="1200">
+                <a:solidFill>
+                  <a:schemeClr val="tx1"/>
+                </a:solidFill>
+                <a:latin typeface="+mn-lt"/>
+                <a:ea typeface="+mn-ea"/>
+                <a:cs typeface="+mn-cs"/>
+              </a:defRPr>
+            </a:lvl4pPr>
+            <a:lvl5pPr marL="1828800" algn="l" defTabSz="914400" rtl="0" eaLnBrk="1" latinLnBrk="0" hangingPunct="1">
+              <a:defRPr sz="1800" kern="1200">
+                <a:solidFill>
+                  <a:schemeClr val="tx1"/>
+                </a:solidFill>
+                <a:latin typeface="+mn-lt"/>
+                <a:ea typeface="+mn-ea"/>
+                <a:cs typeface="+mn-cs"/>
+              </a:defRPr>
+            </a:lvl5pPr>
+            <a:lvl6pPr marL="2286000" algn="l" defTabSz="914400" rtl="0" eaLnBrk="1" latinLnBrk="0" hangingPunct="1">
+              <a:defRPr sz="1800" kern="1200">
+                <a:solidFill>
+                  <a:schemeClr val="tx1"/>
+                </a:solidFill>
+                <a:latin typeface="+mn-lt"/>
+                <a:ea typeface="+mn-ea"/>
+                <a:cs typeface="+mn-cs"/>
+              </a:defRPr>
+            </a:lvl6pPr>
+            <a:lvl7pPr marL="2743200" algn="l" defTabSz="914400" rtl="0" eaLnBrk="1" latinLnBrk="0" hangingPunct="1">
+              <a:defRPr sz="1800" kern="1200">
+                <a:solidFill>
+                  <a:schemeClr val="tx1"/>
+                </a:solidFill>
+                <a:latin typeface="+mn-lt"/>
+                <a:ea typeface="+mn-ea"/>
+                <a:cs typeface="+mn-cs"/>
+              </a:defRPr>
+            </a:lvl7pPr>
+            <a:lvl8pPr marL="3200400" algn="l" defTabSz="914400" rtl="0" eaLnBrk="1" latinLnBrk="0" hangingPunct="1">
+              <a:defRPr sz="1800" kern="1200">
+                <a:solidFill>
+                  <a:schemeClr val="tx1"/>
+                </a:solidFill>
+                <a:latin typeface="+mn-lt"/>
+                <a:ea typeface="+mn-ea"/>
+                <a:cs typeface="+mn-cs"/>
+              </a:defRPr>
+            </a:lvl8pPr>
+            <a:lvl9pPr marL="3657600" algn="l" defTabSz="914400" rtl="0" eaLnBrk="1" latinLnBrk="0" hangingPunct="1">
+              <a:defRPr sz="1800" kern="1200">
+                <a:solidFill>
+                  <a:schemeClr val="tx1"/>
+                </a:solidFill>
+                <a:latin typeface="+mn-lt"/>
+                <a:ea typeface="+mn-ea"/>
+                <a:cs typeface="+mn-cs"/>
+              </a:defRPr>
+            </a:lvl9pPr>
+          </a:lstStyle>
+          <a:p>
+            <a:r>
+              <a:rPr lang="en-US" u="sng" dirty="0" smtClean="0">
+                <a:solidFill>
+                  <a:schemeClr val="tx2"/>
+                </a:solidFill>
+              </a:rPr>
+              <a:t>STUDENT PAGE</a:t>
+            </a:r>
+            <a:endParaRPr lang="en-GB" u="sng" dirty="0">
+              <a:solidFill>
+                <a:schemeClr val="tx2"/>
+              </a:solidFill>
+            </a:endParaRPr>
+          </a:p>
+        </p:txBody>
+      </p:sp>
+    </p:spTree>
+    <p:extLst>
+      <p:ext uri="{BB962C8B-B14F-4D97-AF65-F5344CB8AC3E}">
+        <p14:creationId xmlns:p14="http://schemas.microsoft.com/office/powerpoint/2010/main" val="135636156"/>
+      </p:ext>
+    </p:extLst>
+  </p:cSld>
+  <p:clrMapOvr>
+    <a:masterClrMapping/>
+  </p:clrMapOvr>
+  <p:timing>
+    <p:tnLst>
+      <p:par>
+        <p:cTn id="1" dur="indefinite" restart="never" nodeType="tmRoot">
+          <p:childTnLst>
+            <p:seq concurrent="1" nextAc="seek">
+              <p:cTn id="2" dur="indefinite" nodeType="mainSeq">
+                <p:childTnLst>
+                  <p:par>
+                    <p:cTn id="3" fill="hold">
+                      <p:stCondLst>
+                        <p:cond delay="indefinite"/>
+                      </p:stCondLst>
+                      <p:childTnLst>
+                        <p:par>
+                          <p:cTn id="4" fill="hold">
+                            <p:stCondLst>
+                              <p:cond delay="0"/>
+                            </p:stCondLst>
+                            <p:childTnLst>
+                              <p:par>
+                                <p:cTn id="5" presetID="10" presetClass="entr" presetSubtype="0" fill="hold" nodeType="clickEffect">
+                                  <p:stCondLst>
+                                    <p:cond delay="0"/>
+                                  </p:stCondLst>
+                                  <p:childTnLst>
+                                    <p:set>
+                                      <p:cBhvr>
+                                        <p:cTn id="6" dur="1" fill="hold">
+                                          <p:stCondLst>
+                                            <p:cond delay="0"/>
+                                          </p:stCondLst>
+                                        </p:cTn>
+                                        <p:tgtEl>
+                                          <p:spTgt spid="2"/>
+                                        </p:tgtEl>
+                                        <p:attrNameLst>
+                                          <p:attrName>style.visibility</p:attrName>
+                                        </p:attrNameLst>
+                                      </p:cBhvr>
+                                      <p:to>
+                                        <p:strVal val="visible"/>
+                                      </p:to>
+                                    </p:set>
+                                    <p:animEffect transition="in" filter="fade">
+                                      <p:cBhvr>
+                                        <p:cTn id="7" dur="500"/>
+                                        <p:tgtEl>
+                                          <p:spTgt spid="2"/>
+                                        </p:tgtEl>
+                                      </p:cBhvr>
+                                    </p:animEffect>
+                                  </p:childTnLst>
+                                </p:cTn>
+                              </p:par>
+                              <p:par>
+                                <p:cTn id="8" presetID="10" presetClass="entr" presetSubtype="0" fill="hold" grpId="0" nodeType="withEffect">
+                                  <p:stCondLst>
+                                    <p:cond delay="0"/>
+                                  </p:stCondLst>
+                                  <p:childTnLst>
+                                    <p:set>
+                                      <p:cBhvr>
+                                        <p:cTn id="9" dur="1" fill="hold">
+                                          <p:stCondLst>
+                                            <p:cond delay="0"/>
+                                          </p:stCondLst>
+                                        </p:cTn>
+                                        <p:tgtEl>
+                                          <p:spTgt spid="4"/>
+                                        </p:tgtEl>
+                                        <p:attrNameLst>
+                                          <p:attrName>style.visibility</p:attrName>
+                                        </p:attrNameLst>
+                                      </p:cBhvr>
+                                      <p:to>
+                                        <p:strVal val="visible"/>
+                                      </p:to>
+                                    </p:set>
+                                    <p:animEffect transition="in" filter="fade">
+                                      <p:cBhvr>
+                                        <p:cTn id="10" dur="500"/>
+                                        <p:tgtEl>
+                                          <p:spTgt spid="4"/>
+                                        </p:tgtEl>
+                                      </p:cBhvr>
+                                    </p:animEffect>
+                                  </p:childTnLst>
+                                </p:cTn>
+                              </p:par>
+                            </p:childTnLst>
+                          </p:cTn>
+                        </p:par>
+                      </p:childTnLst>
+                    </p:cTn>
+                  </p:par>
+                  <p:par>
+                    <p:cTn id="11" fill="hold">
+                      <p:stCondLst>
+                        <p:cond delay="indefinite"/>
+                      </p:stCondLst>
+                      <p:childTnLst>
+                        <p:par>
+                          <p:cTn id="12" fill="hold">
+                            <p:stCondLst>
+                              <p:cond delay="0"/>
+                            </p:stCondLst>
+                            <p:childTnLst>
+                              <p:par>
+                                <p:cTn id="13" presetID="10" presetClass="entr" presetSubtype="0" fill="hold" nodeType="clickEffect">
+                                  <p:stCondLst>
+                                    <p:cond delay="0"/>
+                                  </p:stCondLst>
+                                  <p:childTnLst>
+                                    <p:set>
+                                      <p:cBhvr>
+                                        <p:cTn id="14" dur="1" fill="hold">
+                                          <p:stCondLst>
+                                            <p:cond delay="0"/>
+                                          </p:stCondLst>
+                                        </p:cTn>
+                                        <p:tgtEl>
+                                          <p:spTgt spid="3"/>
+                                        </p:tgtEl>
+                                        <p:attrNameLst>
+                                          <p:attrName>style.visibility</p:attrName>
+                                        </p:attrNameLst>
+                                      </p:cBhvr>
+                                      <p:to>
+                                        <p:strVal val="visible"/>
+                                      </p:to>
+                                    </p:set>
+                                    <p:animEffect transition="in" filter="fade">
+                                      <p:cBhvr>
+                                        <p:cTn id="15" dur="500"/>
+                                        <p:tgtEl>
+                                          <p:spTgt spid="3"/>
+                                        </p:tgtEl>
+                                      </p:cBhvr>
+                                    </p:animEffect>
+                                  </p:childTnLst>
+                                </p:cTn>
+                              </p:par>
+                              <p:par>
+                                <p:cTn id="16" presetID="10" presetClass="entr" presetSubtype="0" fill="hold" grpId="0" nodeType="withEffect">
+                                  <p:stCondLst>
+                                    <p:cond delay="0"/>
+                                  </p:stCondLst>
+                                  <p:childTnLst>
+                                    <p:set>
+                                      <p:cBhvr>
+                                        <p:cTn id="17" dur="1" fill="hold">
+                                          <p:stCondLst>
+                                            <p:cond delay="0"/>
+                                          </p:stCondLst>
+                                        </p:cTn>
+                                        <p:tgtEl>
+                                          <p:spTgt spid="5"/>
+                                        </p:tgtEl>
+                                        <p:attrNameLst>
+                                          <p:attrName>style.visibility</p:attrName>
+                                        </p:attrNameLst>
+                                      </p:cBhvr>
+                                      <p:to>
+                                        <p:strVal val="visible"/>
+                                      </p:to>
+                                    </p:set>
+                                    <p:animEffect transition="in" filter="fade">
+                                      <p:cBhvr>
+                                        <p:cTn id="18" dur="500"/>
+                                        <p:tgtEl>
+                                          <p:spTgt spid="5"/>
+                                        </p:tgtEl>
+                                      </p:cBhvr>
+                                    </p:animEffect>
+                                  </p:childTnLst>
+                                </p:cTn>
+                              </p:par>
+                            </p:childTnLst>
+                          </p:cTn>
+                        </p:par>
+                      </p:childTnLst>
+                    </p:cTn>
+                  </p:par>
+                </p:childTnLst>
+              </p:cTn>
+              <p:prevCondLst>
+                <p:cond evt="onPrev" delay="0">
+                  <p:tgtEl>
+                    <p:sldTgt/>
+                  </p:tgtEl>
+                </p:cond>
+              </p:prevCondLst>
+              <p:nextCondLst>
+                <p:cond evt="onNext" delay="0">
+                  <p:tgtEl>
+                    <p:sldTgt/>
+                  </p:tgtEl>
+                </p:cond>
+              </p:nextCondLst>
+            </p:seq>
+          </p:childTnLst>
+        </p:cTn>
+      </p:par>
+    </p:tnLst>
+    <p:bldLst>
+      <p:bldP spid="4" grpId="0"/>
+      <p:bldP spid="5" grpId="0"/>
+    </p:bldLst>
+  </p:timing>
+</p:sld>
+</file>
+
+<file path=ppt/slides/slide14.xml><?xml version="1.0" encoding="utf-8"?>
+<p:sld xmlns:a="http://schemas.openxmlformats.org/drawingml/2006/main" xmlns:r="http://schemas.openxmlformats.org/officeDocument/2006/relationships" xmlns:p="http://schemas.openxmlformats.org/presentationml/2006/main">
+  <p:cSld>
+    <p:spTree>
+      <p:nvGrpSpPr>
+        <p:cNvPr id="1" name=""/>
+        <p:cNvGrpSpPr/>
+        <p:nvPr/>
+      </p:nvGrpSpPr>
+      <p:grpSpPr>
+        <a:xfrm>
+          <a:off x="0" y="0"/>
+          <a:ext cx="0" cy="0"/>
+          <a:chOff x="0" y="0"/>
+          <a:chExt cx="0" cy="0"/>
+        </a:xfrm>
+      </p:grpSpPr>
+      <p:pic>
+        <p:nvPicPr>
+          <p:cNvPr id="2" name="Picture 1"/>
+          <p:cNvPicPr>
+            <a:picLocks noChangeAspect="1"/>
+          </p:cNvPicPr>
+          <p:nvPr/>
+        </p:nvPicPr>
+        <p:blipFill>
+          <a:blip r:embed="rId2">
+            <a:extLst>
+              <a:ext uri="{28A0092B-C50C-407E-A947-70E740481C1C}">
+                <a14:useLocalDpi xmlns:a14="http://schemas.microsoft.com/office/drawing/2010/main" val="0"/>
+              </a:ext>
+            </a:extLst>
+          </a:blip>
+          <a:stretch>
+            <a:fillRect/>
+          </a:stretch>
+        </p:blipFill>
+        <p:spPr>
+          <a:xfrm>
+            <a:off x="5181600" y="493094"/>
+            <a:ext cx="3715007" cy="4441695"/>
+          </a:xfrm>
+          <a:prstGeom prst="rect">
+            <a:avLst/>
+          </a:prstGeom>
+        </p:spPr>
+      </p:pic>
+      <p:pic>
+        <p:nvPicPr>
+          <p:cNvPr id="3" name="Picture 2"/>
+          <p:cNvPicPr>
+            <a:picLocks noChangeAspect="1"/>
+          </p:cNvPicPr>
+          <p:nvPr/>
+        </p:nvPicPr>
+        <p:blipFill>
+          <a:blip r:embed="rId3">
+            <a:extLst>
+              <a:ext uri="{28A0092B-C50C-407E-A947-70E740481C1C}">
+                <a14:useLocalDpi xmlns:a14="http://schemas.microsoft.com/office/drawing/2010/main" val="0"/>
+              </a:ext>
+            </a:extLst>
+          </a:blip>
+          <a:stretch>
+            <a:fillRect/>
+          </a:stretch>
+        </p:blipFill>
+        <p:spPr>
+          <a:xfrm>
+            <a:off x="381000" y="493094"/>
+            <a:ext cx="3510108" cy="4441695"/>
+          </a:xfrm>
+          <a:prstGeom prst="rect">
+            <a:avLst/>
+          </a:prstGeom>
+        </p:spPr>
+      </p:pic>
+      <p:sp>
+        <p:nvSpPr>
+          <p:cNvPr id="4" name="TextBox 4"/>
+          <p:cNvSpPr txBox="1"/>
+          <p:nvPr/>
+        </p:nvSpPr>
+        <p:spPr>
+          <a:xfrm>
+            <a:off x="685800" y="5105400"/>
+            <a:ext cx="3429000" cy="369332"/>
+          </a:xfrm>
+          <a:prstGeom prst="rect">
+            <a:avLst/>
+          </a:prstGeom>
+          <a:noFill/>
+        </p:spPr>
+        <p:txBody>
+          <a:bodyPr wrap="square" rtlCol="0">
+            <a:spAutoFit/>
+          </a:bodyPr>
+          <a:lstStyle>
+            <a:defPPr>
+              <a:defRPr lang="en-US"/>
+            </a:defPPr>
+            <a:lvl1pPr marL="0" algn="l" defTabSz="914400" rtl="0" eaLnBrk="1" latinLnBrk="0" hangingPunct="1">
+              <a:defRPr sz="1800" kern="1200">
+                <a:solidFill>
+                  <a:schemeClr val="tx1"/>
+                </a:solidFill>
+                <a:latin typeface="+mn-lt"/>
+                <a:ea typeface="+mn-ea"/>
+                <a:cs typeface="+mn-cs"/>
+              </a:defRPr>
+            </a:lvl1pPr>
+            <a:lvl2pPr marL="457200" algn="l" defTabSz="914400" rtl="0" eaLnBrk="1" latinLnBrk="0" hangingPunct="1">
+              <a:defRPr sz="1800" kern="1200">
+                <a:solidFill>
+                  <a:schemeClr val="tx1"/>
+                </a:solidFill>
+                <a:latin typeface="+mn-lt"/>
+                <a:ea typeface="+mn-ea"/>
+                <a:cs typeface="+mn-cs"/>
+              </a:defRPr>
+            </a:lvl2pPr>
+            <a:lvl3pPr marL="914400" algn="l" defTabSz="914400" rtl="0" eaLnBrk="1" latinLnBrk="0" hangingPunct="1">
+              <a:defRPr sz="1800" kern="1200">
+                <a:solidFill>
+                  <a:schemeClr val="tx1"/>
+                </a:solidFill>
+                <a:latin typeface="+mn-lt"/>
+                <a:ea typeface="+mn-ea"/>
+                <a:cs typeface="+mn-cs"/>
+              </a:defRPr>
+            </a:lvl3pPr>
+            <a:lvl4pPr marL="1371600" algn="l" defTabSz="914400" rtl="0" eaLnBrk="1" latinLnBrk="0" hangingPunct="1">
+              <a:defRPr sz="1800" kern="1200">
+                <a:solidFill>
+                  <a:schemeClr val="tx1"/>
+                </a:solidFill>
+                <a:latin typeface="+mn-lt"/>
+                <a:ea typeface="+mn-ea"/>
+                <a:cs typeface="+mn-cs"/>
+              </a:defRPr>
+            </a:lvl4pPr>
+            <a:lvl5pPr marL="1828800" algn="l" defTabSz="914400" rtl="0" eaLnBrk="1" latinLnBrk="0" hangingPunct="1">
+              <a:defRPr sz="1800" kern="1200">
+                <a:solidFill>
+                  <a:schemeClr val="tx1"/>
+                </a:solidFill>
+                <a:latin typeface="+mn-lt"/>
+                <a:ea typeface="+mn-ea"/>
+                <a:cs typeface="+mn-cs"/>
+              </a:defRPr>
+            </a:lvl5pPr>
+            <a:lvl6pPr marL="2286000" algn="l" defTabSz="914400" rtl="0" eaLnBrk="1" latinLnBrk="0" hangingPunct="1">
+              <a:defRPr sz="1800" kern="1200">
+                <a:solidFill>
+                  <a:schemeClr val="tx1"/>
+                </a:solidFill>
+                <a:latin typeface="+mn-lt"/>
+                <a:ea typeface="+mn-ea"/>
+                <a:cs typeface="+mn-cs"/>
+              </a:defRPr>
+            </a:lvl6pPr>
+            <a:lvl7pPr marL="2743200" algn="l" defTabSz="914400" rtl="0" eaLnBrk="1" latinLnBrk="0" hangingPunct="1">
+              <a:defRPr sz="1800" kern="1200">
+                <a:solidFill>
+                  <a:schemeClr val="tx1"/>
+                </a:solidFill>
+                <a:latin typeface="+mn-lt"/>
+                <a:ea typeface="+mn-ea"/>
+                <a:cs typeface="+mn-cs"/>
+              </a:defRPr>
+            </a:lvl7pPr>
+            <a:lvl8pPr marL="3200400" algn="l" defTabSz="914400" rtl="0" eaLnBrk="1" latinLnBrk="0" hangingPunct="1">
+              <a:defRPr sz="1800" kern="1200">
+                <a:solidFill>
+                  <a:schemeClr val="tx1"/>
+                </a:solidFill>
+                <a:latin typeface="+mn-lt"/>
+                <a:ea typeface="+mn-ea"/>
+                <a:cs typeface="+mn-cs"/>
+              </a:defRPr>
+            </a:lvl8pPr>
+            <a:lvl9pPr marL="3657600" algn="l" defTabSz="914400" rtl="0" eaLnBrk="1" latinLnBrk="0" hangingPunct="1">
+              <a:defRPr sz="1800" kern="1200">
+                <a:solidFill>
+                  <a:schemeClr val="tx1"/>
+                </a:solidFill>
+                <a:latin typeface="+mn-lt"/>
+                <a:ea typeface="+mn-ea"/>
+                <a:cs typeface="+mn-cs"/>
+              </a:defRPr>
+            </a:lvl9pPr>
+          </a:lstStyle>
+          <a:p>
+            <a:r>
+              <a:rPr lang="en-US" u="sng" dirty="0" smtClean="0">
+                <a:solidFill>
+                  <a:schemeClr val="tx2"/>
+                </a:solidFill>
+              </a:rPr>
+              <a:t>DEPARTMENT FORM</a:t>
+            </a:r>
+            <a:endParaRPr lang="en-GB" u="sng" dirty="0">
+              <a:solidFill>
+                <a:schemeClr val="tx2"/>
+              </a:solidFill>
+            </a:endParaRPr>
+          </a:p>
+        </p:txBody>
+      </p:sp>
+      <p:sp>
+        <p:nvSpPr>
+          <p:cNvPr id="5" name="TextBox 4"/>
+          <p:cNvSpPr txBox="1"/>
+          <p:nvPr/>
+        </p:nvSpPr>
+        <p:spPr>
+          <a:xfrm>
+            <a:off x="5324603" y="5105400"/>
+            <a:ext cx="3429000" cy="369332"/>
+          </a:xfrm>
+          <a:prstGeom prst="rect">
+            <a:avLst/>
+          </a:prstGeom>
+          <a:noFill/>
+        </p:spPr>
+        <p:txBody>
+          <a:bodyPr wrap="square" rtlCol="0">
+            <a:spAutoFit/>
+          </a:bodyPr>
+          <a:lstStyle>
+            <a:defPPr>
+              <a:defRPr lang="en-US"/>
+            </a:defPPr>
+            <a:lvl1pPr marL="0" algn="l" defTabSz="914400" rtl="0" eaLnBrk="1" latinLnBrk="0" hangingPunct="1">
+              <a:defRPr sz="1800" kern="1200">
+                <a:solidFill>
+                  <a:schemeClr val="tx1"/>
+                </a:solidFill>
+                <a:latin typeface="+mn-lt"/>
+                <a:ea typeface="+mn-ea"/>
+                <a:cs typeface="+mn-cs"/>
+              </a:defRPr>
+            </a:lvl1pPr>
+            <a:lvl2pPr marL="457200" algn="l" defTabSz="914400" rtl="0" eaLnBrk="1" latinLnBrk="0" hangingPunct="1">
+              <a:defRPr sz="1800" kern="1200">
+                <a:solidFill>
+                  <a:schemeClr val="tx1"/>
+                </a:solidFill>
+                <a:latin typeface="+mn-lt"/>
+                <a:ea typeface="+mn-ea"/>
+                <a:cs typeface="+mn-cs"/>
+              </a:defRPr>
+            </a:lvl2pPr>
+            <a:lvl3pPr marL="914400" algn="l" defTabSz="914400" rtl="0" eaLnBrk="1" latinLnBrk="0" hangingPunct="1">
+              <a:defRPr sz="1800" kern="1200">
+                <a:solidFill>
+                  <a:schemeClr val="tx1"/>
+                </a:solidFill>
+                <a:latin typeface="+mn-lt"/>
+                <a:ea typeface="+mn-ea"/>
+                <a:cs typeface="+mn-cs"/>
+              </a:defRPr>
+            </a:lvl3pPr>
+            <a:lvl4pPr marL="1371600" algn="l" defTabSz="914400" rtl="0" eaLnBrk="1" latinLnBrk="0" hangingPunct="1">
+              <a:defRPr sz="1800" kern="1200">
+                <a:solidFill>
+                  <a:schemeClr val="tx1"/>
+                </a:solidFill>
+                <a:latin typeface="+mn-lt"/>
+                <a:ea typeface="+mn-ea"/>
+                <a:cs typeface="+mn-cs"/>
+              </a:defRPr>
+            </a:lvl4pPr>
+            <a:lvl5pPr marL="1828800" algn="l" defTabSz="914400" rtl="0" eaLnBrk="1" latinLnBrk="0" hangingPunct="1">
+              <a:defRPr sz="1800" kern="1200">
+                <a:solidFill>
+                  <a:schemeClr val="tx1"/>
+                </a:solidFill>
+                <a:latin typeface="+mn-lt"/>
+                <a:ea typeface="+mn-ea"/>
+                <a:cs typeface="+mn-cs"/>
+              </a:defRPr>
+            </a:lvl5pPr>
+            <a:lvl6pPr marL="2286000" algn="l" defTabSz="914400" rtl="0" eaLnBrk="1" latinLnBrk="0" hangingPunct="1">
+              <a:defRPr sz="1800" kern="1200">
+                <a:solidFill>
+                  <a:schemeClr val="tx1"/>
+                </a:solidFill>
+                <a:latin typeface="+mn-lt"/>
+                <a:ea typeface="+mn-ea"/>
+                <a:cs typeface="+mn-cs"/>
+              </a:defRPr>
+            </a:lvl6pPr>
+            <a:lvl7pPr marL="2743200" algn="l" defTabSz="914400" rtl="0" eaLnBrk="1" latinLnBrk="0" hangingPunct="1">
+              <a:defRPr sz="1800" kern="1200">
+                <a:solidFill>
+                  <a:schemeClr val="tx1"/>
+                </a:solidFill>
+                <a:latin typeface="+mn-lt"/>
+                <a:ea typeface="+mn-ea"/>
+                <a:cs typeface="+mn-cs"/>
+              </a:defRPr>
+            </a:lvl7pPr>
+            <a:lvl8pPr marL="3200400" algn="l" defTabSz="914400" rtl="0" eaLnBrk="1" latinLnBrk="0" hangingPunct="1">
+              <a:defRPr sz="1800" kern="1200">
+                <a:solidFill>
+                  <a:schemeClr val="tx1"/>
+                </a:solidFill>
+                <a:latin typeface="+mn-lt"/>
+                <a:ea typeface="+mn-ea"/>
+                <a:cs typeface="+mn-cs"/>
+              </a:defRPr>
+            </a:lvl8pPr>
+            <a:lvl9pPr marL="3657600" algn="l" defTabSz="914400" rtl="0" eaLnBrk="1" latinLnBrk="0" hangingPunct="1">
+              <a:defRPr sz="1800" kern="1200">
+                <a:solidFill>
+                  <a:schemeClr val="tx1"/>
+                </a:solidFill>
+                <a:latin typeface="+mn-lt"/>
+                <a:ea typeface="+mn-ea"/>
+                <a:cs typeface="+mn-cs"/>
+              </a:defRPr>
+            </a:lvl9pPr>
+          </a:lstStyle>
+          <a:p>
+            <a:r>
+              <a:rPr lang="en-US" u="sng" dirty="0" smtClean="0">
+                <a:solidFill>
+                  <a:schemeClr val="tx2"/>
+                </a:solidFill>
+              </a:rPr>
+              <a:t>SUBJECT </a:t>
+            </a:r>
+            <a:r>
+              <a:rPr lang="en-US" u="sng" dirty="0" smtClean="0">
+                <a:solidFill>
+                  <a:schemeClr val="tx2"/>
+                </a:solidFill>
+              </a:rPr>
+              <a:t>FORM</a:t>
+            </a:r>
+            <a:endParaRPr lang="en-GB" u="sng" dirty="0">
+              <a:solidFill>
+                <a:schemeClr val="tx2"/>
+              </a:solidFill>
+            </a:endParaRPr>
+          </a:p>
+        </p:txBody>
+      </p:sp>
+    </p:spTree>
+    <p:extLst>
+      <p:ext uri="{BB962C8B-B14F-4D97-AF65-F5344CB8AC3E}">
+        <p14:creationId xmlns:p14="http://schemas.microsoft.com/office/powerpoint/2010/main" val="1887161067"/>
+      </p:ext>
+    </p:extLst>
+  </p:cSld>
+  <p:clrMapOvr>
+    <a:masterClrMapping/>
+  </p:clrMapOvr>
+  <p:timing>
+    <p:tnLst>
+      <p:par>
+        <p:cTn id="1" dur="indefinite" restart="never" nodeType="tmRoot">
+          <p:childTnLst>
+            <p:seq concurrent="1" nextAc="seek">
+              <p:cTn id="2" dur="indefinite" nodeType="mainSeq">
+                <p:childTnLst>
+                  <p:par>
+                    <p:cTn id="3" fill="hold">
+                      <p:stCondLst>
+                        <p:cond delay="indefinite"/>
+                      </p:stCondLst>
+                      <p:childTnLst>
+                        <p:par>
+                          <p:cTn id="4" fill="hold">
+                            <p:stCondLst>
+                              <p:cond delay="0"/>
+                            </p:stCondLst>
+                            <p:childTnLst>
+                              <p:par>
+                                <p:cTn id="5" presetID="10" presetClass="entr" presetSubtype="0" fill="hold" nodeType="clickEffect">
+                                  <p:stCondLst>
+                                    <p:cond delay="0"/>
+                                  </p:stCondLst>
+                                  <p:childTnLst>
+                                    <p:set>
+                                      <p:cBhvr>
+                                        <p:cTn id="6" dur="1" fill="hold">
+                                          <p:stCondLst>
+                                            <p:cond delay="0"/>
+                                          </p:stCondLst>
+                                        </p:cTn>
+                                        <p:tgtEl>
+                                          <p:spTgt spid="3"/>
+                                        </p:tgtEl>
+                                        <p:attrNameLst>
+                                          <p:attrName>style.visibility</p:attrName>
+                                        </p:attrNameLst>
+                                      </p:cBhvr>
+                                      <p:to>
+                                        <p:strVal val="visible"/>
+                                      </p:to>
+                                    </p:set>
+                                    <p:animEffect transition="in" filter="fade">
+                                      <p:cBhvr>
+                                        <p:cTn id="7" dur="500"/>
+                                        <p:tgtEl>
+                                          <p:spTgt spid="3"/>
+                                        </p:tgtEl>
+                                      </p:cBhvr>
+                                    </p:animEffect>
+                                  </p:childTnLst>
+                                </p:cTn>
+                              </p:par>
+                              <p:par>
+                                <p:cTn id="8" presetID="10" presetClass="entr" presetSubtype="0" fill="hold" grpId="0" nodeType="withEffect">
+                                  <p:stCondLst>
+                                    <p:cond delay="0"/>
+                                  </p:stCondLst>
+                                  <p:childTnLst>
+                                    <p:set>
+                                      <p:cBhvr>
+                                        <p:cTn id="9" dur="1" fill="hold">
+                                          <p:stCondLst>
+                                            <p:cond delay="0"/>
+                                          </p:stCondLst>
+                                        </p:cTn>
+                                        <p:tgtEl>
+                                          <p:spTgt spid="4"/>
+                                        </p:tgtEl>
+                                        <p:attrNameLst>
+                                          <p:attrName>style.visibility</p:attrName>
+                                        </p:attrNameLst>
+                                      </p:cBhvr>
+                                      <p:to>
+                                        <p:strVal val="visible"/>
+                                      </p:to>
+                                    </p:set>
+                                    <p:animEffect transition="in" filter="fade">
+                                      <p:cBhvr>
+                                        <p:cTn id="10" dur="500"/>
+                                        <p:tgtEl>
+                                          <p:spTgt spid="4"/>
+                                        </p:tgtEl>
+                                      </p:cBhvr>
+                                    </p:animEffect>
+                                  </p:childTnLst>
+                                </p:cTn>
+                              </p:par>
+                            </p:childTnLst>
+                          </p:cTn>
+                        </p:par>
+                      </p:childTnLst>
+                    </p:cTn>
+                  </p:par>
+                  <p:par>
+                    <p:cTn id="11" fill="hold">
+                      <p:stCondLst>
+                        <p:cond delay="indefinite"/>
+                      </p:stCondLst>
+                      <p:childTnLst>
+                        <p:par>
+                          <p:cTn id="12" fill="hold">
+                            <p:stCondLst>
+                              <p:cond delay="0"/>
+                            </p:stCondLst>
+                            <p:childTnLst>
+                              <p:par>
+                                <p:cTn id="13" presetID="10" presetClass="entr" presetSubtype="0" fill="hold" nodeType="clickEffect">
+                                  <p:stCondLst>
+                                    <p:cond delay="0"/>
+                                  </p:stCondLst>
+                                  <p:childTnLst>
+                                    <p:set>
+                                      <p:cBhvr>
+                                        <p:cTn id="14" dur="1" fill="hold">
+                                          <p:stCondLst>
+                                            <p:cond delay="0"/>
+                                          </p:stCondLst>
+                                        </p:cTn>
+                                        <p:tgtEl>
+                                          <p:spTgt spid="2"/>
+                                        </p:tgtEl>
+                                        <p:attrNameLst>
+                                          <p:attrName>style.visibility</p:attrName>
+                                        </p:attrNameLst>
+                                      </p:cBhvr>
+                                      <p:to>
+                                        <p:strVal val="visible"/>
+                                      </p:to>
+                                    </p:set>
+                                    <p:animEffect transition="in" filter="fade">
+                                      <p:cBhvr>
+                                        <p:cTn id="15" dur="500"/>
+                                        <p:tgtEl>
+                                          <p:spTgt spid="2"/>
+                                        </p:tgtEl>
+                                      </p:cBhvr>
+                                    </p:animEffect>
+                                  </p:childTnLst>
+                                </p:cTn>
+                              </p:par>
+                              <p:par>
+                                <p:cTn id="16" presetID="10" presetClass="entr" presetSubtype="0" fill="hold" grpId="0" nodeType="withEffect">
+                                  <p:stCondLst>
+                                    <p:cond delay="0"/>
+                                  </p:stCondLst>
+                                  <p:childTnLst>
+                                    <p:set>
+                                      <p:cBhvr>
+                                        <p:cTn id="17" dur="1" fill="hold">
+                                          <p:stCondLst>
+                                            <p:cond delay="0"/>
+                                          </p:stCondLst>
+                                        </p:cTn>
+                                        <p:tgtEl>
+                                          <p:spTgt spid="5"/>
+                                        </p:tgtEl>
+                                        <p:attrNameLst>
+                                          <p:attrName>style.visibility</p:attrName>
+                                        </p:attrNameLst>
+                                      </p:cBhvr>
+                                      <p:to>
+                                        <p:strVal val="visible"/>
+                                      </p:to>
+                                    </p:set>
+                                    <p:animEffect transition="in" filter="fade">
+                                      <p:cBhvr>
+                                        <p:cTn id="18" dur="500"/>
+                                        <p:tgtEl>
+                                          <p:spTgt spid="5"/>
+                                        </p:tgtEl>
+                                      </p:cBhvr>
+                                    </p:animEffect>
+                                  </p:childTnLst>
+                                </p:cTn>
+                              </p:par>
+                            </p:childTnLst>
+                          </p:cTn>
+                        </p:par>
+                      </p:childTnLst>
+                    </p:cTn>
+                  </p:par>
+                </p:childTnLst>
+              </p:cTn>
+              <p:prevCondLst>
+                <p:cond evt="onPrev" delay="0">
+                  <p:tgtEl>
+                    <p:sldTgt/>
+                  </p:tgtEl>
+                </p:cond>
+              </p:prevCondLst>
+              <p:nextCondLst>
+                <p:cond evt="onNext" delay="0">
+                  <p:tgtEl>
+                    <p:sldTgt/>
+                  </p:tgtEl>
+                </p:cond>
+              </p:nextCondLst>
+            </p:seq>
+          </p:childTnLst>
+        </p:cTn>
+      </p:par>
+    </p:tnLst>
+    <p:bldLst>
+      <p:bldP spid="4" grpId="0"/>
+      <p:bldP spid="5" grpId="0"/>
+    </p:bldLst>
+  </p:timing>
+</p:sld>
+</file>
+
+<file path=ppt/slides/slide15.xml><?xml version="1.0" encoding="utf-8"?>
+<p:sld xmlns:a="http://schemas.openxmlformats.org/drawingml/2006/main" xmlns:r="http://schemas.openxmlformats.org/officeDocument/2006/relationships" xmlns:p="http://schemas.openxmlformats.org/presentationml/2006/main">
+  <p:cSld>
+    <p:spTree>
+      <p:nvGrpSpPr>
+        <p:cNvPr id="1" name=""/>
+        <p:cNvGrpSpPr/>
+        <p:nvPr/>
+      </p:nvGrpSpPr>
+      <p:grpSpPr>
+        <a:xfrm>
+          <a:off x="0" y="0"/>
+          <a:ext cx="0" cy="0"/>
+          <a:chOff x="0" y="0"/>
+          <a:chExt cx="0" cy="0"/>
+        </a:xfrm>
+      </p:grpSpPr>
+      <p:pic>
+        <p:nvPicPr>
+          <p:cNvPr id="2" name="Picture 1"/>
+          <p:cNvPicPr>
+            <a:picLocks noChangeAspect="1"/>
+          </p:cNvPicPr>
+          <p:nvPr/>
+        </p:nvPicPr>
+        <p:blipFill>
+          <a:blip r:embed="rId2">
+            <a:extLst>
+              <a:ext uri="{28A0092B-C50C-407E-A947-70E740481C1C}">
+                <a14:useLocalDpi xmlns:a14="http://schemas.microsoft.com/office/drawing/2010/main" val="0"/>
+              </a:ext>
+            </a:extLst>
+          </a:blip>
+          <a:stretch>
+            <a:fillRect/>
+          </a:stretch>
+        </p:blipFill>
+        <p:spPr>
+          <a:xfrm>
+            <a:off x="4572000" y="1446256"/>
+            <a:ext cx="4295238" cy="2857143"/>
+          </a:xfrm>
+          <a:prstGeom prst="rect">
+            <a:avLst/>
+          </a:prstGeom>
+        </p:spPr>
+      </p:pic>
+      <p:pic>
+        <p:nvPicPr>
+          <p:cNvPr id="3" name="Picture 2"/>
+          <p:cNvPicPr>
+            <a:picLocks noChangeAspect="1"/>
+          </p:cNvPicPr>
+          <p:nvPr/>
+        </p:nvPicPr>
+        <p:blipFill>
+          <a:blip r:embed="rId3">
+            <a:extLst>
+              <a:ext uri="{28A0092B-C50C-407E-A947-70E740481C1C}">
+                <a14:useLocalDpi xmlns:a14="http://schemas.microsoft.com/office/drawing/2010/main" val="0"/>
+              </a:ext>
+            </a:extLst>
+          </a:blip>
+          <a:stretch>
+            <a:fillRect/>
+          </a:stretch>
+        </p:blipFill>
+        <p:spPr>
+          <a:xfrm>
+            <a:off x="152400" y="1524000"/>
+            <a:ext cx="4004240" cy="2701656"/>
+          </a:xfrm>
+          <a:prstGeom prst="rect">
+            <a:avLst/>
+          </a:prstGeom>
+        </p:spPr>
+      </p:pic>
+      <p:sp>
+        <p:nvSpPr>
+          <p:cNvPr id="4" name="TextBox 4"/>
+          <p:cNvSpPr txBox="1"/>
+          <p:nvPr/>
+        </p:nvSpPr>
+        <p:spPr>
+          <a:xfrm>
+            <a:off x="2857500" y="4724400"/>
+            <a:ext cx="3429000" cy="369332"/>
+          </a:xfrm>
+          <a:prstGeom prst="rect">
+            <a:avLst/>
+          </a:prstGeom>
+          <a:noFill/>
+        </p:spPr>
+        <p:txBody>
+          <a:bodyPr wrap="square" rtlCol="0">
+            <a:spAutoFit/>
+          </a:bodyPr>
+          <a:lstStyle>
+            <a:defPPr>
+              <a:defRPr lang="en-US"/>
+            </a:defPPr>
+            <a:lvl1pPr marL="0" algn="l" defTabSz="914400" rtl="0" eaLnBrk="1" latinLnBrk="0" hangingPunct="1">
+              <a:defRPr sz="1800" kern="1200">
+                <a:solidFill>
+                  <a:schemeClr val="tx1"/>
+                </a:solidFill>
+                <a:latin typeface="+mn-lt"/>
+                <a:ea typeface="+mn-ea"/>
+                <a:cs typeface="+mn-cs"/>
+              </a:defRPr>
+            </a:lvl1pPr>
+            <a:lvl2pPr marL="457200" algn="l" defTabSz="914400" rtl="0" eaLnBrk="1" latinLnBrk="0" hangingPunct="1">
+              <a:defRPr sz="1800" kern="1200">
+                <a:solidFill>
+                  <a:schemeClr val="tx1"/>
+                </a:solidFill>
+                <a:latin typeface="+mn-lt"/>
+                <a:ea typeface="+mn-ea"/>
+                <a:cs typeface="+mn-cs"/>
+              </a:defRPr>
+            </a:lvl2pPr>
+            <a:lvl3pPr marL="914400" algn="l" defTabSz="914400" rtl="0" eaLnBrk="1" latinLnBrk="0" hangingPunct="1">
+              <a:defRPr sz="1800" kern="1200">
+                <a:solidFill>
+                  <a:schemeClr val="tx1"/>
+                </a:solidFill>
+                <a:latin typeface="+mn-lt"/>
+                <a:ea typeface="+mn-ea"/>
+                <a:cs typeface="+mn-cs"/>
+              </a:defRPr>
+            </a:lvl3pPr>
+            <a:lvl4pPr marL="1371600" algn="l" defTabSz="914400" rtl="0" eaLnBrk="1" latinLnBrk="0" hangingPunct="1">
+              <a:defRPr sz="1800" kern="1200">
+                <a:solidFill>
+                  <a:schemeClr val="tx1"/>
+                </a:solidFill>
+                <a:latin typeface="+mn-lt"/>
+                <a:ea typeface="+mn-ea"/>
+                <a:cs typeface="+mn-cs"/>
+              </a:defRPr>
+            </a:lvl4pPr>
+            <a:lvl5pPr marL="1828800" algn="l" defTabSz="914400" rtl="0" eaLnBrk="1" latinLnBrk="0" hangingPunct="1">
+              <a:defRPr sz="1800" kern="1200">
+                <a:solidFill>
+                  <a:schemeClr val="tx1"/>
+                </a:solidFill>
+                <a:latin typeface="+mn-lt"/>
+                <a:ea typeface="+mn-ea"/>
+                <a:cs typeface="+mn-cs"/>
+              </a:defRPr>
+            </a:lvl5pPr>
+            <a:lvl6pPr marL="2286000" algn="l" defTabSz="914400" rtl="0" eaLnBrk="1" latinLnBrk="0" hangingPunct="1">
+              <a:defRPr sz="1800" kern="1200">
+                <a:solidFill>
+                  <a:schemeClr val="tx1"/>
+                </a:solidFill>
+                <a:latin typeface="+mn-lt"/>
+                <a:ea typeface="+mn-ea"/>
+                <a:cs typeface="+mn-cs"/>
+              </a:defRPr>
+            </a:lvl6pPr>
+            <a:lvl7pPr marL="2743200" algn="l" defTabSz="914400" rtl="0" eaLnBrk="1" latinLnBrk="0" hangingPunct="1">
+              <a:defRPr sz="1800" kern="1200">
+                <a:solidFill>
+                  <a:schemeClr val="tx1"/>
+                </a:solidFill>
+                <a:latin typeface="+mn-lt"/>
+                <a:ea typeface="+mn-ea"/>
+                <a:cs typeface="+mn-cs"/>
+              </a:defRPr>
+            </a:lvl7pPr>
+            <a:lvl8pPr marL="3200400" algn="l" defTabSz="914400" rtl="0" eaLnBrk="1" latinLnBrk="0" hangingPunct="1">
+              <a:defRPr sz="1800" kern="1200">
+                <a:solidFill>
+                  <a:schemeClr val="tx1"/>
+                </a:solidFill>
+                <a:latin typeface="+mn-lt"/>
+                <a:ea typeface="+mn-ea"/>
+                <a:cs typeface="+mn-cs"/>
+              </a:defRPr>
+            </a:lvl8pPr>
+            <a:lvl9pPr marL="3657600" algn="l" defTabSz="914400" rtl="0" eaLnBrk="1" latinLnBrk="0" hangingPunct="1">
+              <a:defRPr sz="1800" kern="1200">
+                <a:solidFill>
+                  <a:schemeClr val="tx1"/>
+                </a:solidFill>
+                <a:latin typeface="+mn-lt"/>
+                <a:ea typeface="+mn-ea"/>
+                <a:cs typeface="+mn-cs"/>
+              </a:defRPr>
+            </a:lvl9pPr>
+          </a:lstStyle>
+          <a:p>
+            <a:r>
+              <a:rPr lang="en-US" u="sng" dirty="0" smtClean="0">
+                <a:solidFill>
+                  <a:schemeClr val="tx2"/>
+                </a:solidFill>
+              </a:rPr>
+              <a:t>ROLL NUMBER UPDATING FORM</a:t>
+            </a:r>
+            <a:endParaRPr lang="en-GB" u="sng" dirty="0">
+              <a:solidFill>
+                <a:schemeClr val="tx2"/>
+              </a:solidFill>
+            </a:endParaRPr>
+          </a:p>
+        </p:txBody>
+      </p:sp>
+    </p:spTree>
+    <p:extLst>
+      <p:ext uri="{BB962C8B-B14F-4D97-AF65-F5344CB8AC3E}">
+        <p14:creationId xmlns:p14="http://schemas.microsoft.com/office/powerpoint/2010/main" val="53981921"/>
+      </p:ext>
+    </p:extLst>
+  </p:cSld>
+  <p:clrMapOvr>
+    <a:masterClrMapping/>
+  </p:clrMapOvr>
+  <p:timing>
+    <p:tnLst>
+      <p:par>
+        <p:cTn id="1" dur="indefinite" restart="never" nodeType="tmRoot">
+          <p:childTnLst>
+            <p:seq concurrent="1" nextAc="seek">
+              <p:cTn id="2" dur="indefinite" nodeType="mainSeq">
+                <p:childTnLst>
+                  <p:par>
+                    <p:cTn id="3" fill="hold">
+                      <p:stCondLst>
+                        <p:cond delay="indefinite"/>
+                      </p:stCondLst>
+                      <p:childTnLst>
+                        <p:par>
+                          <p:cTn id="4" fill="hold">
+                            <p:stCondLst>
+                              <p:cond delay="0"/>
+                            </p:stCondLst>
+                            <p:childTnLst>
+                              <p:par>
+                                <p:cTn id="5" presetID="10" presetClass="entr" presetSubtype="0" fill="hold" nodeType="clickEffect">
+                                  <p:stCondLst>
+                                    <p:cond delay="0"/>
+                                  </p:stCondLst>
+                                  <p:childTnLst>
+                                    <p:set>
+                                      <p:cBhvr>
+                                        <p:cTn id="6" dur="1" fill="hold">
+                                          <p:stCondLst>
+                                            <p:cond delay="0"/>
+                                          </p:stCondLst>
+                                        </p:cTn>
+                                        <p:tgtEl>
+                                          <p:spTgt spid="3"/>
+                                        </p:tgtEl>
+                                        <p:attrNameLst>
+                                          <p:attrName>style.visibility</p:attrName>
+                                        </p:attrNameLst>
+                                      </p:cBhvr>
+                                      <p:to>
+                                        <p:strVal val="visible"/>
+                                      </p:to>
+                                    </p:set>
+                                    <p:animEffect transition="in" filter="fade">
+                                      <p:cBhvr>
+                                        <p:cTn id="7" dur="500"/>
+                                        <p:tgtEl>
+                                          <p:spTgt spid="3"/>
+                                        </p:tgtEl>
+                                      </p:cBhvr>
+                                    </p:animEffect>
+                                  </p:childTnLst>
+                                </p:cTn>
+                              </p:par>
+                              <p:par>
+                                <p:cTn id="8" presetID="10" presetClass="entr" presetSubtype="0" fill="hold" nodeType="withEffect">
+                                  <p:stCondLst>
+                                    <p:cond delay="0"/>
+                                  </p:stCondLst>
+                                  <p:childTnLst>
+                                    <p:set>
+                                      <p:cBhvr>
+                                        <p:cTn id="9" dur="1" fill="hold">
+                                          <p:stCondLst>
+                                            <p:cond delay="0"/>
+                                          </p:stCondLst>
+                                        </p:cTn>
+                                        <p:tgtEl>
+                                          <p:spTgt spid="2"/>
+                                        </p:tgtEl>
+                                        <p:attrNameLst>
+                                          <p:attrName>style.visibility</p:attrName>
+                                        </p:attrNameLst>
+                                      </p:cBhvr>
+                                      <p:to>
+                                        <p:strVal val="visible"/>
+                                      </p:to>
+                                    </p:set>
+                                    <p:animEffect transition="in" filter="fade">
+                                      <p:cBhvr>
+                                        <p:cTn id="10" dur="500"/>
+                                        <p:tgtEl>
+                                          <p:spTgt spid="2"/>
+                                        </p:tgtEl>
+                                      </p:cBhvr>
+                                    </p:animEffect>
+                                  </p:childTnLst>
+                                </p:cTn>
+                              </p:par>
+                              <p:par>
+                                <p:cTn id="11" presetID="10" presetClass="entr" presetSubtype="0" fill="hold" grpId="0" nodeType="withEffect">
+                                  <p:stCondLst>
+                                    <p:cond delay="0"/>
+                                  </p:stCondLst>
+                                  <p:childTnLst>
+                                    <p:set>
+                                      <p:cBhvr>
+                                        <p:cTn id="12" dur="1" fill="hold">
+                                          <p:stCondLst>
+                                            <p:cond delay="0"/>
+                                          </p:stCondLst>
+                                        </p:cTn>
+                                        <p:tgtEl>
+                                          <p:spTgt spid="4"/>
+                                        </p:tgtEl>
+                                        <p:attrNameLst>
+                                          <p:attrName>style.visibility</p:attrName>
+                                        </p:attrNameLst>
+                                      </p:cBhvr>
+                                      <p:to>
+                                        <p:strVal val="visible"/>
+                                      </p:to>
+                                    </p:set>
+                                    <p:animEffect transition="in" filter="fade">
+                                      <p:cBhvr>
+                                        <p:cTn id="13" dur="500"/>
+                                        <p:tgtEl>
+                                          <p:spTgt spid="4"/>
+                                        </p:tgtEl>
+                                      </p:cBhvr>
+                                    </p:animEffect>
+                                  </p:childTnLst>
+                                </p:cTn>
+                              </p:par>
+                            </p:childTnLst>
+                          </p:cTn>
+                        </p:par>
+                      </p:childTnLst>
+                    </p:cTn>
+                  </p:par>
+                </p:childTnLst>
+              </p:cTn>
+              <p:prevCondLst>
+                <p:cond evt="onPrev" delay="0">
+                  <p:tgtEl>
+                    <p:sldTgt/>
+                  </p:tgtEl>
+                </p:cond>
+              </p:prevCondLst>
+              <p:nextCondLst>
+                <p:cond evt="onNext" delay="0">
+                  <p:tgtEl>
+                    <p:sldTgt/>
+                  </p:tgtEl>
+                </p:cond>
+              </p:nextCondLst>
+            </p:seq>
+          </p:childTnLst>
+        </p:cTn>
+      </p:par>
+    </p:tnLst>
+    <p:bldLst>
+      <p:bldP spid="4" grpId="0"/>
+    </p:bldLst>
+  </p:timing>
+</p:sld>
+</file>
+
+<file path=ppt/slides/slide16.xml><?xml version="1.0" encoding="utf-8"?>
+<p:sld xmlns:a="http://schemas.openxmlformats.org/drawingml/2006/main" xmlns:r="http://schemas.openxmlformats.org/officeDocument/2006/relationships" xmlns:p="http://schemas.openxmlformats.org/presentationml/2006/main">
+  <p:cSld>
+    <p:spTree>
+      <p:nvGrpSpPr>
+        <p:cNvPr id="1" name=""/>
+        <p:cNvGrpSpPr/>
+        <p:nvPr/>
+      </p:nvGrpSpPr>
+      <p:grpSpPr>
+        <a:xfrm>
+          <a:off x="0" y="0"/>
+          <a:ext cx="0" cy="0"/>
+          <a:chOff x="0" y="0"/>
+          <a:chExt cx="0" cy="0"/>
+        </a:xfrm>
+      </p:grpSpPr>
+      <p:pic>
+        <p:nvPicPr>
+          <p:cNvPr id="2" name="Picture 1"/>
+          <p:cNvPicPr>
+            <a:picLocks noChangeAspect="1"/>
+          </p:cNvPicPr>
+          <p:nvPr/>
+        </p:nvPicPr>
+        <p:blipFill>
+          <a:blip r:embed="rId2">
+            <a:extLst>
+              <a:ext uri="{28A0092B-C50C-407E-A947-70E740481C1C}">
+                <a14:useLocalDpi xmlns:a14="http://schemas.microsoft.com/office/drawing/2010/main" val="0"/>
+              </a:ext>
+            </a:extLst>
+          </a:blip>
+          <a:stretch>
+            <a:fillRect/>
+          </a:stretch>
+        </p:blipFill>
+        <p:spPr>
+          <a:xfrm>
+            <a:off x="2362200" y="381000"/>
+            <a:ext cx="3909715" cy="4682293"/>
+          </a:xfrm>
+          <a:prstGeom prst="rect">
+            <a:avLst/>
+          </a:prstGeom>
+        </p:spPr>
+      </p:pic>
+      <p:sp>
+        <p:nvSpPr>
+          <p:cNvPr id="3" name="TextBox 4"/>
+          <p:cNvSpPr txBox="1"/>
+          <p:nvPr/>
+        </p:nvSpPr>
+        <p:spPr>
+          <a:xfrm>
+            <a:off x="2514600" y="5181600"/>
+            <a:ext cx="3429000" cy="369332"/>
+          </a:xfrm>
+          <a:prstGeom prst="rect">
+            <a:avLst/>
+          </a:prstGeom>
+          <a:noFill/>
+        </p:spPr>
+        <p:txBody>
+          <a:bodyPr wrap="square" rtlCol="0">
+            <a:spAutoFit/>
+          </a:bodyPr>
+          <a:lstStyle>
+            <a:defPPr>
+              <a:defRPr lang="en-US"/>
+            </a:defPPr>
+            <a:lvl1pPr marL="0" algn="l" defTabSz="914400" rtl="0" eaLnBrk="1" latinLnBrk="0" hangingPunct="1">
+              <a:defRPr sz="1800" kern="1200">
+                <a:solidFill>
+                  <a:schemeClr val="tx1"/>
+                </a:solidFill>
+                <a:latin typeface="+mn-lt"/>
+                <a:ea typeface="+mn-ea"/>
+                <a:cs typeface="+mn-cs"/>
+              </a:defRPr>
+            </a:lvl1pPr>
+            <a:lvl2pPr marL="457200" algn="l" defTabSz="914400" rtl="0" eaLnBrk="1" latinLnBrk="0" hangingPunct="1">
+              <a:defRPr sz="1800" kern="1200">
+                <a:solidFill>
+                  <a:schemeClr val="tx1"/>
+                </a:solidFill>
+                <a:latin typeface="+mn-lt"/>
+                <a:ea typeface="+mn-ea"/>
+                <a:cs typeface="+mn-cs"/>
+              </a:defRPr>
+            </a:lvl2pPr>
+            <a:lvl3pPr marL="914400" algn="l" defTabSz="914400" rtl="0" eaLnBrk="1" latinLnBrk="0" hangingPunct="1">
+              <a:defRPr sz="1800" kern="1200">
+                <a:solidFill>
+                  <a:schemeClr val="tx1"/>
+                </a:solidFill>
+                <a:latin typeface="+mn-lt"/>
+                <a:ea typeface="+mn-ea"/>
+                <a:cs typeface="+mn-cs"/>
+              </a:defRPr>
+            </a:lvl3pPr>
+            <a:lvl4pPr marL="1371600" algn="l" defTabSz="914400" rtl="0" eaLnBrk="1" latinLnBrk="0" hangingPunct="1">
+              <a:defRPr sz="1800" kern="1200">
+                <a:solidFill>
+                  <a:schemeClr val="tx1"/>
+                </a:solidFill>
+                <a:latin typeface="+mn-lt"/>
+                <a:ea typeface="+mn-ea"/>
+                <a:cs typeface="+mn-cs"/>
+              </a:defRPr>
+            </a:lvl4pPr>
+            <a:lvl5pPr marL="1828800" algn="l" defTabSz="914400" rtl="0" eaLnBrk="1" latinLnBrk="0" hangingPunct="1">
+              <a:defRPr sz="1800" kern="1200">
+                <a:solidFill>
+                  <a:schemeClr val="tx1"/>
+                </a:solidFill>
+                <a:latin typeface="+mn-lt"/>
+                <a:ea typeface="+mn-ea"/>
+                <a:cs typeface="+mn-cs"/>
+              </a:defRPr>
+            </a:lvl5pPr>
+            <a:lvl6pPr marL="2286000" algn="l" defTabSz="914400" rtl="0" eaLnBrk="1" latinLnBrk="0" hangingPunct="1">
+              <a:defRPr sz="1800" kern="1200">
+                <a:solidFill>
+                  <a:schemeClr val="tx1"/>
+                </a:solidFill>
+                <a:latin typeface="+mn-lt"/>
+                <a:ea typeface="+mn-ea"/>
+                <a:cs typeface="+mn-cs"/>
+              </a:defRPr>
+            </a:lvl6pPr>
+            <a:lvl7pPr marL="2743200" algn="l" defTabSz="914400" rtl="0" eaLnBrk="1" latinLnBrk="0" hangingPunct="1">
+              <a:defRPr sz="1800" kern="1200">
+                <a:solidFill>
+                  <a:schemeClr val="tx1"/>
+                </a:solidFill>
+                <a:latin typeface="+mn-lt"/>
+                <a:ea typeface="+mn-ea"/>
+                <a:cs typeface="+mn-cs"/>
+              </a:defRPr>
+            </a:lvl7pPr>
+            <a:lvl8pPr marL="3200400" algn="l" defTabSz="914400" rtl="0" eaLnBrk="1" latinLnBrk="0" hangingPunct="1">
+              <a:defRPr sz="1800" kern="1200">
+                <a:solidFill>
+                  <a:schemeClr val="tx1"/>
+                </a:solidFill>
+                <a:latin typeface="+mn-lt"/>
+                <a:ea typeface="+mn-ea"/>
+                <a:cs typeface="+mn-cs"/>
+              </a:defRPr>
+            </a:lvl8pPr>
+            <a:lvl9pPr marL="3657600" algn="l" defTabSz="914400" rtl="0" eaLnBrk="1" latinLnBrk="0" hangingPunct="1">
+              <a:defRPr sz="1800" kern="1200">
+                <a:solidFill>
+                  <a:schemeClr val="tx1"/>
+                </a:solidFill>
+                <a:latin typeface="+mn-lt"/>
+                <a:ea typeface="+mn-ea"/>
+                <a:cs typeface="+mn-cs"/>
+              </a:defRPr>
+            </a:lvl9pPr>
+          </a:lstStyle>
+          <a:p>
+            <a:r>
+              <a:rPr lang="en-US" u="sng" dirty="0" smtClean="0">
+                <a:solidFill>
+                  <a:schemeClr val="tx2"/>
+                </a:solidFill>
+              </a:rPr>
+              <a:t>MARKS INSERT AND VIEW FORM</a:t>
+            </a:r>
+            <a:endParaRPr lang="en-GB" u="sng" dirty="0">
+              <a:solidFill>
+                <a:schemeClr val="tx2"/>
+              </a:solidFill>
+            </a:endParaRPr>
+          </a:p>
+        </p:txBody>
+      </p:sp>
+    </p:spTree>
+    <p:extLst>
+      <p:ext uri="{BB962C8B-B14F-4D97-AF65-F5344CB8AC3E}">
+        <p14:creationId xmlns:p14="http://schemas.microsoft.com/office/powerpoint/2010/main" val="2794565591"/>
+      </p:ext>
+    </p:extLst>
+  </p:cSld>
+  <p:clrMapOvr>
+    <a:masterClrMapping/>
+  </p:clrMapOvr>
+  <p:timing>
+    <p:tnLst>
+      <p:par>
+        <p:cTn id="1" dur="indefinite" restart="never" nodeType="tmRoot"/>
+      </p:par>
+    </p:tnLst>
+  </p:timing>
+</p:sld>
+</file>
+
+<file path=ppt/slides/slide17.xml><?xml version="1.0" encoding="utf-8"?>
 <p:sld xmlns:a="http://schemas.openxmlformats.org/drawingml/2006/main" xmlns:r="http://schemas.openxmlformats.org/officeDocument/2006/relationships" xmlns:p="http://schemas.openxmlformats.org/presentationml/2006/main">
   <p:cSld>
     <p:spTree>
@@ -7471,7 +10318,7 @@
 </p:sld>
 </file>
 
-<file path=ppt/slides/slide12.xml><?xml version="1.0" encoding="utf-8"?>
+<file path=ppt/slides/slide18.xml><?xml version="1.0" encoding="utf-8"?>
 <p:sld xmlns:a="http://schemas.openxmlformats.org/drawingml/2006/main" xmlns:r="http://schemas.openxmlformats.org/officeDocument/2006/relationships" xmlns:p="http://schemas.openxmlformats.org/presentationml/2006/main">
   <p:cSld>
     <p:spTree>
@@ -7907,7 +10754,7 @@
 </p:sld>
 </file>
 
-<file path=ppt/slides/slide13.xml><?xml version="1.0" encoding="utf-8"?>
+<file path=ppt/slides/slide19.xml><?xml version="1.0" encoding="utf-8"?>
 <p:sld xmlns:a="http://schemas.openxmlformats.org/drawingml/2006/main" xmlns:r="http://schemas.openxmlformats.org/officeDocument/2006/relationships" xmlns:p="http://schemas.openxmlformats.org/presentationml/2006/main">
   <p:cSld>
     <p:spTree>

--- a/Examination Record Management System.pptx
+++ b/Examination Record Management System.pptx
@@ -5,7 +5,7 @@
     <p:sldMasterId id="2147483816" r:id="rId1"/>
   </p:sldMasterIdLst>
   <p:notesMasterIdLst>
-    <p:notesMasterId r:id="rId21"/>
+    <p:notesMasterId r:id="rId15"/>
   </p:notesMasterIdLst>
   <p:sldIdLst>
     <p:sldId id="256" r:id="rId2"/>
@@ -18,15 +18,9 @@
     <p:sldId id="263" r:id="rId9"/>
     <p:sldId id="268" r:id="rId10"/>
     <p:sldId id="273" r:id="rId11"/>
-    <p:sldId id="275" r:id="rId12"/>
-    <p:sldId id="276" r:id="rId13"/>
-    <p:sldId id="277" r:id="rId14"/>
-    <p:sldId id="278" r:id="rId15"/>
-    <p:sldId id="279" r:id="rId16"/>
-    <p:sldId id="280" r:id="rId17"/>
-    <p:sldId id="266" r:id="rId18"/>
-    <p:sldId id="267" r:id="rId19"/>
-    <p:sldId id="270" r:id="rId20"/>
+    <p:sldId id="266" r:id="rId12"/>
+    <p:sldId id="267" r:id="rId13"/>
+    <p:sldId id="270" r:id="rId14"/>
   </p:sldIdLst>
   <p:sldSz cx="9144000" cy="6858000" type="screen4x3"/>
   <p:notesSz cx="6858000" cy="9144000"/>
@@ -210,7 +204,7 @@
           <a:p>
             <a:fld id="{A4EA0A71-AC9D-420E-849E-74D2C9C7746D}" type="datetimeFigureOut">
               <a:rPr lang="en-US" smtClean="0"/>
-              <a:t>2/27/2019</a:t>
+              <a:t>2/26/2019</a:t>
             </a:fld>
             <a:endParaRPr lang="en-US"/>
           </a:p>
@@ -621,7 +615,7 @@
           <a:p>
             <a:fld id="{FA5B141C-CAD3-4925-98FF-EEE1F1829A5A}" type="datetime1">
               <a:rPr lang="en-US" smtClean="0"/>
-              <a:t>2/27/2019</a:t>
+              <a:t>2/26/2019</a:t>
             </a:fld>
             <a:endParaRPr lang="en-US"/>
           </a:p>
@@ -937,7 +931,7 @@
           <a:p>
             <a:fld id="{EB97C9DF-2509-466C-BAB9-E515853F4B14}" type="datetime1">
               <a:rPr lang="en-US" smtClean="0"/>
-              <a:t>2/27/2019</a:t>
+              <a:t>2/26/2019</a:t>
             </a:fld>
             <a:endParaRPr lang="en-US"/>
           </a:p>
@@ -1112,7 +1106,7 @@
           <a:p>
             <a:fld id="{69D2EBCD-EFC3-4358-9999-FE8926C51BB3}" type="datetime1">
               <a:rPr lang="en-US" smtClean="0"/>
-              <a:t>2/27/2019</a:t>
+              <a:t>2/26/2019</a:t>
             </a:fld>
             <a:endParaRPr lang="en-US"/>
           </a:p>
@@ -1230,7 +1224,7 @@
           <a:p>
             <a:fld id="{F6FFA95C-D9BA-4602-9FAE-51B6EFDC0153}" type="datetime1">
               <a:rPr lang="en-US" smtClean="0"/>
-              <a:t>2/27/2019</a:t>
+              <a:t>2/26/2019</a:t>
             </a:fld>
             <a:endParaRPr lang="en-US"/>
           </a:p>
@@ -1528,7 +1522,7 @@
           <a:p>
             <a:fld id="{0FF2584A-887D-43F7-90BD-DB35840F52B7}" type="datetime1">
               <a:rPr lang="en-US" smtClean="0"/>
-              <a:t>2/27/2019</a:t>
+              <a:t>2/26/2019</a:t>
             </a:fld>
             <a:endParaRPr lang="en-US"/>
           </a:p>
@@ -1821,7 +1815,7 @@
           <a:p>
             <a:fld id="{26F5F66A-966A-4E28-818D-FB5CB84E6041}" type="datetime1">
               <a:rPr lang="en-US" smtClean="0"/>
-              <a:t>2/27/2019</a:t>
+              <a:t>2/26/2019</a:t>
             </a:fld>
             <a:endParaRPr lang="en-US"/>
           </a:p>
@@ -2249,7 +2243,7 @@
           <a:p>
             <a:fld id="{E326A5E5-9811-48DA-9357-CACEE762C2DF}" type="datetime1">
               <a:rPr lang="en-US" smtClean="0"/>
-              <a:t>2/27/2019</a:t>
+              <a:t>2/26/2019</a:t>
             </a:fld>
             <a:endParaRPr lang="en-US"/>
           </a:p>
@@ -2367,7 +2361,7 @@
           <a:p>
             <a:fld id="{21D4B55D-56C8-443C-8D43-76398FCEDB30}" type="datetime1">
               <a:rPr lang="en-US" smtClean="0"/>
-              <a:t>2/27/2019</a:t>
+              <a:t>2/26/2019</a:t>
             </a:fld>
             <a:endParaRPr lang="en-US"/>
           </a:p>
@@ -2457,7 +2451,7 @@
           <a:p>
             <a:fld id="{34527847-C87A-4EA7-9037-F6CC3FA23973}" type="datetime1">
               <a:rPr lang="en-US" smtClean="0"/>
-              <a:t>2/27/2019</a:t>
+              <a:t>2/26/2019</a:t>
             </a:fld>
             <a:endParaRPr lang="en-US"/>
           </a:p>
@@ -2707,7 +2701,7 @@
           <a:p>
             <a:fld id="{62AD25C3-15F8-46C1-8767-A88764F8B26E}" type="datetime1">
               <a:rPr lang="en-US" smtClean="0"/>
-              <a:t>2/27/2019</a:t>
+              <a:t>2/26/2019</a:t>
             </a:fld>
             <a:endParaRPr lang="en-US"/>
           </a:p>
@@ -3223,7 +3217,7 @@
           <a:p>
             <a:fld id="{80E961EE-585B-42C6-BDED-153534F0793A}" type="datetime1">
               <a:rPr lang="en-US" smtClean="0"/>
-              <a:t>2/27/2019</a:t>
+              <a:t>2/26/2019</a:t>
             </a:fld>
             <a:endParaRPr lang="en-US"/>
           </a:p>
@@ -3453,7 +3447,7 @@
           <a:p>
             <a:fld id="{BF50E909-59FF-4B71-A7D1-1456F9D3571A}" type="datetime1">
               <a:rPr lang="en-US" smtClean="0"/>
-              <a:t>2/27/2019</a:t>
+              <a:t>2/26/2019</a:t>
             </a:fld>
             <a:endParaRPr lang="en-US"/>
           </a:p>
@@ -6829,2847 +6823,6 @@
 </file>
 
 <file path=ppt/slides/slide11.xml><?xml version="1.0" encoding="utf-8"?>
-<p:sld xmlns:a="http://schemas.openxmlformats.org/drawingml/2006/main" xmlns:r="http://schemas.openxmlformats.org/officeDocument/2006/relationships" xmlns:p="http://schemas.openxmlformats.org/presentationml/2006/main">
-  <p:cSld>
-    <p:spTree>
-      <p:nvGrpSpPr>
-        <p:cNvPr id="1" name=""/>
-        <p:cNvGrpSpPr/>
-        <p:nvPr/>
-      </p:nvGrpSpPr>
-      <p:grpSpPr>
-        <a:xfrm>
-          <a:off x="0" y="0"/>
-          <a:ext cx="0" cy="0"/>
-          <a:chOff x="0" y="0"/>
-          <a:chExt cx="0" cy="0"/>
-        </a:xfrm>
-      </p:grpSpPr>
-      <p:pic>
-        <p:nvPicPr>
-          <p:cNvPr id="2" name="Picture 1"/>
-          <p:cNvPicPr>
-            <a:picLocks noChangeAspect="1"/>
-          </p:cNvPicPr>
-          <p:nvPr/>
-        </p:nvPicPr>
-        <p:blipFill>
-          <a:blip r:embed="rId2">
-            <a:extLst>
-              <a:ext uri="{28A0092B-C50C-407E-A947-70E740481C1C}">
-                <a14:useLocalDpi xmlns:a14="http://schemas.microsoft.com/office/drawing/2010/main" val="0"/>
-              </a:ext>
-            </a:extLst>
-          </a:blip>
-          <a:stretch>
-            <a:fillRect/>
-          </a:stretch>
-        </p:blipFill>
-        <p:spPr>
-          <a:xfrm>
-            <a:off x="228601" y="199380"/>
-            <a:ext cx="3200400" cy="4529379"/>
-          </a:xfrm>
-          <a:prstGeom prst="rect">
-            <a:avLst/>
-          </a:prstGeom>
-        </p:spPr>
-      </p:pic>
-      <p:pic>
-        <p:nvPicPr>
-          <p:cNvPr id="3" name="Picture 2"/>
-          <p:cNvPicPr>
-            <a:picLocks noChangeAspect="1"/>
-          </p:cNvPicPr>
-          <p:nvPr/>
-        </p:nvPicPr>
-        <p:blipFill>
-          <a:blip r:embed="rId3">
-            <a:extLst>
-              <a:ext uri="{28A0092B-C50C-407E-A947-70E740481C1C}">
-                <a14:useLocalDpi xmlns:a14="http://schemas.microsoft.com/office/drawing/2010/main" val="0"/>
-              </a:ext>
-            </a:extLst>
-          </a:blip>
-          <a:stretch>
-            <a:fillRect/>
-          </a:stretch>
-        </p:blipFill>
-        <p:spPr>
-          <a:xfrm>
-            <a:off x="5181600" y="368831"/>
-            <a:ext cx="3257143" cy="4190476"/>
-          </a:xfrm>
-          <a:prstGeom prst="rect">
-            <a:avLst/>
-          </a:prstGeom>
-        </p:spPr>
-      </p:pic>
-      <p:sp>
-        <p:nvSpPr>
-          <p:cNvPr id="4" name="TextBox 4"/>
-          <p:cNvSpPr txBox="1"/>
-          <p:nvPr/>
-        </p:nvSpPr>
-        <p:spPr>
-          <a:xfrm>
-            <a:off x="762000" y="4910239"/>
-            <a:ext cx="1828800" cy="369332"/>
-          </a:xfrm>
-          <a:prstGeom prst="rect">
-            <a:avLst/>
-          </a:prstGeom>
-          <a:noFill/>
-        </p:spPr>
-        <p:txBody>
-          <a:bodyPr wrap="square" rtlCol="0">
-            <a:spAutoFit/>
-          </a:bodyPr>
-          <a:lstStyle>
-            <a:defPPr>
-              <a:defRPr lang="en-US"/>
-            </a:defPPr>
-            <a:lvl1pPr marL="0" algn="l" defTabSz="914400" rtl="0" eaLnBrk="1" latinLnBrk="0" hangingPunct="1">
-              <a:defRPr sz="1800" kern="1200">
-                <a:solidFill>
-                  <a:schemeClr val="tx1"/>
-                </a:solidFill>
-                <a:latin typeface="+mn-lt"/>
-                <a:ea typeface="+mn-ea"/>
-                <a:cs typeface="+mn-cs"/>
-              </a:defRPr>
-            </a:lvl1pPr>
-            <a:lvl2pPr marL="457200" algn="l" defTabSz="914400" rtl="0" eaLnBrk="1" latinLnBrk="0" hangingPunct="1">
-              <a:defRPr sz="1800" kern="1200">
-                <a:solidFill>
-                  <a:schemeClr val="tx1"/>
-                </a:solidFill>
-                <a:latin typeface="+mn-lt"/>
-                <a:ea typeface="+mn-ea"/>
-                <a:cs typeface="+mn-cs"/>
-              </a:defRPr>
-            </a:lvl2pPr>
-            <a:lvl3pPr marL="914400" algn="l" defTabSz="914400" rtl="0" eaLnBrk="1" latinLnBrk="0" hangingPunct="1">
-              <a:defRPr sz="1800" kern="1200">
-                <a:solidFill>
-                  <a:schemeClr val="tx1"/>
-                </a:solidFill>
-                <a:latin typeface="+mn-lt"/>
-                <a:ea typeface="+mn-ea"/>
-                <a:cs typeface="+mn-cs"/>
-              </a:defRPr>
-            </a:lvl3pPr>
-            <a:lvl4pPr marL="1371600" algn="l" defTabSz="914400" rtl="0" eaLnBrk="1" latinLnBrk="0" hangingPunct="1">
-              <a:defRPr sz="1800" kern="1200">
-                <a:solidFill>
-                  <a:schemeClr val="tx1"/>
-                </a:solidFill>
-                <a:latin typeface="+mn-lt"/>
-                <a:ea typeface="+mn-ea"/>
-                <a:cs typeface="+mn-cs"/>
-              </a:defRPr>
-            </a:lvl4pPr>
-            <a:lvl5pPr marL="1828800" algn="l" defTabSz="914400" rtl="0" eaLnBrk="1" latinLnBrk="0" hangingPunct="1">
-              <a:defRPr sz="1800" kern="1200">
-                <a:solidFill>
-                  <a:schemeClr val="tx1"/>
-                </a:solidFill>
-                <a:latin typeface="+mn-lt"/>
-                <a:ea typeface="+mn-ea"/>
-                <a:cs typeface="+mn-cs"/>
-              </a:defRPr>
-            </a:lvl5pPr>
-            <a:lvl6pPr marL="2286000" algn="l" defTabSz="914400" rtl="0" eaLnBrk="1" latinLnBrk="0" hangingPunct="1">
-              <a:defRPr sz="1800" kern="1200">
-                <a:solidFill>
-                  <a:schemeClr val="tx1"/>
-                </a:solidFill>
-                <a:latin typeface="+mn-lt"/>
-                <a:ea typeface="+mn-ea"/>
-                <a:cs typeface="+mn-cs"/>
-              </a:defRPr>
-            </a:lvl6pPr>
-            <a:lvl7pPr marL="2743200" algn="l" defTabSz="914400" rtl="0" eaLnBrk="1" latinLnBrk="0" hangingPunct="1">
-              <a:defRPr sz="1800" kern="1200">
-                <a:solidFill>
-                  <a:schemeClr val="tx1"/>
-                </a:solidFill>
-                <a:latin typeface="+mn-lt"/>
-                <a:ea typeface="+mn-ea"/>
-                <a:cs typeface="+mn-cs"/>
-              </a:defRPr>
-            </a:lvl7pPr>
-            <a:lvl8pPr marL="3200400" algn="l" defTabSz="914400" rtl="0" eaLnBrk="1" latinLnBrk="0" hangingPunct="1">
-              <a:defRPr sz="1800" kern="1200">
-                <a:solidFill>
-                  <a:schemeClr val="tx1"/>
-                </a:solidFill>
-                <a:latin typeface="+mn-lt"/>
-                <a:ea typeface="+mn-ea"/>
-                <a:cs typeface="+mn-cs"/>
-              </a:defRPr>
-            </a:lvl8pPr>
-            <a:lvl9pPr marL="3657600" algn="l" defTabSz="914400" rtl="0" eaLnBrk="1" latinLnBrk="0" hangingPunct="1">
-              <a:defRPr sz="1800" kern="1200">
-                <a:solidFill>
-                  <a:schemeClr val="tx1"/>
-                </a:solidFill>
-                <a:latin typeface="+mn-lt"/>
-                <a:ea typeface="+mn-ea"/>
-                <a:cs typeface="+mn-cs"/>
-              </a:defRPr>
-            </a:lvl9pPr>
-          </a:lstStyle>
-          <a:p>
-            <a:r>
-              <a:rPr lang="en-US" u="sng" dirty="0" smtClean="0">
-                <a:solidFill>
-                  <a:schemeClr val="tx2"/>
-                </a:solidFill>
-              </a:rPr>
-              <a:t>LOGIN PAGE</a:t>
-            </a:r>
-            <a:endParaRPr lang="en-GB" u="sng" dirty="0">
-              <a:solidFill>
-                <a:schemeClr val="tx2"/>
-              </a:solidFill>
-            </a:endParaRPr>
-          </a:p>
-        </p:txBody>
-      </p:sp>
-      <p:sp>
-        <p:nvSpPr>
-          <p:cNvPr id="5" name="TextBox 4"/>
-          <p:cNvSpPr txBox="1"/>
-          <p:nvPr/>
-        </p:nvSpPr>
-        <p:spPr>
-          <a:xfrm>
-            <a:off x="6019800" y="4729541"/>
-            <a:ext cx="2418943" cy="369332"/>
-          </a:xfrm>
-          <a:prstGeom prst="rect">
-            <a:avLst/>
-          </a:prstGeom>
-          <a:noFill/>
-        </p:spPr>
-        <p:txBody>
-          <a:bodyPr wrap="square" rtlCol="0">
-            <a:spAutoFit/>
-          </a:bodyPr>
-          <a:lstStyle>
-            <a:defPPr>
-              <a:defRPr lang="en-US"/>
-            </a:defPPr>
-            <a:lvl1pPr marL="0" algn="l" defTabSz="914400" rtl="0" eaLnBrk="1" latinLnBrk="0" hangingPunct="1">
-              <a:defRPr sz="1800" kern="1200">
-                <a:solidFill>
-                  <a:schemeClr val="tx1"/>
-                </a:solidFill>
-                <a:latin typeface="+mn-lt"/>
-                <a:ea typeface="+mn-ea"/>
-                <a:cs typeface="+mn-cs"/>
-              </a:defRPr>
-            </a:lvl1pPr>
-            <a:lvl2pPr marL="457200" algn="l" defTabSz="914400" rtl="0" eaLnBrk="1" latinLnBrk="0" hangingPunct="1">
-              <a:defRPr sz="1800" kern="1200">
-                <a:solidFill>
-                  <a:schemeClr val="tx1"/>
-                </a:solidFill>
-                <a:latin typeface="+mn-lt"/>
-                <a:ea typeface="+mn-ea"/>
-                <a:cs typeface="+mn-cs"/>
-              </a:defRPr>
-            </a:lvl2pPr>
-            <a:lvl3pPr marL="914400" algn="l" defTabSz="914400" rtl="0" eaLnBrk="1" latinLnBrk="0" hangingPunct="1">
-              <a:defRPr sz="1800" kern="1200">
-                <a:solidFill>
-                  <a:schemeClr val="tx1"/>
-                </a:solidFill>
-                <a:latin typeface="+mn-lt"/>
-                <a:ea typeface="+mn-ea"/>
-                <a:cs typeface="+mn-cs"/>
-              </a:defRPr>
-            </a:lvl3pPr>
-            <a:lvl4pPr marL="1371600" algn="l" defTabSz="914400" rtl="0" eaLnBrk="1" latinLnBrk="0" hangingPunct="1">
-              <a:defRPr sz="1800" kern="1200">
-                <a:solidFill>
-                  <a:schemeClr val="tx1"/>
-                </a:solidFill>
-                <a:latin typeface="+mn-lt"/>
-                <a:ea typeface="+mn-ea"/>
-                <a:cs typeface="+mn-cs"/>
-              </a:defRPr>
-            </a:lvl4pPr>
-            <a:lvl5pPr marL="1828800" algn="l" defTabSz="914400" rtl="0" eaLnBrk="1" latinLnBrk="0" hangingPunct="1">
-              <a:defRPr sz="1800" kern="1200">
-                <a:solidFill>
-                  <a:schemeClr val="tx1"/>
-                </a:solidFill>
-                <a:latin typeface="+mn-lt"/>
-                <a:ea typeface="+mn-ea"/>
-                <a:cs typeface="+mn-cs"/>
-              </a:defRPr>
-            </a:lvl5pPr>
-            <a:lvl6pPr marL="2286000" algn="l" defTabSz="914400" rtl="0" eaLnBrk="1" latinLnBrk="0" hangingPunct="1">
-              <a:defRPr sz="1800" kern="1200">
-                <a:solidFill>
-                  <a:schemeClr val="tx1"/>
-                </a:solidFill>
-                <a:latin typeface="+mn-lt"/>
-                <a:ea typeface="+mn-ea"/>
-                <a:cs typeface="+mn-cs"/>
-              </a:defRPr>
-            </a:lvl6pPr>
-            <a:lvl7pPr marL="2743200" algn="l" defTabSz="914400" rtl="0" eaLnBrk="1" latinLnBrk="0" hangingPunct="1">
-              <a:defRPr sz="1800" kern="1200">
-                <a:solidFill>
-                  <a:schemeClr val="tx1"/>
-                </a:solidFill>
-                <a:latin typeface="+mn-lt"/>
-                <a:ea typeface="+mn-ea"/>
-                <a:cs typeface="+mn-cs"/>
-              </a:defRPr>
-            </a:lvl7pPr>
-            <a:lvl8pPr marL="3200400" algn="l" defTabSz="914400" rtl="0" eaLnBrk="1" latinLnBrk="0" hangingPunct="1">
-              <a:defRPr sz="1800" kern="1200">
-                <a:solidFill>
-                  <a:schemeClr val="tx1"/>
-                </a:solidFill>
-                <a:latin typeface="+mn-lt"/>
-                <a:ea typeface="+mn-ea"/>
-                <a:cs typeface="+mn-cs"/>
-              </a:defRPr>
-            </a:lvl8pPr>
-            <a:lvl9pPr marL="3657600" algn="l" defTabSz="914400" rtl="0" eaLnBrk="1" latinLnBrk="0" hangingPunct="1">
-              <a:defRPr sz="1800" kern="1200">
-                <a:solidFill>
-                  <a:schemeClr val="tx1"/>
-                </a:solidFill>
-                <a:latin typeface="+mn-lt"/>
-                <a:ea typeface="+mn-ea"/>
-                <a:cs typeface="+mn-cs"/>
-              </a:defRPr>
-            </a:lvl9pPr>
-          </a:lstStyle>
-          <a:p>
-            <a:r>
-              <a:rPr lang="en-US" u="sng" dirty="0" smtClean="0">
-                <a:solidFill>
-                  <a:schemeClr val="tx2"/>
-                </a:solidFill>
-              </a:rPr>
-              <a:t>SIGNUP PAGE</a:t>
-            </a:r>
-            <a:endParaRPr lang="en-GB" u="sng" dirty="0">
-              <a:solidFill>
-                <a:schemeClr val="tx2"/>
-              </a:solidFill>
-            </a:endParaRPr>
-          </a:p>
-        </p:txBody>
-      </p:sp>
-    </p:spTree>
-    <p:extLst>
-      <p:ext uri="{BB962C8B-B14F-4D97-AF65-F5344CB8AC3E}">
-        <p14:creationId xmlns:p14="http://schemas.microsoft.com/office/powerpoint/2010/main" val="2019597969"/>
-      </p:ext>
-    </p:extLst>
-  </p:cSld>
-  <p:clrMapOvr>
-    <a:masterClrMapping/>
-  </p:clrMapOvr>
-  <p:timing>
-    <p:tnLst>
-      <p:par>
-        <p:cTn id="1" dur="indefinite" restart="never" nodeType="tmRoot">
-          <p:childTnLst>
-            <p:seq concurrent="1" nextAc="seek">
-              <p:cTn id="2" dur="indefinite" nodeType="mainSeq">
-                <p:childTnLst>
-                  <p:par>
-                    <p:cTn id="3" fill="hold">
-                      <p:stCondLst>
-                        <p:cond delay="indefinite"/>
-                      </p:stCondLst>
-                      <p:childTnLst>
-                        <p:par>
-                          <p:cTn id="4" fill="hold">
-                            <p:stCondLst>
-                              <p:cond delay="0"/>
-                            </p:stCondLst>
-                            <p:childTnLst>
-                              <p:par>
-                                <p:cTn id="5" presetID="10" presetClass="entr" presetSubtype="0" fill="hold" nodeType="clickEffect">
-                                  <p:stCondLst>
-                                    <p:cond delay="0"/>
-                                  </p:stCondLst>
-                                  <p:childTnLst>
-                                    <p:set>
-                                      <p:cBhvr>
-                                        <p:cTn id="6" dur="1" fill="hold">
-                                          <p:stCondLst>
-                                            <p:cond delay="0"/>
-                                          </p:stCondLst>
-                                        </p:cTn>
-                                        <p:tgtEl>
-                                          <p:spTgt spid="2"/>
-                                        </p:tgtEl>
-                                        <p:attrNameLst>
-                                          <p:attrName>style.visibility</p:attrName>
-                                        </p:attrNameLst>
-                                      </p:cBhvr>
-                                      <p:to>
-                                        <p:strVal val="visible"/>
-                                      </p:to>
-                                    </p:set>
-                                    <p:animEffect transition="in" filter="fade">
-                                      <p:cBhvr>
-                                        <p:cTn id="7" dur="500"/>
-                                        <p:tgtEl>
-                                          <p:spTgt spid="2"/>
-                                        </p:tgtEl>
-                                      </p:cBhvr>
-                                    </p:animEffect>
-                                  </p:childTnLst>
-                                </p:cTn>
-                              </p:par>
-                              <p:par>
-                                <p:cTn id="8" presetID="10" presetClass="entr" presetSubtype="0" fill="hold" grpId="0" nodeType="withEffect">
-                                  <p:stCondLst>
-                                    <p:cond delay="0"/>
-                                  </p:stCondLst>
-                                  <p:childTnLst>
-                                    <p:set>
-                                      <p:cBhvr>
-                                        <p:cTn id="9" dur="1" fill="hold">
-                                          <p:stCondLst>
-                                            <p:cond delay="0"/>
-                                          </p:stCondLst>
-                                        </p:cTn>
-                                        <p:tgtEl>
-                                          <p:spTgt spid="4"/>
-                                        </p:tgtEl>
-                                        <p:attrNameLst>
-                                          <p:attrName>style.visibility</p:attrName>
-                                        </p:attrNameLst>
-                                      </p:cBhvr>
-                                      <p:to>
-                                        <p:strVal val="visible"/>
-                                      </p:to>
-                                    </p:set>
-                                    <p:animEffect transition="in" filter="fade">
-                                      <p:cBhvr>
-                                        <p:cTn id="10" dur="500"/>
-                                        <p:tgtEl>
-                                          <p:spTgt spid="4"/>
-                                        </p:tgtEl>
-                                      </p:cBhvr>
-                                    </p:animEffect>
-                                  </p:childTnLst>
-                                </p:cTn>
-                              </p:par>
-                            </p:childTnLst>
-                          </p:cTn>
-                        </p:par>
-                      </p:childTnLst>
-                    </p:cTn>
-                  </p:par>
-                  <p:par>
-                    <p:cTn id="11" fill="hold">
-                      <p:stCondLst>
-                        <p:cond delay="indefinite"/>
-                      </p:stCondLst>
-                      <p:childTnLst>
-                        <p:par>
-                          <p:cTn id="12" fill="hold">
-                            <p:stCondLst>
-                              <p:cond delay="0"/>
-                            </p:stCondLst>
-                            <p:childTnLst>
-                              <p:par>
-                                <p:cTn id="13" presetID="10" presetClass="entr" presetSubtype="0" fill="hold" nodeType="clickEffect">
-                                  <p:stCondLst>
-                                    <p:cond delay="0"/>
-                                  </p:stCondLst>
-                                  <p:childTnLst>
-                                    <p:set>
-                                      <p:cBhvr>
-                                        <p:cTn id="14" dur="1" fill="hold">
-                                          <p:stCondLst>
-                                            <p:cond delay="0"/>
-                                          </p:stCondLst>
-                                        </p:cTn>
-                                        <p:tgtEl>
-                                          <p:spTgt spid="3"/>
-                                        </p:tgtEl>
-                                        <p:attrNameLst>
-                                          <p:attrName>style.visibility</p:attrName>
-                                        </p:attrNameLst>
-                                      </p:cBhvr>
-                                      <p:to>
-                                        <p:strVal val="visible"/>
-                                      </p:to>
-                                    </p:set>
-                                    <p:animEffect transition="in" filter="fade">
-                                      <p:cBhvr>
-                                        <p:cTn id="15" dur="500"/>
-                                        <p:tgtEl>
-                                          <p:spTgt spid="3"/>
-                                        </p:tgtEl>
-                                      </p:cBhvr>
-                                    </p:animEffect>
-                                  </p:childTnLst>
-                                </p:cTn>
-                              </p:par>
-                              <p:par>
-                                <p:cTn id="16" presetID="10" presetClass="entr" presetSubtype="0" fill="hold" grpId="0" nodeType="withEffect">
-                                  <p:stCondLst>
-                                    <p:cond delay="0"/>
-                                  </p:stCondLst>
-                                  <p:childTnLst>
-                                    <p:set>
-                                      <p:cBhvr>
-                                        <p:cTn id="17" dur="1" fill="hold">
-                                          <p:stCondLst>
-                                            <p:cond delay="0"/>
-                                          </p:stCondLst>
-                                        </p:cTn>
-                                        <p:tgtEl>
-                                          <p:spTgt spid="5"/>
-                                        </p:tgtEl>
-                                        <p:attrNameLst>
-                                          <p:attrName>style.visibility</p:attrName>
-                                        </p:attrNameLst>
-                                      </p:cBhvr>
-                                      <p:to>
-                                        <p:strVal val="visible"/>
-                                      </p:to>
-                                    </p:set>
-                                    <p:animEffect transition="in" filter="fade">
-                                      <p:cBhvr>
-                                        <p:cTn id="18" dur="500"/>
-                                        <p:tgtEl>
-                                          <p:spTgt spid="5"/>
-                                        </p:tgtEl>
-                                      </p:cBhvr>
-                                    </p:animEffect>
-                                  </p:childTnLst>
-                                </p:cTn>
-                              </p:par>
-                            </p:childTnLst>
-                          </p:cTn>
-                        </p:par>
-                      </p:childTnLst>
-                    </p:cTn>
-                  </p:par>
-                </p:childTnLst>
-              </p:cTn>
-              <p:prevCondLst>
-                <p:cond evt="onPrev" delay="0">
-                  <p:tgtEl>
-                    <p:sldTgt/>
-                  </p:tgtEl>
-                </p:cond>
-              </p:prevCondLst>
-              <p:nextCondLst>
-                <p:cond evt="onNext" delay="0">
-                  <p:tgtEl>
-                    <p:sldTgt/>
-                  </p:tgtEl>
-                </p:cond>
-              </p:nextCondLst>
-            </p:seq>
-          </p:childTnLst>
-        </p:cTn>
-      </p:par>
-    </p:tnLst>
-    <p:bldLst>
-      <p:bldP spid="4" grpId="0"/>
-      <p:bldP spid="5" grpId="0"/>
-    </p:bldLst>
-  </p:timing>
-</p:sld>
-</file>
-
-<file path=ppt/slides/slide12.xml><?xml version="1.0" encoding="utf-8"?>
-<p:sld xmlns:a="http://schemas.openxmlformats.org/drawingml/2006/main" xmlns:r="http://schemas.openxmlformats.org/officeDocument/2006/relationships" xmlns:p="http://schemas.openxmlformats.org/presentationml/2006/main">
-  <p:cSld>
-    <p:spTree>
-      <p:nvGrpSpPr>
-        <p:cNvPr id="1" name=""/>
-        <p:cNvGrpSpPr/>
-        <p:nvPr/>
-      </p:nvGrpSpPr>
-      <p:grpSpPr>
-        <a:xfrm>
-          <a:off x="0" y="0"/>
-          <a:ext cx="0" cy="0"/>
-          <a:chOff x="0" y="0"/>
-          <a:chExt cx="0" cy="0"/>
-        </a:xfrm>
-      </p:grpSpPr>
-      <p:pic>
-        <p:nvPicPr>
-          <p:cNvPr id="2" name="Picture 1"/>
-          <p:cNvPicPr>
-            <a:picLocks noChangeAspect="1"/>
-          </p:cNvPicPr>
-          <p:nvPr/>
-        </p:nvPicPr>
-        <p:blipFill>
-          <a:blip r:embed="rId2">
-            <a:extLst>
-              <a:ext uri="{28A0092B-C50C-407E-A947-70E740481C1C}">
-                <a14:useLocalDpi xmlns:a14="http://schemas.microsoft.com/office/drawing/2010/main" val="0"/>
-              </a:ext>
-            </a:extLst>
-          </a:blip>
-          <a:stretch>
-            <a:fillRect/>
-          </a:stretch>
-        </p:blipFill>
-        <p:spPr>
-          <a:xfrm>
-            <a:off x="141515" y="381000"/>
-            <a:ext cx="3796492" cy="4554275"/>
-          </a:xfrm>
-          <a:prstGeom prst="rect">
-            <a:avLst/>
-          </a:prstGeom>
-        </p:spPr>
-      </p:pic>
-      <p:pic>
-        <p:nvPicPr>
-          <p:cNvPr id="3" name="Picture 2"/>
-          <p:cNvPicPr>
-            <a:picLocks noChangeAspect="1"/>
-          </p:cNvPicPr>
-          <p:nvPr/>
-        </p:nvPicPr>
-        <p:blipFill>
-          <a:blip r:embed="rId3">
-            <a:extLst>
-              <a:ext uri="{28A0092B-C50C-407E-A947-70E740481C1C}">
-                <a14:useLocalDpi xmlns:a14="http://schemas.microsoft.com/office/drawing/2010/main" val="0"/>
-              </a:ext>
-            </a:extLst>
-          </a:blip>
-          <a:stretch>
-            <a:fillRect/>
-          </a:stretch>
-        </p:blipFill>
-        <p:spPr>
-          <a:xfrm>
-            <a:off x="5105400" y="492069"/>
-            <a:ext cx="3818292" cy="4560737"/>
-          </a:xfrm>
-          <a:prstGeom prst="rect">
-            <a:avLst/>
-          </a:prstGeom>
-        </p:spPr>
-      </p:pic>
-      <p:sp>
-        <p:nvSpPr>
-          <p:cNvPr id="4" name="TextBox 4"/>
-          <p:cNvSpPr txBox="1"/>
-          <p:nvPr/>
-        </p:nvSpPr>
-        <p:spPr>
-          <a:xfrm>
-            <a:off x="325261" y="5181600"/>
-            <a:ext cx="3429000" cy="369332"/>
-          </a:xfrm>
-          <a:prstGeom prst="rect">
-            <a:avLst/>
-          </a:prstGeom>
-          <a:noFill/>
-        </p:spPr>
-        <p:txBody>
-          <a:bodyPr wrap="square" rtlCol="0">
-            <a:spAutoFit/>
-          </a:bodyPr>
-          <a:lstStyle>
-            <a:defPPr>
-              <a:defRPr lang="en-US"/>
-            </a:defPPr>
-            <a:lvl1pPr marL="0" algn="l" defTabSz="914400" rtl="0" eaLnBrk="1" latinLnBrk="0" hangingPunct="1">
-              <a:defRPr sz="1800" kern="1200">
-                <a:solidFill>
-                  <a:schemeClr val="tx1"/>
-                </a:solidFill>
-                <a:latin typeface="+mn-lt"/>
-                <a:ea typeface="+mn-ea"/>
-                <a:cs typeface="+mn-cs"/>
-              </a:defRPr>
-            </a:lvl1pPr>
-            <a:lvl2pPr marL="457200" algn="l" defTabSz="914400" rtl="0" eaLnBrk="1" latinLnBrk="0" hangingPunct="1">
-              <a:defRPr sz="1800" kern="1200">
-                <a:solidFill>
-                  <a:schemeClr val="tx1"/>
-                </a:solidFill>
-                <a:latin typeface="+mn-lt"/>
-                <a:ea typeface="+mn-ea"/>
-                <a:cs typeface="+mn-cs"/>
-              </a:defRPr>
-            </a:lvl2pPr>
-            <a:lvl3pPr marL="914400" algn="l" defTabSz="914400" rtl="0" eaLnBrk="1" latinLnBrk="0" hangingPunct="1">
-              <a:defRPr sz="1800" kern="1200">
-                <a:solidFill>
-                  <a:schemeClr val="tx1"/>
-                </a:solidFill>
-                <a:latin typeface="+mn-lt"/>
-                <a:ea typeface="+mn-ea"/>
-                <a:cs typeface="+mn-cs"/>
-              </a:defRPr>
-            </a:lvl3pPr>
-            <a:lvl4pPr marL="1371600" algn="l" defTabSz="914400" rtl="0" eaLnBrk="1" latinLnBrk="0" hangingPunct="1">
-              <a:defRPr sz="1800" kern="1200">
-                <a:solidFill>
-                  <a:schemeClr val="tx1"/>
-                </a:solidFill>
-                <a:latin typeface="+mn-lt"/>
-                <a:ea typeface="+mn-ea"/>
-                <a:cs typeface="+mn-cs"/>
-              </a:defRPr>
-            </a:lvl4pPr>
-            <a:lvl5pPr marL="1828800" algn="l" defTabSz="914400" rtl="0" eaLnBrk="1" latinLnBrk="0" hangingPunct="1">
-              <a:defRPr sz="1800" kern="1200">
-                <a:solidFill>
-                  <a:schemeClr val="tx1"/>
-                </a:solidFill>
-                <a:latin typeface="+mn-lt"/>
-                <a:ea typeface="+mn-ea"/>
-                <a:cs typeface="+mn-cs"/>
-              </a:defRPr>
-            </a:lvl5pPr>
-            <a:lvl6pPr marL="2286000" algn="l" defTabSz="914400" rtl="0" eaLnBrk="1" latinLnBrk="0" hangingPunct="1">
-              <a:defRPr sz="1800" kern="1200">
-                <a:solidFill>
-                  <a:schemeClr val="tx1"/>
-                </a:solidFill>
-                <a:latin typeface="+mn-lt"/>
-                <a:ea typeface="+mn-ea"/>
-                <a:cs typeface="+mn-cs"/>
-              </a:defRPr>
-            </a:lvl6pPr>
-            <a:lvl7pPr marL="2743200" algn="l" defTabSz="914400" rtl="0" eaLnBrk="1" latinLnBrk="0" hangingPunct="1">
-              <a:defRPr sz="1800" kern="1200">
-                <a:solidFill>
-                  <a:schemeClr val="tx1"/>
-                </a:solidFill>
-                <a:latin typeface="+mn-lt"/>
-                <a:ea typeface="+mn-ea"/>
-                <a:cs typeface="+mn-cs"/>
-              </a:defRPr>
-            </a:lvl7pPr>
-            <a:lvl8pPr marL="3200400" algn="l" defTabSz="914400" rtl="0" eaLnBrk="1" latinLnBrk="0" hangingPunct="1">
-              <a:defRPr sz="1800" kern="1200">
-                <a:solidFill>
-                  <a:schemeClr val="tx1"/>
-                </a:solidFill>
-                <a:latin typeface="+mn-lt"/>
-                <a:ea typeface="+mn-ea"/>
-                <a:cs typeface="+mn-cs"/>
-              </a:defRPr>
-            </a:lvl8pPr>
-            <a:lvl9pPr marL="3657600" algn="l" defTabSz="914400" rtl="0" eaLnBrk="1" latinLnBrk="0" hangingPunct="1">
-              <a:defRPr sz="1800" kern="1200">
-                <a:solidFill>
-                  <a:schemeClr val="tx1"/>
-                </a:solidFill>
-                <a:latin typeface="+mn-lt"/>
-                <a:ea typeface="+mn-ea"/>
-                <a:cs typeface="+mn-cs"/>
-              </a:defRPr>
-            </a:lvl9pPr>
-          </a:lstStyle>
-          <a:p>
-            <a:r>
-              <a:rPr lang="en-US" u="sng" dirty="0" smtClean="0">
-                <a:solidFill>
-                  <a:schemeClr val="tx2"/>
-                </a:solidFill>
-              </a:rPr>
-              <a:t>HOME PAGE</a:t>
-            </a:r>
-            <a:endParaRPr lang="en-GB" u="sng" dirty="0">
-              <a:solidFill>
-                <a:schemeClr val="tx2"/>
-              </a:solidFill>
-            </a:endParaRPr>
-          </a:p>
-        </p:txBody>
-      </p:sp>
-      <p:sp>
-        <p:nvSpPr>
-          <p:cNvPr id="5" name="TextBox 4"/>
-          <p:cNvSpPr txBox="1"/>
-          <p:nvPr/>
-        </p:nvSpPr>
-        <p:spPr>
-          <a:xfrm>
-            <a:off x="6400800" y="5159829"/>
-            <a:ext cx="1905000" cy="369332"/>
-          </a:xfrm>
-          <a:prstGeom prst="rect">
-            <a:avLst/>
-          </a:prstGeom>
-          <a:noFill/>
-        </p:spPr>
-        <p:txBody>
-          <a:bodyPr wrap="square" rtlCol="0">
-            <a:spAutoFit/>
-          </a:bodyPr>
-          <a:lstStyle>
-            <a:defPPr>
-              <a:defRPr lang="en-US"/>
-            </a:defPPr>
-            <a:lvl1pPr marL="0" algn="l" defTabSz="914400" rtl="0" eaLnBrk="1" latinLnBrk="0" hangingPunct="1">
-              <a:defRPr sz="1800" kern="1200">
-                <a:solidFill>
-                  <a:schemeClr val="tx1"/>
-                </a:solidFill>
-                <a:latin typeface="+mn-lt"/>
-                <a:ea typeface="+mn-ea"/>
-                <a:cs typeface="+mn-cs"/>
-              </a:defRPr>
-            </a:lvl1pPr>
-            <a:lvl2pPr marL="457200" algn="l" defTabSz="914400" rtl="0" eaLnBrk="1" latinLnBrk="0" hangingPunct="1">
-              <a:defRPr sz="1800" kern="1200">
-                <a:solidFill>
-                  <a:schemeClr val="tx1"/>
-                </a:solidFill>
-                <a:latin typeface="+mn-lt"/>
-                <a:ea typeface="+mn-ea"/>
-                <a:cs typeface="+mn-cs"/>
-              </a:defRPr>
-            </a:lvl2pPr>
-            <a:lvl3pPr marL="914400" algn="l" defTabSz="914400" rtl="0" eaLnBrk="1" latinLnBrk="0" hangingPunct="1">
-              <a:defRPr sz="1800" kern="1200">
-                <a:solidFill>
-                  <a:schemeClr val="tx1"/>
-                </a:solidFill>
-                <a:latin typeface="+mn-lt"/>
-                <a:ea typeface="+mn-ea"/>
-                <a:cs typeface="+mn-cs"/>
-              </a:defRPr>
-            </a:lvl3pPr>
-            <a:lvl4pPr marL="1371600" algn="l" defTabSz="914400" rtl="0" eaLnBrk="1" latinLnBrk="0" hangingPunct="1">
-              <a:defRPr sz="1800" kern="1200">
-                <a:solidFill>
-                  <a:schemeClr val="tx1"/>
-                </a:solidFill>
-                <a:latin typeface="+mn-lt"/>
-                <a:ea typeface="+mn-ea"/>
-                <a:cs typeface="+mn-cs"/>
-              </a:defRPr>
-            </a:lvl4pPr>
-            <a:lvl5pPr marL="1828800" algn="l" defTabSz="914400" rtl="0" eaLnBrk="1" latinLnBrk="0" hangingPunct="1">
-              <a:defRPr sz="1800" kern="1200">
-                <a:solidFill>
-                  <a:schemeClr val="tx1"/>
-                </a:solidFill>
-                <a:latin typeface="+mn-lt"/>
-                <a:ea typeface="+mn-ea"/>
-                <a:cs typeface="+mn-cs"/>
-              </a:defRPr>
-            </a:lvl5pPr>
-            <a:lvl6pPr marL="2286000" algn="l" defTabSz="914400" rtl="0" eaLnBrk="1" latinLnBrk="0" hangingPunct="1">
-              <a:defRPr sz="1800" kern="1200">
-                <a:solidFill>
-                  <a:schemeClr val="tx1"/>
-                </a:solidFill>
-                <a:latin typeface="+mn-lt"/>
-                <a:ea typeface="+mn-ea"/>
-                <a:cs typeface="+mn-cs"/>
-              </a:defRPr>
-            </a:lvl6pPr>
-            <a:lvl7pPr marL="2743200" algn="l" defTabSz="914400" rtl="0" eaLnBrk="1" latinLnBrk="0" hangingPunct="1">
-              <a:defRPr sz="1800" kern="1200">
-                <a:solidFill>
-                  <a:schemeClr val="tx1"/>
-                </a:solidFill>
-                <a:latin typeface="+mn-lt"/>
-                <a:ea typeface="+mn-ea"/>
-                <a:cs typeface="+mn-cs"/>
-              </a:defRPr>
-            </a:lvl7pPr>
-            <a:lvl8pPr marL="3200400" algn="l" defTabSz="914400" rtl="0" eaLnBrk="1" latinLnBrk="0" hangingPunct="1">
-              <a:defRPr sz="1800" kern="1200">
-                <a:solidFill>
-                  <a:schemeClr val="tx1"/>
-                </a:solidFill>
-                <a:latin typeface="+mn-lt"/>
-                <a:ea typeface="+mn-ea"/>
-                <a:cs typeface="+mn-cs"/>
-              </a:defRPr>
-            </a:lvl8pPr>
-            <a:lvl9pPr marL="3657600" algn="l" defTabSz="914400" rtl="0" eaLnBrk="1" latinLnBrk="0" hangingPunct="1">
-              <a:defRPr sz="1800" kern="1200">
-                <a:solidFill>
-                  <a:schemeClr val="tx1"/>
-                </a:solidFill>
-                <a:latin typeface="+mn-lt"/>
-                <a:ea typeface="+mn-ea"/>
-                <a:cs typeface="+mn-cs"/>
-              </a:defRPr>
-            </a:lvl9pPr>
-          </a:lstStyle>
-          <a:p>
-            <a:r>
-              <a:rPr lang="en-US" u="sng" dirty="0" smtClean="0">
-                <a:solidFill>
-                  <a:schemeClr val="tx2"/>
-                </a:solidFill>
-              </a:rPr>
-              <a:t>ADMIN PAGE</a:t>
-            </a:r>
-            <a:endParaRPr lang="en-GB" u="sng" dirty="0">
-              <a:solidFill>
-                <a:schemeClr val="tx2"/>
-              </a:solidFill>
-            </a:endParaRPr>
-          </a:p>
-        </p:txBody>
-      </p:sp>
-    </p:spTree>
-    <p:extLst>
-      <p:ext uri="{BB962C8B-B14F-4D97-AF65-F5344CB8AC3E}">
-        <p14:creationId xmlns:p14="http://schemas.microsoft.com/office/powerpoint/2010/main" val="1276981871"/>
-      </p:ext>
-    </p:extLst>
-  </p:cSld>
-  <p:clrMapOvr>
-    <a:masterClrMapping/>
-  </p:clrMapOvr>
-  <p:timing>
-    <p:tnLst>
-      <p:par>
-        <p:cTn id="1" dur="indefinite" restart="never" nodeType="tmRoot">
-          <p:childTnLst>
-            <p:seq concurrent="1" nextAc="seek">
-              <p:cTn id="2" dur="indefinite" nodeType="mainSeq">
-                <p:childTnLst>
-                  <p:par>
-                    <p:cTn id="3" fill="hold">
-                      <p:stCondLst>
-                        <p:cond delay="indefinite"/>
-                      </p:stCondLst>
-                      <p:childTnLst>
-                        <p:par>
-                          <p:cTn id="4" fill="hold">
-                            <p:stCondLst>
-                              <p:cond delay="0"/>
-                            </p:stCondLst>
-                            <p:childTnLst>
-                              <p:par>
-                                <p:cTn id="5" presetID="10" presetClass="entr" presetSubtype="0" fill="hold" nodeType="clickEffect">
-                                  <p:stCondLst>
-                                    <p:cond delay="0"/>
-                                  </p:stCondLst>
-                                  <p:childTnLst>
-                                    <p:set>
-                                      <p:cBhvr>
-                                        <p:cTn id="6" dur="1" fill="hold">
-                                          <p:stCondLst>
-                                            <p:cond delay="0"/>
-                                          </p:stCondLst>
-                                        </p:cTn>
-                                        <p:tgtEl>
-                                          <p:spTgt spid="2"/>
-                                        </p:tgtEl>
-                                        <p:attrNameLst>
-                                          <p:attrName>style.visibility</p:attrName>
-                                        </p:attrNameLst>
-                                      </p:cBhvr>
-                                      <p:to>
-                                        <p:strVal val="visible"/>
-                                      </p:to>
-                                    </p:set>
-                                    <p:animEffect transition="in" filter="fade">
-                                      <p:cBhvr>
-                                        <p:cTn id="7" dur="500"/>
-                                        <p:tgtEl>
-                                          <p:spTgt spid="2"/>
-                                        </p:tgtEl>
-                                      </p:cBhvr>
-                                    </p:animEffect>
-                                  </p:childTnLst>
-                                </p:cTn>
-                              </p:par>
-                              <p:par>
-                                <p:cTn id="8" presetID="10" presetClass="entr" presetSubtype="0" fill="hold" grpId="0" nodeType="withEffect">
-                                  <p:stCondLst>
-                                    <p:cond delay="0"/>
-                                  </p:stCondLst>
-                                  <p:childTnLst>
-                                    <p:set>
-                                      <p:cBhvr>
-                                        <p:cTn id="9" dur="1" fill="hold">
-                                          <p:stCondLst>
-                                            <p:cond delay="0"/>
-                                          </p:stCondLst>
-                                        </p:cTn>
-                                        <p:tgtEl>
-                                          <p:spTgt spid="4"/>
-                                        </p:tgtEl>
-                                        <p:attrNameLst>
-                                          <p:attrName>style.visibility</p:attrName>
-                                        </p:attrNameLst>
-                                      </p:cBhvr>
-                                      <p:to>
-                                        <p:strVal val="visible"/>
-                                      </p:to>
-                                    </p:set>
-                                    <p:animEffect transition="in" filter="fade">
-                                      <p:cBhvr>
-                                        <p:cTn id="10" dur="500"/>
-                                        <p:tgtEl>
-                                          <p:spTgt spid="4"/>
-                                        </p:tgtEl>
-                                      </p:cBhvr>
-                                    </p:animEffect>
-                                  </p:childTnLst>
-                                </p:cTn>
-                              </p:par>
-                            </p:childTnLst>
-                          </p:cTn>
-                        </p:par>
-                      </p:childTnLst>
-                    </p:cTn>
-                  </p:par>
-                  <p:par>
-                    <p:cTn id="11" fill="hold">
-                      <p:stCondLst>
-                        <p:cond delay="indefinite"/>
-                      </p:stCondLst>
-                      <p:childTnLst>
-                        <p:par>
-                          <p:cTn id="12" fill="hold">
-                            <p:stCondLst>
-                              <p:cond delay="0"/>
-                            </p:stCondLst>
-                            <p:childTnLst>
-                              <p:par>
-                                <p:cTn id="13" presetID="10" presetClass="entr" presetSubtype="0" fill="hold" nodeType="clickEffect">
-                                  <p:stCondLst>
-                                    <p:cond delay="0"/>
-                                  </p:stCondLst>
-                                  <p:childTnLst>
-                                    <p:set>
-                                      <p:cBhvr>
-                                        <p:cTn id="14" dur="1" fill="hold">
-                                          <p:stCondLst>
-                                            <p:cond delay="0"/>
-                                          </p:stCondLst>
-                                        </p:cTn>
-                                        <p:tgtEl>
-                                          <p:spTgt spid="3"/>
-                                        </p:tgtEl>
-                                        <p:attrNameLst>
-                                          <p:attrName>style.visibility</p:attrName>
-                                        </p:attrNameLst>
-                                      </p:cBhvr>
-                                      <p:to>
-                                        <p:strVal val="visible"/>
-                                      </p:to>
-                                    </p:set>
-                                    <p:animEffect transition="in" filter="fade">
-                                      <p:cBhvr>
-                                        <p:cTn id="15" dur="500"/>
-                                        <p:tgtEl>
-                                          <p:spTgt spid="3"/>
-                                        </p:tgtEl>
-                                      </p:cBhvr>
-                                    </p:animEffect>
-                                  </p:childTnLst>
-                                </p:cTn>
-                              </p:par>
-                              <p:par>
-                                <p:cTn id="16" presetID="10" presetClass="entr" presetSubtype="0" fill="hold" grpId="0" nodeType="withEffect">
-                                  <p:stCondLst>
-                                    <p:cond delay="0"/>
-                                  </p:stCondLst>
-                                  <p:childTnLst>
-                                    <p:set>
-                                      <p:cBhvr>
-                                        <p:cTn id="17" dur="1" fill="hold">
-                                          <p:stCondLst>
-                                            <p:cond delay="0"/>
-                                          </p:stCondLst>
-                                        </p:cTn>
-                                        <p:tgtEl>
-                                          <p:spTgt spid="5"/>
-                                        </p:tgtEl>
-                                        <p:attrNameLst>
-                                          <p:attrName>style.visibility</p:attrName>
-                                        </p:attrNameLst>
-                                      </p:cBhvr>
-                                      <p:to>
-                                        <p:strVal val="visible"/>
-                                      </p:to>
-                                    </p:set>
-                                    <p:animEffect transition="in" filter="fade">
-                                      <p:cBhvr>
-                                        <p:cTn id="18" dur="500"/>
-                                        <p:tgtEl>
-                                          <p:spTgt spid="5"/>
-                                        </p:tgtEl>
-                                      </p:cBhvr>
-                                    </p:animEffect>
-                                  </p:childTnLst>
-                                </p:cTn>
-                              </p:par>
-                            </p:childTnLst>
-                          </p:cTn>
-                        </p:par>
-                      </p:childTnLst>
-                    </p:cTn>
-                  </p:par>
-                </p:childTnLst>
-              </p:cTn>
-              <p:prevCondLst>
-                <p:cond evt="onPrev" delay="0">
-                  <p:tgtEl>
-                    <p:sldTgt/>
-                  </p:tgtEl>
-                </p:cond>
-              </p:prevCondLst>
-              <p:nextCondLst>
-                <p:cond evt="onNext" delay="0">
-                  <p:tgtEl>
-                    <p:sldTgt/>
-                  </p:tgtEl>
-                </p:cond>
-              </p:nextCondLst>
-            </p:seq>
-          </p:childTnLst>
-        </p:cTn>
-      </p:par>
-    </p:tnLst>
-    <p:bldLst>
-      <p:bldP spid="4" grpId="0"/>
-      <p:bldP spid="5" grpId="0"/>
-    </p:bldLst>
-  </p:timing>
-</p:sld>
-</file>
-
-<file path=ppt/slides/slide13.xml><?xml version="1.0" encoding="utf-8"?>
-<p:sld xmlns:a="http://schemas.openxmlformats.org/drawingml/2006/main" xmlns:r="http://schemas.openxmlformats.org/officeDocument/2006/relationships" xmlns:p="http://schemas.openxmlformats.org/presentationml/2006/main">
-  <p:cSld>
-    <p:spTree>
-      <p:nvGrpSpPr>
-        <p:cNvPr id="1" name=""/>
-        <p:cNvGrpSpPr/>
-        <p:nvPr/>
-      </p:nvGrpSpPr>
-      <p:grpSpPr>
-        <a:xfrm>
-          <a:off x="0" y="0"/>
-          <a:ext cx="0" cy="0"/>
-          <a:chOff x="0" y="0"/>
-          <a:chExt cx="0" cy="0"/>
-        </a:xfrm>
-      </p:grpSpPr>
-      <p:pic>
-        <p:nvPicPr>
-          <p:cNvPr id="2" name="Picture 1"/>
-          <p:cNvPicPr>
-            <a:picLocks noChangeAspect="1"/>
-          </p:cNvPicPr>
-          <p:nvPr/>
-        </p:nvPicPr>
-        <p:blipFill>
-          <a:blip r:embed="rId2">
-            <a:extLst>
-              <a:ext uri="{28A0092B-C50C-407E-A947-70E740481C1C}">
-                <a14:useLocalDpi xmlns:a14="http://schemas.microsoft.com/office/drawing/2010/main" val="0"/>
-              </a:ext>
-            </a:extLst>
-          </a:blip>
-          <a:stretch>
-            <a:fillRect/>
-          </a:stretch>
-        </p:blipFill>
-        <p:spPr>
-          <a:xfrm>
-            <a:off x="304801" y="381000"/>
-            <a:ext cx="3480042" cy="4199809"/>
-          </a:xfrm>
-          <a:prstGeom prst="rect">
-            <a:avLst/>
-          </a:prstGeom>
-        </p:spPr>
-      </p:pic>
-      <p:pic>
-        <p:nvPicPr>
-          <p:cNvPr id="3" name="Picture 2"/>
-          <p:cNvPicPr>
-            <a:picLocks noChangeAspect="1"/>
-          </p:cNvPicPr>
-          <p:nvPr/>
-        </p:nvPicPr>
-        <p:blipFill>
-          <a:blip r:embed="rId3">
-            <a:extLst>
-              <a:ext uri="{28A0092B-C50C-407E-A947-70E740481C1C}">
-                <a14:useLocalDpi xmlns:a14="http://schemas.microsoft.com/office/drawing/2010/main" val="0"/>
-              </a:ext>
-            </a:extLst>
-          </a:blip>
-          <a:stretch>
-            <a:fillRect/>
-          </a:stretch>
-        </p:blipFill>
-        <p:spPr>
-          <a:xfrm>
-            <a:off x="4953000" y="457200"/>
-            <a:ext cx="3585863" cy="4277372"/>
-          </a:xfrm>
-          <a:prstGeom prst="rect">
-            <a:avLst/>
-          </a:prstGeom>
-        </p:spPr>
-      </p:pic>
-      <p:sp>
-        <p:nvSpPr>
-          <p:cNvPr id="4" name="TextBox 4"/>
-          <p:cNvSpPr txBox="1"/>
-          <p:nvPr/>
-        </p:nvSpPr>
-        <p:spPr>
-          <a:xfrm>
-            <a:off x="762000" y="4778115"/>
-            <a:ext cx="2057400" cy="369332"/>
-          </a:xfrm>
-          <a:prstGeom prst="rect">
-            <a:avLst/>
-          </a:prstGeom>
-          <a:noFill/>
-        </p:spPr>
-        <p:txBody>
-          <a:bodyPr wrap="square" rtlCol="0">
-            <a:spAutoFit/>
-          </a:bodyPr>
-          <a:lstStyle>
-            <a:defPPr>
-              <a:defRPr lang="en-US"/>
-            </a:defPPr>
-            <a:lvl1pPr marL="0" algn="l" defTabSz="914400" rtl="0" eaLnBrk="1" latinLnBrk="0" hangingPunct="1">
-              <a:defRPr sz="1800" kern="1200">
-                <a:solidFill>
-                  <a:schemeClr val="tx1"/>
-                </a:solidFill>
-                <a:latin typeface="+mn-lt"/>
-                <a:ea typeface="+mn-ea"/>
-                <a:cs typeface="+mn-cs"/>
-              </a:defRPr>
-            </a:lvl1pPr>
-            <a:lvl2pPr marL="457200" algn="l" defTabSz="914400" rtl="0" eaLnBrk="1" latinLnBrk="0" hangingPunct="1">
-              <a:defRPr sz="1800" kern="1200">
-                <a:solidFill>
-                  <a:schemeClr val="tx1"/>
-                </a:solidFill>
-                <a:latin typeface="+mn-lt"/>
-                <a:ea typeface="+mn-ea"/>
-                <a:cs typeface="+mn-cs"/>
-              </a:defRPr>
-            </a:lvl2pPr>
-            <a:lvl3pPr marL="914400" algn="l" defTabSz="914400" rtl="0" eaLnBrk="1" latinLnBrk="0" hangingPunct="1">
-              <a:defRPr sz="1800" kern="1200">
-                <a:solidFill>
-                  <a:schemeClr val="tx1"/>
-                </a:solidFill>
-                <a:latin typeface="+mn-lt"/>
-                <a:ea typeface="+mn-ea"/>
-                <a:cs typeface="+mn-cs"/>
-              </a:defRPr>
-            </a:lvl3pPr>
-            <a:lvl4pPr marL="1371600" algn="l" defTabSz="914400" rtl="0" eaLnBrk="1" latinLnBrk="0" hangingPunct="1">
-              <a:defRPr sz="1800" kern="1200">
-                <a:solidFill>
-                  <a:schemeClr val="tx1"/>
-                </a:solidFill>
-                <a:latin typeface="+mn-lt"/>
-                <a:ea typeface="+mn-ea"/>
-                <a:cs typeface="+mn-cs"/>
-              </a:defRPr>
-            </a:lvl4pPr>
-            <a:lvl5pPr marL="1828800" algn="l" defTabSz="914400" rtl="0" eaLnBrk="1" latinLnBrk="0" hangingPunct="1">
-              <a:defRPr sz="1800" kern="1200">
-                <a:solidFill>
-                  <a:schemeClr val="tx1"/>
-                </a:solidFill>
-                <a:latin typeface="+mn-lt"/>
-                <a:ea typeface="+mn-ea"/>
-                <a:cs typeface="+mn-cs"/>
-              </a:defRPr>
-            </a:lvl5pPr>
-            <a:lvl6pPr marL="2286000" algn="l" defTabSz="914400" rtl="0" eaLnBrk="1" latinLnBrk="0" hangingPunct="1">
-              <a:defRPr sz="1800" kern="1200">
-                <a:solidFill>
-                  <a:schemeClr val="tx1"/>
-                </a:solidFill>
-                <a:latin typeface="+mn-lt"/>
-                <a:ea typeface="+mn-ea"/>
-                <a:cs typeface="+mn-cs"/>
-              </a:defRPr>
-            </a:lvl6pPr>
-            <a:lvl7pPr marL="2743200" algn="l" defTabSz="914400" rtl="0" eaLnBrk="1" latinLnBrk="0" hangingPunct="1">
-              <a:defRPr sz="1800" kern="1200">
-                <a:solidFill>
-                  <a:schemeClr val="tx1"/>
-                </a:solidFill>
-                <a:latin typeface="+mn-lt"/>
-                <a:ea typeface="+mn-ea"/>
-                <a:cs typeface="+mn-cs"/>
-              </a:defRPr>
-            </a:lvl7pPr>
-            <a:lvl8pPr marL="3200400" algn="l" defTabSz="914400" rtl="0" eaLnBrk="1" latinLnBrk="0" hangingPunct="1">
-              <a:defRPr sz="1800" kern="1200">
-                <a:solidFill>
-                  <a:schemeClr val="tx1"/>
-                </a:solidFill>
-                <a:latin typeface="+mn-lt"/>
-                <a:ea typeface="+mn-ea"/>
-                <a:cs typeface="+mn-cs"/>
-              </a:defRPr>
-            </a:lvl8pPr>
-            <a:lvl9pPr marL="3657600" algn="l" defTabSz="914400" rtl="0" eaLnBrk="1" latinLnBrk="0" hangingPunct="1">
-              <a:defRPr sz="1800" kern="1200">
-                <a:solidFill>
-                  <a:schemeClr val="tx1"/>
-                </a:solidFill>
-                <a:latin typeface="+mn-lt"/>
-                <a:ea typeface="+mn-ea"/>
-                <a:cs typeface="+mn-cs"/>
-              </a:defRPr>
-            </a:lvl9pPr>
-          </a:lstStyle>
-          <a:p>
-            <a:r>
-              <a:rPr lang="en-US" u="sng" dirty="0" smtClean="0">
-                <a:solidFill>
-                  <a:schemeClr val="tx2"/>
-                </a:solidFill>
-              </a:rPr>
-              <a:t>ACADEMIC PAGE</a:t>
-            </a:r>
-            <a:endParaRPr lang="en-GB" u="sng" dirty="0">
-              <a:solidFill>
-                <a:schemeClr val="tx2"/>
-              </a:solidFill>
-            </a:endParaRPr>
-          </a:p>
-        </p:txBody>
-      </p:sp>
-      <p:sp>
-        <p:nvSpPr>
-          <p:cNvPr id="5" name="TextBox 4"/>
-          <p:cNvSpPr txBox="1"/>
-          <p:nvPr/>
-        </p:nvSpPr>
-        <p:spPr>
-          <a:xfrm>
-            <a:off x="5715000" y="4876800"/>
-            <a:ext cx="1905000" cy="369332"/>
-          </a:xfrm>
-          <a:prstGeom prst="rect">
-            <a:avLst/>
-          </a:prstGeom>
-          <a:noFill/>
-        </p:spPr>
-        <p:txBody>
-          <a:bodyPr wrap="square" rtlCol="0">
-            <a:spAutoFit/>
-          </a:bodyPr>
-          <a:lstStyle>
-            <a:defPPr>
-              <a:defRPr lang="en-US"/>
-            </a:defPPr>
-            <a:lvl1pPr marL="0" algn="l" defTabSz="914400" rtl="0" eaLnBrk="1" latinLnBrk="0" hangingPunct="1">
-              <a:defRPr sz="1800" kern="1200">
-                <a:solidFill>
-                  <a:schemeClr val="tx1"/>
-                </a:solidFill>
-                <a:latin typeface="+mn-lt"/>
-                <a:ea typeface="+mn-ea"/>
-                <a:cs typeface="+mn-cs"/>
-              </a:defRPr>
-            </a:lvl1pPr>
-            <a:lvl2pPr marL="457200" algn="l" defTabSz="914400" rtl="0" eaLnBrk="1" latinLnBrk="0" hangingPunct="1">
-              <a:defRPr sz="1800" kern="1200">
-                <a:solidFill>
-                  <a:schemeClr val="tx1"/>
-                </a:solidFill>
-                <a:latin typeface="+mn-lt"/>
-                <a:ea typeface="+mn-ea"/>
-                <a:cs typeface="+mn-cs"/>
-              </a:defRPr>
-            </a:lvl2pPr>
-            <a:lvl3pPr marL="914400" algn="l" defTabSz="914400" rtl="0" eaLnBrk="1" latinLnBrk="0" hangingPunct="1">
-              <a:defRPr sz="1800" kern="1200">
-                <a:solidFill>
-                  <a:schemeClr val="tx1"/>
-                </a:solidFill>
-                <a:latin typeface="+mn-lt"/>
-                <a:ea typeface="+mn-ea"/>
-                <a:cs typeface="+mn-cs"/>
-              </a:defRPr>
-            </a:lvl3pPr>
-            <a:lvl4pPr marL="1371600" algn="l" defTabSz="914400" rtl="0" eaLnBrk="1" latinLnBrk="0" hangingPunct="1">
-              <a:defRPr sz="1800" kern="1200">
-                <a:solidFill>
-                  <a:schemeClr val="tx1"/>
-                </a:solidFill>
-                <a:latin typeface="+mn-lt"/>
-                <a:ea typeface="+mn-ea"/>
-                <a:cs typeface="+mn-cs"/>
-              </a:defRPr>
-            </a:lvl4pPr>
-            <a:lvl5pPr marL="1828800" algn="l" defTabSz="914400" rtl="0" eaLnBrk="1" latinLnBrk="0" hangingPunct="1">
-              <a:defRPr sz="1800" kern="1200">
-                <a:solidFill>
-                  <a:schemeClr val="tx1"/>
-                </a:solidFill>
-                <a:latin typeface="+mn-lt"/>
-                <a:ea typeface="+mn-ea"/>
-                <a:cs typeface="+mn-cs"/>
-              </a:defRPr>
-            </a:lvl5pPr>
-            <a:lvl6pPr marL="2286000" algn="l" defTabSz="914400" rtl="0" eaLnBrk="1" latinLnBrk="0" hangingPunct="1">
-              <a:defRPr sz="1800" kern="1200">
-                <a:solidFill>
-                  <a:schemeClr val="tx1"/>
-                </a:solidFill>
-                <a:latin typeface="+mn-lt"/>
-                <a:ea typeface="+mn-ea"/>
-                <a:cs typeface="+mn-cs"/>
-              </a:defRPr>
-            </a:lvl6pPr>
-            <a:lvl7pPr marL="2743200" algn="l" defTabSz="914400" rtl="0" eaLnBrk="1" latinLnBrk="0" hangingPunct="1">
-              <a:defRPr sz="1800" kern="1200">
-                <a:solidFill>
-                  <a:schemeClr val="tx1"/>
-                </a:solidFill>
-                <a:latin typeface="+mn-lt"/>
-                <a:ea typeface="+mn-ea"/>
-                <a:cs typeface="+mn-cs"/>
-              </a:defRPr>
-            </a:lvl7pPr>
-            <a:lvl8pPr marL="3200400" algn="l" defTabSz="914400" rtl="0" eaLnBrk="1" latinLnBrk="0" hangingPunct="1">
-              <a:defRPr sz="1800" kern="1200">
-                <a:solidFill>
-                  <a:schemeClr val="tx1"/>
-                </a:solidFill>
-                <a:latin typeface="+mn-lt"/>
-                <a:ea typeface="+mn-ea"/>
-                <a:cs typeface="+mn-cs"/>
-              </a:defRPr>
-            </a:lvl8pPr>
-            <a:lvl9pPr marL="3657600" algn="l" defTabSz="914400" rtl="0" eaLnBrk="1" latinLnBrk="0" hangingPunct="1">
-              <a:defRPr sz="1800" kern="1200">
-                <a:solidFill>
-                  <a:schemeClr val="tx1"/>
-                </a:solidFill>
-                <a:latin typeface="+mn-lt"/>
-                <a:ea typeface="+mn-ea"/>
-                <a:cs typeface="+mn-cs"/>
-              </a:defRPr>
-            </a:lvl9pPr>
-          </a:lstStyle>
-          <a:p>
-            <a:r>
-              <a:rPr lang="en-US" u="sng" dirty="0" smtClean="0">
-                <a:solidFill>
-                  <a:schemeClr val="tx2"/>
-                </a:solidFill>
-              </a:rPr>
-              <a:t>STUDENT PAGE</a:t>
-            </a:r>
-            <a:endParaRPr lang="en-GB" u="sng" dirty="0">
-              <a:solidFill>
-                <a:schemeClr val="tx2"/>
-              </a:solidFill>
-            </a:endParaRPr>
-          </a:p>
-        </p:txBody>
-      </p:sp>
-    </p:spTree>
-    <p:extLst>
-      <p:ext uri="{BB962C8B-B14F-4D97-AF65-F5344CB8AC3E}">
-        <p14:creationId xmlns:p14="http://schemas.microsoft.com/office/powerpoint/2010/main" val="135636156"/>
-      </p:ext>
-    </p:extLst>
-  </p:cSld>
-  <p:clrMapOvr>
-    <a:masterClrMapping/>
-  </p:clrMapOvr>
-  <p:timing>
-    <p:tnLst>
-      <p:par>
-        <p:cTn id="1" dur="indefinite" restart="never" nodeType="tmRoot">
-          <p:childTnLst>
-            <p:seq concurrent="1" nextAc="seek">
-              <p:cTn id="2" dur="indefinite" nodeType="mainSeq">
-                <p:childTnLst>
-                  <p:par>
-                    <p:cTn id="3" fill="hold">
-                      <p:stCondLst>
-                        <p:cond delay="indefinite"/>
-                      </p:stCondLst>
-                      <p:childTnLst>
-                        <p:par>
-                          <p:cTn id="4" fill="hold">
-                            <p:stCondLst>
-                              <p:cond delay="0"/>
-                            </p:stCondLst>
-                            <p:childTnLst>
-                              <p:par>
-                                <p:cTn id="5" presetID="10" presetClass="entr" presetSubtype="0" fill="hold" nodeType="clickEffect">
-                                  <p:stCondLst>
-                                    <p:cond delay="0"/>
-                                  </p:stCondLst>
-                                  <p:childTnLst>
-                                    <p:set>
-                                      <p:cBhvr>
-                                        <p:cTn id="6" dur="1" fill="hold">
-                                          <p:stCondLst>
-                                            <p:cond delay="0"/>
-                                          </p:stCondLst>
-                                        </p:cTn>
-                                        <p:tgtEl>
-                                          <p:spTgt spid="2"/>
-                                        </p:tgtEl>
-                                        <p:attrNameLst>
-                                          <p:attrName>style.visibility</p:attrName>
-                                        </p:attrNameLst>
-                                      </p:cBhvr>
-                                      <p:to>
-                                        <p:strVal val="visible"/>
-                                      </p:to>
-                                    </p:set>
-                                    <p:animEffect transition="in" filter="fade">
-                                      <p:cBhvr>
-                                        <p:cTn id="7" dur="500"/>
-                                        <p:tgtEl>
-                                          <p:spTgt spid="2"/>
-                                        </p:tgtEl>
-                                      </p:cBhvr>
-                                    </p:animEffect>
-                                  </p:childTnLst>
-                                </p:cTn>
-                              </p:par>
-                              <p:par>
-                                <p:cTn id="8" presetID="10" presetClass="entr" presetSubtype="0" fill="hold" grpId="0" nodeType="withEffect">
-                                  <p:stCondLst>
-                                    <p:cond delay="0"/>
-                                  </p:stCondLst>
-                                  <p:childTnLst>
-                                    <p:set>
-                                      <p:cBhvr>
-                                        <p:cTn id="9" dur="1" fill="hold">
-                                          <p:stCondLst>
-                                            <p:cond delay="0"/>
-                                          </p:stCondLst>
-                                        </p:cTn>
-                                        <p:tgtEl>
-                                          <p:spTgt spid="4"/>
-                                        </p:tgtEl>
-                                        <p:attrNameLst>
-                                          <p:attrName>style.visibility</p:attrName>
-                                        </p:attrNameLst>
-                                      </p:cBhvr>
-                                      <p:to>
-                                        <p:strVal val="visible"/>
-                                      </p:to>
-                                    </p:set>
-                                    <p:animEffect transition="in" filter="fade">
-                                      <p:cBhvr>
-                                        <p:cTn id="10" dur="500"/>
-                                        <p:tgtEl>
-                                          <p:spTgt spid="4"/>
-                                        </p:tgtEl>
-                                      </p:cBhvr>
-                                    </p:animEffect>
-                                  </p:childTnLst>
-                                </p:cTn>
-                              </p:par>
-                            </p:childTnLst>
-                          </p:cTn>
-                        </p:par>
-                      </p:childTnLst>
-                    </p:cTn>
-                  </p:par>
-                  <p:par>
-                    <p:cTn id="11" fill="hold">
-                      <p:stCondLst>
-                        <p:cond delay="indefinite"/>
-                      </p:stCondLst>
-                      <p:childTnLst>
-                        <p:par>
-                          <p:cTn id="12" fill="hold">
-                            <p:stCondLst>
-                              <p:cond delay="0"/>
-                            </p:stCondLst>
-                            <p:childTnLst>
-                              <p:par>
-                                <p:cTn id="13" presetID="10" presetClass="entr" presetSubtype="0" fill="hold" nodeType="clickEffect">
-                                  <p:stCondLst>
-                                    <p:cond delay="0"/>
-                                  </p:stCondLst>
-                                  <p:childTnLst>
-                                    <p:set>
-                                      <p:cBhvr>
-                                        <p:cTn id="14" dur="1" fill="hold">
-                                          <p:stCondLst>
-                                            <p:cond delay="0"/>
-                                          </p:stCondLst>
-                                        </p:cTn>
-                                        <p:tgtEl>
-                                          <p:spTgt spid="3"/>
-                                        </p:tgtEl>
-                                        <p:attrNameLst>
-                                          <p:attrName>style.visibility</p:attrName>
-                                        </p:attrNameLst>
-                                      </p:cBhvr>
-                                      <p:to>
-                                        <p:strVal val="visible"/>
-                                      </p:to>
-                                    </p:set>
-                                    <p:animEffect transition="in" filter="fade">
-                                      <p:cBhvr>
-                                        <p:cTn id="15" dur="500"/>
-                                        <p:tgtEl>
-                                          <p:spTgt spid="3"/>
-                                        </p:tgtEl>
-                                      </p:cBhvr>
-                                    </p:animEffect>
-                                  </p:childTnLst>
-                                </p:cTn>
-                              </p:par>
-                              <p:par>
-                                <p:cTn id="16" presetID="10" presetClass="entr" presetSubtype="0" fill="hold" grpId="0" nodeType="withEffect">
-                                  <p:stCondLst>
-                                    <p:cond delay="0"/>
-                                  </p:stCondLst>
-                                  <p:childTnLst>
-                                    <p:set>
-                                      <p:cBhvr>
-                                        <p:cTn id="17" dur="1" fill="hold">
-                                          <p:stCondLst>
-                                            <p:cond delay="0"/>
-                                          </p:stCondLst>
-                                        </p:cTn>
-                                        <p:tgtEl>
-                                          <p:spTgt spid="5"/>
-                                        </p:tgtEl>
-                                        <p:attrNameLst>
-                                          <p:attrName>style.visibility</p:attrName>
-                                        </p:attrNameLst>
-                                      </p:cBhvr>
-                                      <p:to>
-                                        <p:strVal val="visible"/>
-                                      </p:to>
-                                    </p:set>
-                                    <p:animEffect transition="in" filter="fade">
-                                      <p:cBhvr>
-                                        <p:cTn id="18" dur="500"/>
-                                        <p:tgtEl>
-                                          <p:spTgt spid="5"/>
-                                        </p:tgtEl>
-                                      </p:cBhvr>
-                                    </p:animEffect>
-                                  </p:childTnLst>
-                                </p:cTn>
-                              </p:par>
-                            </p:childTnLst>
-                          </p:cTn>
-                        </p:par>
-                      </p:childTnLst>
-                    </p:cTn>
-                  </p:par>
-                </p:childTnLst>
-              </p:cTn>
-              <p:prevCondLst>
-                <p:cond evt="onPrev" delay="0">
-                  <p:tgtEl>
-                    <p:sldTgt/>
-                  </p:tgtEl>
-                </p:cond>
-              </p:prevCondLst>
-              <p:nextCondLst>
-                <p:cond evt="onNext" delay="0">
-                  <p:tgtEl>
-                    <p:sldTgt/>
-                  </p:tgtEl>
-                </p:cond>
-              </p:nextCondLst>
-            </p:seq>
-          </p:childTnLst>
-        </p:cTn>
-      </p:par>
-    </p:tnLst>
-    <p:bldLst>
-      <p:bldP spid="4" grpId="0"/>
-      <p:bldP spid="5" grpId="0"/>
-    </p:bldLst>
-  </p:timing>
-</p:sld>
-</file>
-
-<file path=ppt/slides/slide14.xml><?xml version="1.0" encoding="utf-8"?>
-<p:sld xmlns:a="http://schemas.openxmlformats.org/drawingml/2006/main" xmlns:r="http://schemas.openxmlformats.org/officeDocument/2006/relationships" xmlns:p="http://schemas.openxmlformats.org/presentationml/2006/main">
-  <p:cSld>
-    <p:spTree>
-      <p:nvGrpSpPr>
-        <p:cNvPr id="1" name=""/>
-        <p:cNvGrpSpPr/>
-        <p:nvPr/>
-      </p:nvGrpSpPr>
-      <p:grpSpPr>
-        <a:xfrm>
-          <a:off x="0" y="0"/>
-          <a:ext cx="0" cy="0"/>
-          <a:chOff x="0" y="0"/>
-          <a:chExt cx="0" cy="0"/>
-        </a:xfrm>
-      </p:grpSpPr>
-      <p:pic>
-        <p:nvPicPr>
-          <p:cNvPr id="2" name="Picture 1"/>
-          <p:cNvPicPr>
-            <a:picLocks noChangeAspect="1"/>
-          </p:cNvPicPr>
-          <p:nvPr/>
-        </p:nvPicPr>
-        <p:blipFill>
-          <a:blip r:embed="rId2">
-            <a:extLst>
-              <a:ext uri="{28A0092B-C50C-407E-A947-70E740481C1C}">
-                <a14:useLocalDpi xmlns:a14="http://schemas.microsoft.com/office/drawing/2010/main" val="0"/>
-              </a:ext>
-            </a:extLst>
-          </a:blip>
-          <a:stretch>
-            <a:fillRect/>
-          </a:stretch>
-        </p:blipFill>
-        <p:spPr>
-          <a:xfrm>
-            <a:off x="5181600" y="493094"/>
-            <a:ext cx="3715007" cy="4441695"/>
-          </a:xfrm>
-          <a:prstGeom prst="rect">
-            <a:avLst/>
-          </a:prstGeom>
-        </p:spPr>
-      </p:pic>
-      <p:pic>
-        <p:nvPicPr>
-          <p:cNvPr id="3" name="Picture 2"/>
-          <p:cNvPicPr>
-            <a:picLocks noChangeAspect="1"/>
-          </p:cNvPicPr>
-          <p:nvPr/>
-        </p:nvPicPr>
-        <p:blipFill>
-          <a:blip r:embed="rId3">
-            <a:extLst>
-              <a:ext uri="{28A0092B-C50C-407E-A947-70E740481C1C}">
-                <a14:useLocalDpi xmlns:a14="http://schemas.microsoft.com/office/drawing/2010/main" val="0"/>
-              </a:ext>
-            </a:extLst>
-          </a:blip>
-          <a:stretch>
-            <a:fillRect/>
-          </a:stretch>
-        </p:blipFill>
-        <p:spPr>
-          <a:xfrm>
-            <a:off x="381000" y="493094"/>
-            <a:ext cx="3510108" cy="4441695"/>
-          </a:xfrm>
-          <a:prstGeom prst="rect">
-            <a:avLst/>
-          </a:prstGeom>
-        </p:spPr>
-      </p:pic>
-      <p:sp>
-        <p:nvSpPr>
-          <p:cNvPr id="4" name="TextBox 4"/>
-          <p:cNvSpPr txBox="1"/>
-          <p:nvPr/>
-        </p:nvSpPr>
-        <p:spPr>
-          <a:xfrm>
-            <a:off x="685800" y="5105400"/>
-            <a:ext cx="3429000" cy="369332"/>
-          </a:xfrm>
-          <a:prstGeom prst="rect">
-            <a:avLst/>
-          </a:prstGeom>
-          <a:noFill/>
-        </p:spPr>
-        <p:txBody>
-          <a:bodyPr wrap="square" rtlCol="0">
-            <a:spAutoFit/>
-          </a:bodyPr>
-          <a:lstStyle>
-            <a:defPPr>
-              <a:defRPr lang="en-US"/>
-            </a:defPPr>
-            <a:lvl1pPr marL="0" algn="l" defTabSz="914400" rtl="0" eaLnBrk="1" latinLnBrk="0" hangingPunct="1">
-              <a:defRPr sz="1800" kern="1200">
-                <a:solidFill>
-                  <a:schemeClr val="tx1"/>
-                </a:solidFill>
-                <a:latin typeface="+mn-lt"/>
-                <a:ea typeface="+mn-ea"/>
-                <a:cs typeface="+mn-cs"/>
-              </a:defRPr>
-            </a:lvl1pPr>
-            <a:lvl2pPr marL="457200" algn="l" defTabSz="914400" rtl="0" eaLnBrk="1" latinLnBrk="0" hangingPunct="1">
-              <a:defRPr sz="1800" kern="1200">
-                <a:solidFill>
-                  <a:schemeClr val="tx1"/>
-                </a:solidFill>
-                <a:latin typeface="+mn-lt"/>
-                <a:ea typeface="+mn-ea"/>
-                <a:cs typeface="+mn-cs"/>
-              </a:defRPr>
-            </a:lvl2pPr>
-            <a:lvl3pPr marL="914400" algn="l" defTabSz="914400" rtl="0" eaLnBrk="1" latinLnBrk="0" hangingPunct="1">
-              <a:defRPr sz="1800" kern="1200">
-                <a:solidFill>
-                  <a:schemeClr val="tx1"/>
-                </a:solidFill>
-                <a:latin typeface="+mn-lt"/>
-                <a:ea typeface="+mn-ea"/>
-                <a:cs typeface="+mn-cs"/>
-              </a:defRPr>
-            </a:lvl3pPr>
-            <a:lvl4pPr marL="1371600" algn="l" defTabSz="914400" rtl="0" eaLnBrk="1" latinLnBrk="0" hangingPunct="1">
-              <a:defRPr sz="1800" kern="1200">
-                <a:solidFill>
-                  <a:schemeClr val="tx1"/>
-                </a:solidFill>
-                <a:latin typeface="+mn-lt"/>
-                <a:ea typeface="+mn-ea"/>
-                <a:cs typeface="+mn-cs"/>
-              </a:defRPr>
-            </a:lvl4pPr>
-            <a:lvl5pPr marL="1828800" algn="l" defTabSz="914400" rtl="0" eaLnBrk="1" latinLnBrk="0" hangingPunct="1">
-              <a:defRPr sz="1800" kern="1200">
-                <a:solidFill>
-                  <a:schemeClr val="tx1"/>
-                </a:solidFill>
-                <a:latin typeface="+mn-lt"/>
-                <a:ea typeface="+mn-ea"/>
-                <a:cs typeface="+mn-cs"/>
-              </a:defRPr>
-            </a:lvl5pPr>
-            <a:lvl6pPr marL="2286000" algn="l" defTabSz="914400" rtl="0" eaLnBrk="1" latinLnBrk="0" hangingPunct="1">
-              <a:defRPr sz="1800" kern="1200">
-                <a:solidFill>
-                  <a:schemeClr val="tx1"/>
-                </a:solidFill>
-                <a:latin typeface="+mn-lt"/>
-                <a:ea typeface="+mn-ea"/>
-                <a:cs typeface="+mn-cs"/>
-              </a:defRPr>
-            </a:lvl6pPr>
-            <a:lvl7pPr marL="2743200" algn="l" defTabSz="914400" rtl="0" eaLnBrk="1" latinLnBrk="0" hangingPunct="1">
-              <a:defRPr sz="1800" kern="1200">
-                <a:solidFill>
-                  <a:schemeClr val="tx1"/>
-                </a:solidFill>
-                <a:latin typeface="+mn-lt"/>
-                <a:ea typeface="+mn-ea"/>
-                <a:cs typeface="+mn-cs"/>
-              </a:defRPr>
-            </a:lvl7pPr>
-            <a:lvl8pPr marL="3200400" algn="l" defTabSz="914400" rtl="0" eaLnBrk="1" latinLnBrk="0" hangingPunct="1">
-              <a:defRPr sz="1800" kern="1200">
-                <a:solidFill>
-                  <a:schemeClr val="tx1"/>
-                </a:solidFill>
-                <a:latin typeface="+mn-lt"/>
-                <a:ea typeface="+mn-ea"/>
-                <a:cs typeface="+mn-cs"/>
-              </a:defRPr>
-            </a:lvl8pPr>
-            <a:lvl9pPr marL="3657600" algn="l" defTabSz="914400" rtl="0" eaLnBrk="1" latinLnBrk="0" hangingPunct="1">
-              <a:defRPr sz="1800" kern="1200">
-                <a:solidFill>
-                  <a:schemeClr val="tx1"/>
-                </a:solidFill>
-                <a:latin typeface="+mn-lt"/>
-                <a:ea typeface="+mn-ea"/>
-                <a:cs typeface="+mn-cs"/>
-              </a:defRPr>
-            </a:lvl9pPr>
-          </a:lstStyle>
-          <a:p>
-            <a:r>
-              <a:rPr lang="en-US" u="sng" dirty="0" smtClean="0">
-                <a:solidFill>
-                  <a:schemeClr val="tx2"/>
-                </a:solidFill>
-              </a:rPr>
-              <a:t>DEPARTMENT FORM</a:t>
-            </a:r>
-            <a:endParaRPr lang="en-GB" u="sng" dirty="0">
-              <a:solidFill>
-                <a:schemeClr val="tx2"/>
-              </a:solidFill>
-            </a:endParaRPr>
-          </a:p>
-        </p:txBody>
-      </p:sp>
-      <p:sp>
-        <p:nvSpPr>
-          <p:cNvPr id="5" name="TextBox 4"/>
-          <p:cNvSpPr txBox="1"/>
-          <p:nvPr/>
-        </p:nvSpPr>
-        <p:spPr>
-          <a:xfrm>
-            <a:off x="5324603" y="5105400"/>
-            <a:ext cx="3429000" cy="369332"/>
-          </a:xfrm>
-          <a:prstGeom prst="rect">
-            <a:avLst/>
-          </a:prstGeom>
-          <a:noFill/>
-        </p:spPr>
-        <p:txBody>
-          <a:bodyPr wrap="square" rtlCol="0">
-            <a:spAutoFit/>
-          </a:bodyPr>
-          <a:lstStyle>
-            <a:defPPr>
-              <a:defRPr lang="en-US"/>
-            </a:defPPr>
-            <a:lvl1pPr marL="0" algn="l" defTabSz="914400" rtl="0" eaLnBrk="1" latinLnBrk="0" hangingPunct="1">
-              <a:defRPr sz="1800" kern="1200">
-                <a:solidFill>
-                  <a:schemeClr val="tx1"/>
-                </a:solidFill>
-                <a:latin typeface="+mn-lt"/>
-                <a:ea typeface="+mn-ea"/>
-                <a:cs typeface="+mn-cs"/>
-              </a:defRPr>
-            </a:lvl1pPr>
-            <a:lvl2pPr marL="457200" algn="l" defTabSz="914400" rtl="0" eaLnBrk="1" latinLnBrk="0" hangingPunct="1">
-              <a:defRPr sz="1800" kern="1200">
-                <a:solidFill>
-                  <a:schemeClr val="tx1"/>
-                </a:solidFill>
-                <a:latin typeface="+mn-lt"/>
-                <a:ea typeface="+mn-ea"/>
-                <a:cs typeface="+mn-cs"/>
-              </a:defRPr>
-            </a:lvl2pPr>
-            <a:lvl3pPr marL="914400" algn="l" defTabSz="914400" rtl="0" eaLnBrk="1" latinLnBrk="0" hangingPunct="1">
-              <a:defRPr sz="1800" kern="1200">
-                <a:solidFill>
-                  <a:schemeClr val="tx1"/>
-                </a:solidFill>
-                <a:latin typeface="+mn-lt"/>
-                <a:ea typeface="+mn-ea"/>
-                <a:cs typeface="+mn-cs"/>
-              </a:defRPr>
-            </a:lvl3pPr>
-            <a:lvl4pPr marL="1371600" algn="l" defTabSz="914400" rtl="0" eaLnBrk="1" latinLnBrk="0" hangingPunct="1">
-              <a:defRPr sz="1800" kern="1200">
-                <a:solidFill>
-                  <a:schemeClr val="tx1"/>
-                </a:solidFill>
-                <a:latin typeface="+mn-lt"/>
-                <a:ea typeface="+mn-ea"/>
-                <a:cs typeface="+mn-cs"/>
-              </a:defRPr>
-            </a:lvl4pPr>
-            <a:lvl5pPr marL="1828800" algn="l" defTabSz="914400" rtl="0" eaLnBrk="1" latinLnBrk="0" hangingPunct="1">
-              <a:defRPr sz="1800" kern="1200">
-                <a:solidFill>
-                  <a:schemeClr val="tx1"/>
-                </a:solidFill>
-                <a:latin typeface="+mn-lt"/>
-                <a:ea typeface="+mn-ea"/>
-                <a:cs typeface="+mn-cs"/>
-              </a:defRPr>
-            </a:lvl5pPr>
-            <a:lvl6pPr marL="2286000" algn="l" defTabSz="914400" rtl="0" eaLnBrk="1" latinLnBrk="0" hangingPunct="1">
-              <a:defRPr sz="1800" kern="1200">
-                <a:solidFill>
-                  <a:schemeClr val="tx1"/>
-                </a:solidFill>
-                <a:latin typeface="+mn-lt"/>
-                <a:ea typeface="+mn-ea"/>
-                <a:cs typeface="+mn-cs"/>
-              </a:defRPr>
-            </a:lvl6pPr>
-            <a:lvl7pPr marL="2743200" algn="l" defTabSz="914400" rtl="0" eaLnBrk="1" latinLnBrk="0" hangingPunct="1">
-              <a:defRPr sz="1800" kern="1200">
-                <a:solidFill>
-                  <a:schemeClr val="tx1"/>
-                </a:solidFill>
-                <a:latin typeface="+mn-lt"/>
-                <a:ea typeface="+mn-ea"/>
-                <a:cs typeface="+mn-cs"/>
-              </a:defRPr>
-            </a:lvl7pPr>
-            <a:lvl8pPr marL="3200400" algn="l" defTabSz="914400" rtl="0" eaLnBrk="1" latinLnBrk="0" hangingPunct="1">
-              <a:defRPr sz="1800" kern="1200">
-                <a:solidFill>
-                  <a:schemeClr val="tx1"/>
-                </a:solidFill>
-                <a:latin typeface="+mn-lt"/>
-                <a:ea typeface="+mn-ea"/>
-                <a:cs typeface="+mn-cs"/>
-              </a:defRPr>
-            </a:lvl8pPr>
-            <a:lvl9pPr marL="3657600" algn="l" defTabSz="914400" rtl="0" eaLnBrk="1" latinLnBrk="0" hangingPunct="1">
-              <a:defRPr sz="1800" kern="1200">
-                <a:solidFill>
-                  <a:schemeClr val="tx1"/>
-                </a:solidFill>
-                <a:latin typeface="+mn-lt"/>
-                <a:ea typeface="+mn-ea"/>
-                <a:cs typeface="+mn-cs"/>
-              </a:defRPr>
-            </a:lvl9pPr>
-          </a:lstStyle>
-          <a:p>
-            <a:r>
-              <a:rPr lang="en-US" u="sng" dirty="0" smtClean="0">
-                <a:solidFill>
-                  <a:schemeClr val="tx2"/>
-                </a:solidFill>
-              </a:rPr>
-              <a:t>SUBJECT </a:t>
-            </a:r>
-            <a:r>
-              <a:rPr lang="en-US" u="sng" dirty="0" smtClean="0">
-                <a:solidFill>
-                  <a:schemeClr val="tx2"/>
-                </a:solidFill>
-              </a:rPr>
-              <a:t>FORM</a:t>
-            </a:r>
-            <a:endParaRPr lang="en-GB" u="sng" dirty="0">
-              <a:solidFill>
-                <a:schemeClr val="tx2"/>
-              </a:solidFill>
-            </a:endParaRPr>
-          </a:p>
-        </p:txBody>
-      </p:sp>
-    </p:spTree>
-    <p:extLst>
-      <p:ext uri="{BB962C8B-B14F-4D97-AF65-F5344CB8AC3E}">
-        <p14:creationId xmlns:p14="http://schemas.microsoft.com/office/powerpoint/2010/main" val="1887161067"/>
-      </p:ext>
-    </p:extLst>
-  </p:cSld>
-  <p:clrMapOvr>
-    <a:masterClrMapping/>
-  </p:clrMapOvr>
-  <p:timing>
-    <p:tnLst>
-      <p:par>
-        <p:cTn id="1" dur="indefinite" restart="never" nodeType="tmRoot">
-          <p:childTnLst>
-            <p:seq concurrent="1" nextAc="seek">
-              <p:cTn id="2" dur="indefinite" nodeType="mainSeq">
-                <p:childTnLst>
-                  <p:par>
-                    <p:cTn id="3" fill="hold">
-                      <p:stCondLst>
-                        <p:cond delay="indefinite"/>
-                      </p:stCondLst>
-                      <p:childTnLst>
-                        <p:par>
-                          <p:cTn id="4" fill="hold">
-                            <p:stCondLst>
-                              <p:cond delay="0"/>
-                            </p:stCondLst>
-                            <p:childTnLst>
-                              <p:par>
-                                <p:cTn id="5" presetID="10" presetClass="entr" presetSubtype="0" fill="hold" nodeType="clickEffect">
-                                  <p:stCondLst>
-                                    <p:cond delay="0"/>
-                                  </p:stCondLst>
-                                  <p:childTnLst>
-                                    <p:set>
-                                      <p:cBhvr>
-                                        <p:cTn id="6" dur="1" fill="hold">
-                                          <p:stCondLst>
-                                            <p:cond delay="0"/>
-                                          </p:stCondLst>
-                                        </p:cTn>
-                                        <p:tgtEl>
-                                          <p:spTgt spid="3"/>
-                                        </p:tgtEl>
-                                        <p:attrNameLst>
-                                          <p:attrName>style.visibility</p:attrName>
-                                        </p:attrNameLst>
-                                      </p:cBhvr>
-                                      <p:to>
-                                        <p:strVal val="visible"/>
-                                      </p:to>
-                                    </p:set>
-                                    <p:animEffect transition="in" filter="fade">
-                                      <p:cBhvr>
-                                        <p:cTn id="7" dur="500"/>
-                                        <p:tgtEl>
-                                          <p:spTgt spid="3"/>
-                                        </p:tgtEl>
-                                      </p:cBhvr>
-                                    </p:animEffect>
-                                  </p:childTnLst>
-                                </p:cTn>
-                              </p:par>
-                              <p:par>
-                                <p:cTn id="8" presetID="10" presetClass="entr" presetSubtype="0" fill="hold" grpId="0" nodeType="withEffect">
-                                  <p:stCondLst>
-                                    <p:cond delay="0"/>
-                                  </p:stCondLst>
-                                  <p:childTnLst>
-                                    <p:set>
-                                      <p:cBhvr>
-                                        <p:cTn id="9" dur="1" fill="hold">
-                                          <p:stCondLst>
-                                            <p:cond delay="0"/>
-                                          </p:stCondLst>
-                                        </p:cTn>
-                                        <p:tgtEl>
-                                          <p:spTgt spid="4"/>
-                                        </p:tgtEl>
-                                        <p:attrNameLst>
-                                          <p:attrName>style.visibility</p:attrName>
-                                        </p:attrNameLst>
-                                      </p:cBhvr>
-                                      <p:to>
-                                        <p:strVal val="visible"/>
-                                      </p:to>
-                                    </p:set>
-                                    <p:animEffect transition="in" filter="fade">
-                                      <p:cBhvr>
-                                        <p:cTn id="10" dur="500"/>
-                                        <p:tgtEl>
-                                          <p:spTgt spid="4"/>
-                                        </p:tgtEl>
-                                      </p:cBhvr>
-                                    </p:animEffect>
-                                  </p:childTnLst>
-                                </p:cTn>
-                              </p:par>
-                            </p:childTnLst>
-                          </p:cTn>
-                        </p:par>
-                      </p:childTnLst>
-                    </p:cTn>
-                  </p:par>
-                  <p:par>
-                    <p:cTn id="11" fill="hold">
-                      <p:stCondLst>
-                        <p:cond delay="indefinite"/>
-                      </p:stCondLst>
-                      <p:childTnLst>
-                        <p:par>
-                          <p:cTn id="12" fill="hold">
-                            <p:stCondLst>
-                              <p:cond delay="0"/>
-                            </p:stCondLst>
-                            <p:childTnLst>
-                              <p:par>
-                                <p:cTn id="13" presetID="10" presetClass="entr" presetSubtype="0" fill="hold" nodeType="clickEffect">
-                                  <p:stCondLst>
-                                    <p:cond delay="0"/>
-                                  </p:stCondLst>
-                                  <p:childTnLst>
-                                    <p:set>
-                                      <p:cBhvr>
-                                        <p:cTn id="14" dur="1" fill="hold">
-                                          <p:stCondLst>
-                                            <p:cond delay="0"/>
-                                          </p:stCondLst>
-                                        </p:cTn>
-                                        <p:tgtEl>
-                                          <p:spTgt spid="2"/>
-                                        </p:tgtEl>
-                                        <p:attrNameLst>
-                                          <p:attrName>style.visibility</p:attrName>
-                                        </p:attrNameLst>
-                                      </p:cBhvr>
-                                      <p:to>
-                                        <p:strVal val="visible"/>
-                                      </p:to>
-                                    </p:set>
-                                    <p:animEffect transition="in" filter="fade">
-                                      <p:cBhvr>
-                                        <p:cTn id="15" dur="500"/>
-                                        <p:tgtEl>
-                                          <p:spTgt spid="2"/>
-                                        </p:tgtEl>
-                                      </p:cBhvr>
-                                    </p:animEffect>
-                                  </p:childTnLst>
-                                </p:cTn>
-                              </p:par>
-                              <p:par>
-                                <p:cTn id="16" presetID="10" presetClass="entr" presetSubtype="0" fill="hold" grpId="0" nodeType="withEffect">
-                                  <p:stCondLst>
-                                    <p:cond delay="0"/>
-                                  </p:stCondLst>
-                                  <p:childTnLst>
-                                    <p:set>
-                                      <p:cBhvr>
-                                        <p:cTn id="17" dur="1" fill="hold">
-                                          <p:stCondLst>
-                                            <p:cond delay="0"/>
-                                          </p:stCondLst>
-                                        </p:cTn>
-                                        <p:tgtEl>
-                                          <p:spTgt spid="5"/>
-                                        </p:tgtEl>
-                                        <p:attrNameLst>
-                                          <p:attrName>style.visibility</p:attrName>
-                                        </p:attrNameLst>
-                                      </p:cBhvr>
-                                      <p:to>
-                                        <p:strVal val="visible"/>
-                                      </p:to>
-                                    </p:set>
-                                    <p:animEffect transition="in" filter="fade">
-                                      <p:cBhvr>
-                                        <p:cTn id="18" dur="500"/>
-                                        <p:tgtEl>
-                                          <p:spTgt spid="5"/>
-                                        </p:tgtEl>
-                                      </p:cBhvr>
-                                    </p:animEffect>
-                                  </p:childTnLst>
-                                </p:cTn>
-                              </p:par>
-                            </p:childTnLst>
-                          </p:cTn>
-                        </p:par>
-                      </p:childTnLst>
-                    </p:cTn>
-                  </p:par>
-                </p:childTnLst>
-              </p:cTn>
-              <p:prevCondLst>
-                <p:cond evt="onPrev" delay="0">
-                  <p:tgtEl>
-                    <p:sldTgt/>
-                  </p:tgtEl>
-                </p:cond>
-              </p:prevCondLst>
-              <p:nextCondLst>
-                <p:cond evt="onNext" delay="0">
-                  <p:tgtEl>
-                    <p:sldTgt/>
-                  </p:tgtEl>
-                </p:cond>
-              </p:nextCondLst>
-            </p:seq>
-          </p:childTnLst>
-        </p:cTn>
-      </p:par>
-    </p:tnLst>
-    <p:bldLst>
-      <p:bldP spid="4" grpId="0"/>
-      <p:bldP spid="5" grpId="0"/>
-    </p:bldLst>
-  </p:timing>
-</p:sld>
-</file>
-
-<file path=ppt/slides/slide15.xml><?xml version="1.0" encoding="utf-8"?>
-<p:sld xmlns:a="http://schemas.openxmlformats.org/drawingml/2006/main" xmlns:r="http://schemas.openxmlformats.org/officeDocument/2006/relationships" xmlns:p="http://schemas.openxmlformats.org/presentationml/2006/main">
-  <p:cSld>
-    <p:spTree>
-      <p:nvGrpSpPr>
-        <p:cNvPr id="1" name=""/>
-        <p:cNvGrpSpPr/>
-        <p:nvPr/>
-      </p:nvGrpSpPr>
-      <p:grpSpPr>
-        <a:xfrm>
-          <a:off x="0" y="0"/>
-          <a:ext cx="0" cy="0"/>
-          <a:chOff x="0" y="0"/>
-          <a:chExt cx="0" cy="0"/>
-        </a:xfrm>
-      </p:grpSpPr>
-      <p:pic>
-        <p:nvPicPr>
-          <p:cNvPr id="2" name="Picture 1"/>
-          <p:cNvPicPr>
-            <a:picLocks noChangeAspect="1"/>
-          </p:cNvPicPr>
-          <p:nvPr/>
-        </p:nvPicPr>
-        <p:blipFill>
-          <a:blip r:embed="rId2">
-            <a:extLst>
-              <a:ext uri="{28A0092B-C50C-407E-A947-70E740481C1C}">
-                <a14:useLocalDpi xmlns:a14="http://schemas.microsoft.com/office/drawing/2010/main" val="0"/>
-              </a:ext>
-            </a:extLst>
-          </a:blip>
-          <a:stretch>
-            <a:fillRect/>
-          </a:stretch>
-        </p:blipFill>
-        <p:spPr>
-          <a:xfrm>
-            <a:off x="4572000" y="1446256"/>
-            <a:ext cx="4295238" cy="2857143"/>
-          </a:xfrm>
-          <a:prstGeom prst="rect">
-            <a:avLst/>
-          </a:prstGeom>
-        </p:spPr>
-      </p:pic>
-      <p:pic>
-        <p:nvPicPr>
-          <p:cNvPr id="3" name="Picture 2"/>
-          <p:cNvPicPr>
-            <a:picLocks noChangeAspect="1"/>
-          </p:cNvPicPr>
-          <p:nvPr/>
-        </p:nvPicPr>
-        <p:blipFill>
-          <a:blip r:embed="rId3">
-            <a:extLst>
-              <a:ext uri="{28A0092B-C50C-407E-A947-70E740481C1C}">
-                <a14:useLocalDpi xmlns:a14="http://schemas.microsoft.com/office/drawing/2010/main" val="0"/>
-              </a:ext>
-            </a:extLst>
-          </a:blip>
-          <a:stretch>
-            <a:fillRect/>
-          </a:stretch>
-        </p:blipFill>
-        <p:spPr>
-          <a:xfrm>
-            <a:off x="152400" y="1524000"/>
-            <a:ext cx="4004240" cy="2701656"/>
-          </a:xfrm>
-          <a:prstGeom prst="rect">
-            <a:avLst/>
-          </a:prstGeom>
-        </p:spPr>
-      </p:pic>
-      <p:sp>
-        <p:nvSpPr>
-          <p:cNvPr id="4" name="TextBox 4"/>
-          <p:cNvSpPr txBox="1"/>
-          <p:nvPr/>
-        </p:nvSpPr>
-        <p:spPr>
-          <a:xfrm>
-            <a:off x="2857500" y="4724400"/>
-            <a:ext cx="3429000" cy="369332"/>
-          </a:xfrm>
-          <a:prstGeom prst="rect">
-            <a:avLst/>
-          </a:prstGeom>
-          <a:noFill/>
-        </p:spPr>
-        <p:txBody>
-          <a:bodyPr wrap="square" rtlCol="0">
-            <a:spAutoFit/>
-          </a:bodyPr>
-          <a:lstStyle>
-            <a:defPPr>
-              <a:defRPr lang="en-US"/>
-            </a:defPPr>
-            <a:lvl1pPr marL="0" algn="l" defTabSz="914400" rtl="0" eaLnBrk="1" latinLnBrk="0" hangingPunct="1">
-              <a:defRPr sz="1800" kern="1200">
-                <a:solidFill>
-                  <a:schemeClr val="tx1"/>
-                </a:solidFill>
-                <a:latin typeface="+mn-lt"/>
-                <a:ea typeface="+mn-ea"/>
-                <a:cs typeface="+mn-cs"/>
-              </a:defRPr>
-            </a:lvl1pPr>
-            <a:lvl2pPr marL="457200" algn="l" defTabSz="914400" rtl="0" eaLnBrk="1" latinLnBrk="0" hangingPunct="1">
-              <a:defRPr sz="1800" kern="1200">
-                <a:solidFill>
-                  <a:schemeClr val="tx1"/>
-                </a:solidFill>
-                <a:latin typeface="+mn-lt"/>
-                <a:ea typeface="+mn-ea"/>
-                <a:cs typeface="+mn-cs"/>
-              </a:defRPr>
-            </a:lvl2pPr>
-            <a:lvl3pPr marL="914400" algn="l" defTabSz="914400" rtl="0" eaLnBrk="1" latinLnBrk="0" hangingPunct="1">
-              <a:defRPr sz="1800" kern="1200">
-                <a:solidFill>
-                  <a:schemeClr val="tx1"/>
-                </a:solidFill>
-                <a:latin typeface="+mn-lt"/>
-                <a:ea typeface="+mn-ea"/>
-                <a:cs typeface="+mn-cs"/>
-              </a:defRPr>
-            </a:lvl3pPr>
-            <a:lvl4pPr marL="1371600" algn="l" defTabSz="914400" rtl="0" eaLnBrk="1" latinLnBrk="0" hangingPunct="1">
-              <a:defRPr sz="1800" kern="1200">
-                <a:solidFill>
-                  <a:schemeClr val="tx1"/>
-                </a:solidFill>
-                <a:latin typeface="+mn-lt"/>
-                <a:ea typeface="+mn-ea"/>
-                <a:cs typeface="+mn-cs"/>
-              </a:defRPr>
-            </a:lvl4pPr>
-            <a:lvl5pPr marL="1828800" algn="l" defTabSz="914400" rtl="0" eaLnBrk="1" latinLnBrk="0" hangingPunct="1">
-              <a:defRPr sz="1800" kern="1200">
-                <a:solidFill>
-                  <a:schemeClr val="tx1"/>
-                </a:solidFill>
-                <a:latin typeface="+mn-lt"/>
-                <a:ea typeface="+mn-ea"/>
-                <a:cs typeface="+mn-cs"/>
-              </a:defRPr>
-            </a:lvl5pPr>
-            <a:lvl6pPr marL="2286000" algn="l" defTabSz="914400" rtl="0" eaLnBrk="1" latinLnBrk="0" hangingPunct="1">
-              <a:defRPr sz="1800" kern="1200">
-                <a:solidFill>
-                  <a:schemeClr val="tx1"/>
-                </a:solidFill>
-                <a:latin typeface="+mn-lt"/>
-                <a:ea typeface="+mn-ea"/>
-                <a:cs typeface="+mn-cs"/>
-              </a:defRPr>
-            </a:lvl6pPr>
-            <a:lvl7pPr marL="2743200" algn="l" defTabSz="914400" rtl="0" eaLnBrk="1" latinLnBrk="0" hangingPunct="1">
-              <a:defRPr sz="1800" kern="1200">
-                <a:solidFill>
-                  <a:schemeClr val="tx1"/>
-                </a:solidFill>
-                <a:latin typeface="+mn-lt"/>
-                <a:ea typeface="+mn-ea"/>
-                <a:cs typeface="+mn-cs"/>
-              </a:defRPr>
-            </a:lvl7pPr>
-            <a:lvl8pPr marL="3200400" algn="l" defTabSz="914400" rtl="0" eaLnBrk="1" latinLnBrk="0" hangingPunct="1">
-              <a:defRPr sz="1800" kern="1200">
-                <a:solidFill>
-                  <a:schemeClr val="tx1"/>
-                </a:solidFill>
-                <a:latin typeface="+mn-lt"/>
-                <a:ea typeface="+mn-ea"/>
-                <a:cs typeface="+mn-cs"/>
-              </a:defRPr>
-            </a:lvl8pPr>
-            <a:lvl9pPr marL="3657600" algn="l" defTabSz="914400" rtl="0" eaLnBrk="1" latinLnBrk="0" hangingPunct="1">
-              <a:defRPr sz="1800" kern="1200">
-                <a:solidFill>
-                  <a:schemeClr val="tx1"/>
-                </a:solidFill>
-                <a:latin typeface="+mn-lt"/>
-                <a:ea typeface="+mn-ea"/>
-                <a:cs typeface="+mn-cs"/>
-              </a:defRPr>
-            </a:lvl9pPr>
-          </a:lstStyle>
-          <a:p>
-            <a:r>
-              <a:rPr lang="en-US" u="sng" dirty="0" smtClean="0">
-                <a:solidFill>
-                  <a:schemeClr val="tx2"/>
-                </a:solidFill>
-              </a:rPr>
-              <a:t>ROLL NUMBER UPDATING FORM</a:t>
-            </a:r>
-            <a:endParaRPr lang="en-GB" u="sng" dirty="0">
-              <a:solidFill>
-                <a:schemeClr val="tx2"/>
-              </a:solidFill>
-            </a:endParaRPr>
-          </a:p>
-        </p:txBody>
-      </p:sp>
-    </p:spTree>
-    <p:extLst>
-      <p:ext uri="{BB962C8B-B14F-4D97-AF65-F5344CB8AC3E}">
-        <p14:creationId xmlns:p14="http://schemas.microsoft.com/office/powerpoint/2010/main" val="53981921"/>
-      </p:ext>
-    </p:extLst>
-  </p:cSld>
-  <p:clrMapOvr>
-    <a:masterClrMapping/>
-  </p:clrMapOvr>
-  <p:timing>
-    <p:tnLst>
-      <p:par>
-        <p:cTn id="1" dur="indefinite" restart="never" nodeType="tmRoot">
-          <p:childTnLst>
-            <p:seq concurrent="1" nextAc="seek">
-              <p:cTn id="2" dur="indefinite" nodeType="mainSeq">
-                <p:childTnLst>
-                  <p:par>
-                    <p:cTn id="3" fill="hold">
-                      <p:stCondLst>
-                        <p:cond delay="indefinite"/>
-                      </p:stCondLst>
-                      <p:childTnLst>
-                        <p:par>
-                          <p:cTn id="4" fill="hold">
-                            <p:stCondLst>
-                              <p:cond delay="0"/>
-                            </p:stCondLst>
-                            <p:childTnLst>
-                              <p:par>
-                                <p:cTn id="5" presetID="10" presetClass="entr" presetSubtype="0" fill="hold" nodeType="clickEffect">
-                                  <p:stCondLst>
-                                    <p:cond delay="0"/>
-                                  </p:stCondLst>
-                                  <p:childTnLst>
-                                    <p:set>
-                                      <p:cBhvr>
-                                        <p:cTn id="6" dur="1" fill="hold">
-                                          <p:stCondLst>
-                                            <p:cond delay="0"/>
-                                          </p:stCondLst>
-                                        </p:cTn>
-                                        <p:tgtEl>
-                                          <p:spTgt spid="3"/>
-                                        </p:tgtEl>
-                                        <p:attrNameLst>
-                                          <p:attrName>style.visibility</p:attrName>
-                                        </p:attrNameLst>
-                                      </p:cBhvr>
-                                      <p:to>
-                                        <p:strVal val="visible"/>
-                                      </p:to>
-                                    </p:set>
-                                    <p:animEffect transition="in" filter="fade">
-                                      <p:cBhvr>
-                                        <p:cTn id="7" dur="500"/>
-                                        <p:tgtEl>
-                                          <p:spTgt spid="3"/>
-                                        </p:tgtEl>
-                                      </p:cBhvr>
-                                    </p:animEffect>
-                                  </p:childTnLst>
-                                </p:cTn>
-                              </p:par>
-                              <p:par>
-                                <p:cTn id="8" presetID="10" presetClass="entr" presetSubtype="0" fill="hold" nodeType="withEffect">
-                                  <p:stCondLst>
-                                    <p:cond delay="0"/>
-                                  </p:stCondLst>
-                                  <p:childTnLst>
-                                    <p:set>
-                                      <p:cBhvr>
-                                        <p:cTn id="9" dur="1" fill="hold">
-                                          <p:stCondLst>
-                                            <p:cond delay="0"/>
-                                          </p:stCondLst>
-                                        </p:cTn>
-                                        <p:tgtEl>
-                                          <p:spTgt spid="2"/>
-                                        </p:tgtEl>
-                                        <p:attrNameLst>
-                                          <p:attrName>style.visibility</p:attrName>
-                                        </p:attrNameLst>
-                                      </p:cBhvr>
-                                      <p:to>
-                                        <p:strVal val="visible"/>
-                                      </p:to>
-                                    </p:set>
-                                    <p:animEffect transition="in" filter="fade">
-                                      <p:cBhvr>
-                                        <p:cTn id="10" dur="500"/>
-                                        <p:tgtEl>
-                                          <p:spTgt spid="2"/>
-                                        </p:tgtEl>
-                                      </p:cBhvr>
-                                    </p:animEffect>
-                                  </p:childTnLst>
-                                </p:cTn>
-                              </p:par>
-                              <p:par>
-                                <p:cTn id="11" presetID="10" presetClass="entr" presetSubtype="0" fill="hold" grpId="0" nodeType="withEffect">
-                                  <p:stCondLst>
-                                    <p:cond delay="0"/>
-                                  </p:stCondLst>
-                                  <p:childTnLst>
-                                    <p:set>
-                                      <p:cBhvr>
-                                        <p:cTn id="12" dur="1" fill="hold">
-                                          <p:stCondLst>
-                                            <p:cond delay="0"/>
-                                          </p:stCondLst>
-                                        </p:cTn>
-                                        <p:tgtEl>
-                                          <p:spTgt spid="4"/>
-                                        </p:tgtEl>
-                                        <p:attrNameLst>
-                                          <p:attrName>style.visibility</p:attrName>
-                                        </p:attrNameLst>
-                                      </p:cBhvr>
-                                      <p:to>
-                                        <p:strVal val="visible"/>
-                                      </p:to>
-                                    </p:set>
-                                    <p:animEffect transition="in" filter="fade">
-                                      <p:cBhvr>
-                                        <p:cTn id="13" dur="500"/>
-                                        <p:tgtEl>
-                                          <p:spTgt spid="4"/>
-                                        </p:tgtEl>
-                                      </p:cBhvr>
-                                    </p:animEffect>
-                                  </p:childTnLst>
-                                </p:cTn>
-                              </p:par>
-                            </p:childTnLst>
-                          </p:cTn>
-                        </p:par>
-                      </p:childTnLst>
-                    </p:cTn>
-                  </p:par>
-                </p:childTnLst>
-              </p:cTn>
-              <p:prevCondLst>
-                <p:cond evt="onPrev" delay="0">
-                  <p:tgtEl>
-                    <p:sldTgt/>
-                  </p:tgtEl>
-                </p:cond>
-              </p:prevCondLst>
-              <p:nextCondLst>
-                <p:cond evt="onNext" delay="0">
-                  <p:tgtEl>
-                    <p:sldTgt/>
-                  </p:tgtEl>
-                </p:cond>
-              </p:nextCondLst>
-            </p:seq>
-          </p:childTnLst>
-        </p:cTn>
-      </p:par>
-    </p:tnLst>
-    <p:bldLst>
-      <p:bldP spid="4" grpId="0"/>
-    </p:bldLst>
-  </p:timing>
-</p:sld>
-</file>
-
-<file path=ppt/slides/slide16.xml><?xml version="1.0" encoding="utf-8"?>
-<p:sld xmlns:a="http://schemas.openxmlformats.org/drawingml/2006/main" xmlns:r="http://schemas.openxmlformats.org/officeDocument/2006/relationships" xmlns:p="http://schemas.openxmlformats.org/presentationml/2006/main">
-  <p:cSld>
-    <p:spTree>
-      <p:nvGrpSpPr>
-        <p:cNvPr id="1" name=""/>
-        <p:cNvGrpSpPr/>
-        <p:nvPr/>
-      </p:nvGrpSpPr>
-      <p:grpSpPr>
-        <a:xfrm>
-          <a:off x="0" y="0"/>
-          <a:ext cx="0" cy="0"/>
-          <a:chOff x="0" y="0"/>
-          <a:chExt cx="0" cy="0"/>
-        </a:xfrm>
-      </p:grpSpPr>
-      <p:pic>
-        <p:nvPicPr>
-          <p:cNvPr id="2" name="Picture 1"/>
-          <p:cNvPicPr>
-            <a:picLocks noChangeAspect="1"/>
-          </p:cNvPicPr>
-          <p:nvPr/>
-        </p:nvPicPr>
-        <p:blipFill>
-          <a:blip r:embed="rId2">
-            <a:extLst>
-              <a:ext uri="{28A0092B-C50C-407E-A947-70E740481C1C}">
-                <a14:useLocalDpi xmlns:a14="http://schemas.microsoft.com/office/drawing/2010/main" val="0"/>
-              </a:ext>
-            </a:extLst>
-          </a:blip>
-          <a:stretch>
-            <a:fillRect/>
-          </a:stretch>
-        </p:blipFill>
-        <p:spPr>
-          <a:xfrm>
-            <a:off x="2362200" y="381000"/>
-            <a:ext cx="3909715" cy="4682293"/>
-          </a:xfrm>
-          <a:prstGeom prst="rect">
-            <a:avLst/>
-          </a:prstGeom>
-        </p:spPr>
-      </p:pic>
-      <p:sp>
-        <p:nvSpPr>
-          <p:cNvPr id="3" name="TextBox 4"/>
-          <p:cNvSpPr txBox="1"/>
-          <p:nvPr/>
-        </p:nvSpPr>
-        <p:spPr>
-          <a:xfrm>
-            <a:off x="2514600" y="5181600"/>
-            <a:ext cx="3429000" cy="369332"/>
-          </a:xfrm>
-          <a:prstGeom prst="rect">
-            <a:avLst/>
-          </a:prstGeom>
-          <a:noFill/>
-        </p:spPr>
-        <p:txBody>
-          <a:bodyPr wrap="square" rtlCol="0">
-            <a:spAutoFit/>
-          </a:bodyPr>
-          <a:lstStyle>
-            <a:defPPr>
-              <a:defRPr lang="en-US"/>
-            </a:defPPr>
-            <a:lvl1pPr marL="0" algn="l" defTabSz="914400" rtl="0" eaLnBrk="1" latinLnBrk="0" hangingPunct="1">
-              <a:defRPr sz="1800" kern="1200">
-                <a:solidFill>
-                  <a:schemeClr val="tx1"/>
-                </a:solidFill>
-                <a:latin typeface="+mn-lt"/>
-                <a:ea typeface="+mn-ea"/>
-                <a:cs typeface="+mn-cs"/>
-              </a:defRPr>
-            </a:lvl1pPr>
-            <a:lvl2pPr marL="457200" algn="l" defTabSz="914400" rtl="0" eaLnBrk="1" latinLnBrk="0" hangingPunct="1">
-              <a:defRPr sz="1800" kern="1200">
-                <a:solidFill>
-                  <a:schemeClr val="tx1"/>
-                </a:solidFill>
-                <a:latin typeface="+mn-lt"/>
-                <a:ea typeface="+mn-ea"/>
-                <a:cs typeface="+mn-cs"/>
-              </a:defRPr>
-            </a:lvl2pPr>
-            <a:lvl3pPr marL="914400" algn="l" defTabSz="914400" rtl="0" eaLnBrk="1" latinLnBrk="0" hangingPunct="1">
-              <a:defRPr sz="1800" kern="1200">
-                <a:solidFill>
-                  <a:schemeClr val="tx1"/>
-                </a:solidFill>
-                <a:latin typeface="+mn-lt"/>
-                <a:ea typeface="+mn-ea"/>
-                <a:cs typeface="+mn-cs"/>
-              </a:defRPr>
-            </a:lvl3pPr>
-            <a:lvl4pPr marL="1371600" algn="l" defTabSz="914400" rtl="0" eaLnBrk="1" latinLnBrk="0" hangingPunct="1">
-              <a:defRPr sz="1800" kern="1200">
-                <a:solidFill>
-                  <a:schemeClr val="tx1"/>
-                </a:solidFill>
-                <a:latin typeface="+mn-lt"/>
-                <a:ea typeface="+mn-ea"/>
-                <a:cs typeface="+mn-cs"/>
-              </a:defRPr>
-            </a:lvl4pPr>
-            <a:lvl5pPr marL="1828800" algn="l" defTabSz="914400" rtl="0" eaLnBrk="1" latinLnBrk="0" hangingPunct="1">
-              <a:defRPr sz="1800" kern="1200">
-                <a:solidFill>
-                  <a:schemeClr val="tx1"/>
-                </a:solidFill>
-                <a:latin typeface="+mn-lt"/>
-                <a:ea typeface="+mn-ea"/>
-                <a:cs typeface="+mn-cs"/>
-              </a:defRPr>
-            </a:lvl5pPr>
-            <a:lvl6pPr marL="2286000" algn="l" defTabSz="914400" rtl="0" eaLnBrk="1" latinLnBrk="0" hangingPunct="1">
-              <a:defRPr sz="1800" kern="1200">
-                <a:solidFill>
-                  <a:schemeClr val="tx1"/>
-                </a:solidFill>
-                <a:latin typeface="+mn-lt"/>
-                <a:ea typeface="+mn-ea"/>
-                <a:cs typeface="+mn-cs"/>
-              </a:defRPr>
-            </a:lvl6pPr>
-            <a:lvl7pPr marL="2743200" algn="l" defTabSz="914400" rtl="0" eaLnBrk="1" latinLnBrk="0" hangingPunct="1">
-              <a:defRPr sz="1800" kern="1200">
-                <a:solidFill>
-                  <a:schemeClr val="tx1"/>
-                </a:solidFill>
-                <a:latin typeface="+mn-lt"/>
-                <a:ea typeface="+mn-ea"/>
-                <a:cs typeface="+mn-cs"/>
-              </a:defRPr>
-            </a:lvl7pPr>
-            <a:lvl8pPr marL="3200400" algn="l" defTabSz="914400" rtl="0" eaLnBrk="1" latinLnBrk="0" hangingPunct="1">
-              <a:defRPr sz="1800" kern="1200">
-                <a:solidFill>
-                  <a:schemeClr val="tx1"/>
-                </a:solidFill>
-                <a:latin typeface="+mn-lt"/>
-                <a:ea typeface="+mn-ea"/>
-                <a:cs typeface="+mn-cs"/>
-              </a:defRPr>
-            </a:lvl8pPr>
-            <a:lvl9pPr marL="3657600" algn="l" defTabSz="914400" rtl="0" eaLnBrk="1" latinLnBrk="0" hangingPunct="1">
-              <a:defRPr sz="1800" kern="1200">
-                <a:solidFill>
-                  <a:schemeClr val="tx1"/>
-                </a:solidFill>
-                <a:latin typeface="+mn-lt"/>
-                <a:ea typeface="+mn-ea"/>
-                <a:cs typeface="+mn-cs"/>
-              </a:defRPr>
-            </a:lvl9pPr>
-          </a:lstStyle>
-          <a:p>
-            <a:r>
-              <a:rPr lang="en-US" u="sng" dirty="0" smtClean="0">
-                <a:solidFill>
-                  <a:schemeClr val="tx2"/>
-                </a:solidFill>
-              </a:rPr>
-              <a:t>MARKS INSERT AND VIEW FORM</a:t>
-            </a:r>
-            <a:endParaRPr lang="en-GB" u="sng" dirty="0">
-              <a:solidFill>
-                <a:schemeClr val="tx2"/>
-              </a:solidFill>
-            </a:endParaRPr>
-          </a:p>
-        </p:txBody>
-      </p:sp>
-    </p:spTree>
-    <p:extLst>
-      <p:ext uri="{BB962C8B-B14F-4D97-AF65-F5344CB8AC3E}">
-        <p14:creationId xmlns:p14="http://schemas.microsoft.com/office/powerpoint/2010/main" val="2794565591"/>
-      </p:ext>
-    </p:extLst>
-  </p:cSld>
-  <p:clrMapOvr>
-    <a:masterClrMapping/>
-  </p:clrMapOvr>
-  <p:timing>
-    <p:tnLst>
-      <p:par>
-        <p:cTn id="1" dur="indefinite" restart="never" nodeType="tmRoot"/>
-      </p:par>
-    </p:tnLst>
-  </p:timing>
-</p:sld>
-</file>
-
-<file path=ppt/slides/slide17.xml><?xml version="1.0" encoding="utf-8"?>
 <p:sld xmlns:a="http://schemas.openxmlformats.org/drawingml/2006/main" xmlns:r="http://schemas.openxmlformats.org/officeDocument/2006/relationships" xmlns:p="http://schemas.openxmlformats.org/presentationml/2006/main">
   <p:cSld>
     <p:spTree>
@@ -10318,7 +7471,7 @@
 </p:sld>
 </file>
 
-<file path=ppt/slides/slide18.xml><?xml version="1.0" encoding="utf-8"?>
+<file path=ppt/slides/slide12.xml><?xml version="1.0" encoding="utf-8"?>
 <p:sld xmlns:a="http://schemas.openxmlformats.org/drawingml/2006/main" xmlns:r="http://schemas.openxmlformats.org/officeDocument/2006/relationships" xmlns:p="http://schemas.openxmlformats.org/presentationml/2006/main">
   <p:cSld>
     <p:spTree>
@@ -10754,7 +7907,7 @@
 </p:sld>
 </file>
 
-<file path=ppt/slides/slide19.xml><?xml version="1.0" encoding="utf-8"?>
+<file path=ppt/slides/slide13.xml><?xml version="1.0" encoding="utf-8"?>
 <p:sld xmlns:a="http://schemas.openxmlformats.org/drawingml/2006/main" xmlns:r="http://schemas.openxmlformats.org/officeDocument/2006/relationships" xmlns:p="http://schemas.openxmlformats.org/presentationml/2006/main">
   <p:cSld>
     <p:spTree>
